--- a/Báo cáo/Slide bao cao.pptx
+++ b/Báo cáo/Slide bao cao.pptx
@@ -5,7 +5,7 @@
     <p:sldMasterId id="2147483648" r:id="rId1"/>
   </p:sldMasterIdLst>
   <p:notesMasterIdLst>
-    <p:notesMasterId r:id="rId24"/>
+    <p:notesMasterId r:id="rId27"/>
   </p:notesMasterIdLst>
   <p:sldIdLst>
     <p:sldId id="256" r:id="rId2"/>
@@ -14,22 +14,25 @@
     <p:sldId id="319" r:id="rId5"/>
     <p:sldId id="320" r:id="rId6"/>
     <p:sldId id="321" r:id="rId7"/>
-    <p:sldId id="291" r:id="rId8"/>
-    <p:sldId id="292" r:id="rId9"/>
-    <p:sldId id="293" r:id="rId10"/>
-    <p:sldId id="294" r:id="rId11"/>
-    <p:sldId id="322" r:id="rId12"/>
-    <p:sldId id="323" r:id="rId13"/>
-    <p:sldId id="324" r:id="rId14"/>
-    <p:sldId id="297" r:id="rId15"/>
-    <p:sldId id="325" r:id="rId16"/>
-    <p:sldId id="326" r:id="rId17"/>
-    <p:sldId id="327" r:id="rId18"/>
-    <p:sldId id="330" r:id="rId19"/>
-    <p:sldId id="328" r:id="rId20"/>
-    <p:sldId id="303" r:id="rId21"/>
-    <p:sldId id="329" r:id="rId22"/>
-    <p:sldId id="276" r:id="rId23"/>
+    <p:sldId id="331" r:id="rId8"/>
+    <p:sldId id="332" r:id="rId9"/>
+    <p:sldId id="333" r:id="rId10"/>
+    <p:sldId id="334" r:id="rId11"/>
+    <p:sldId id="292" r:id="rId12"/>
+    <p:sldId id="293" r:id="rId13"/>
+    <p:sldId id="294" r:id="rId14"/>
+    <p:sldId id="322" r:id="rId15"/>
+    <p:sldId id="323" r:id="rId16"/>
+    <p:sldId id="324" r:id="rId17"/>
+    <p:sldId id="297" r:id="rId18"/>
+    <p:sldId id="325" r:id="rId19"/>
+    <p:sldId id="326" r:id="rId20"/>
+    <p:sldId id="327" r:id="rId21"/>
+    <p:sldId id="330" r:id="rId22"/>
+    <p:sldId id="328" r:id="rId23"/>
+    <p:sldId id="303" r:id="rId24"/>
+    <p:sldId id="329" r:id="rId25"/>
+    <p:sldId id="276" r:id="rId26"/>
   </p:sldIdLst>
   <p:sldSz cx="9144000" cy="6858000" type="screen4x3"/>
   <p:notesSz cx="6858000" cy="9144000"/>
@@ -4466,7 +4469,7 @@
           <a:p>
             <a:fld id="{510FE56D-530A-43F0-800C-9211A1FB4B3B}" type="datetimeFigureOut">
               <a:rPr lang="en-US" smtClean="0"/>
-              <a:t>7/24/2014</a:t>
+              <a:t>7/27/2014</a:t>
             </a:fld>
             <a:endParaRPr lang="en-US"/>
           </a:p>
@@ -4778,119 +4781,21 @@
           <a:bodyPr/>
           <a:lstStyle/>
           <a:p>
-            <a:pPr marL="228600" indent="-228600">
-              <a:buFont typeface="Wingdings" panose="05000000000000000000" pitchFamily="2" charset="2"/>
-              <a:buChar char="v"/>
-            </a:pPr>
-            <a:r>
-              <a:rPr lang="en-US" smtClean="0"/>
-              <a:t>Các</a:t>
+            <a:r>
+              <a:rPr lang="en-US" smtClean="0"/>
+              <a:t>Kính</a:t>
             </a:r>
             <a:r>
               <a:rPr lang="en-US" baseline="0" smtClean="0"/>
-              <a:t> phương pháp truyền thống chia quá trình phát triền thành từng giai đoạn tách biệt, giai đoạn này nối tiếp giai đoạn kia. Vd với waterfall là phân tích, thiết kế, xây dựng, kiểm thử, chuyển giao. Việc phân chia như vậy có vấn đề sau</a:t>
-            </a:r>
-          </a:p>
-          <a:p>
-            <a:pPr marL="685800" marR="0" lvl="1" indent="-228600" algn="l" defTabSz="914400" rtl="0" eaLnBrk="1" fontAlgn="auto" latinLnBrk="0" hangingPunct="1">
-              <a:lnSpc>
-                <a:spcPct val="100000"/>
-              </a:lnSpc>
-              <a:spcBef>
-                <a:spcPts val="0"/>
-              </a:spcBef>
-              <a:spcAft>
-                <a:spcPts val="0"/>
-              </a:spcAft>
-              <a:buClrTx/>
-              <a:buSzTx/>
-              <a:buFont typeface="Wingdings" panose="05000000000000000000" pitchFamily="2" charset="2"/>
-              <a:buChar char="v"/>
-              <a:tabLst/>
-              <a:defRPr/>
-            </a:pPr>
-            <a:r>
-              <a:rPr lang="en-US" smtClean="0"/>
-              <a:t>Sản phẩm</a:t>
-            </a:r>
+              <a:t> chào quý thầy cô, em là Phạm Ánh Dương.</a:t>
+            </a:r>
+          </a:p>
+          <a:p>
             <a:r>
               <a:rPr lang="en-US" baseline="0" smtClean="0"/>
-              <a:t> làm ra thường không đáp ứng được yêu cầu người dùng, cuối chu kì phát triển sản phẩm mới được chuyển giao cho người dùng từ đó thiếu phản hồi từ người dùng.</a:t>
-            </a:r>
-          </a:p>
-          <a:p>
-            <a:pPr marL="685800" lvl="1" indent="-228600">
-              <a:buFont typeface="Wingdings" panose="05000000000000000000" pitchFamily="2" charset="2"/>
-              <a:buChar char="v"/>
-            </a:pPr>
-            <a:r>
-              <a:rPr lang="en-US" baseline="0" smtClean="0"/>
-              <a:t>Người dùng thường không hình dung họ muốn gì cho tới khi họ thấy sản phẩm </a:t>
-            </a:r>
-          </a:p>
-          <a:p>
-            <a:pPr marL="685800" lvl="1" indent="-228600">
-              <a:buFont typeface="Wingdings" panose="05000000000000000000" pitchFamily="2" charset="2"/>
-              <a:buChar char="v"/>
-            </a:pPr>
-            <a:r>
-              <a:rPr lang="en-US" smtClean="0"/>
-              <a:t>Việc</a:t>
-            </a:r>
-            <a:r>
-              <a:rPr lang="en-US" baseline="0" smtClean="0"/>
-              <a:t> chi các bước thực hiện như vậy, sai sót trong bước đầu có thể dẫn đến những hậu quả nghiêm trọng.</a:t>
-            </a:r>
-          </a:p>
-          <a:p>
-            <a:pPr marL="685800" lvl="1" indent="-228600">
-              <a:buFont typeface="Wingdings" panose="05000000000000000000" pitchFamily="2" charset="2"/>
-              <a:buChar char="v"/>
-            </a:pPr>
-            <a:r>
-              <a:rPr lang="en-US" baseline="0" smtClean="0"/>
-              <a:t>Các thành viên phải chờ đợi chuyển giao từ các nhóm khác từ công việc ở bước trước</a:t>
-            </a:r>
-          </a:p>
-          <a:p>
-            <a:pPr marL="685800" lvl="1" indent="-228600">
-              <a:buFont typeface="Wingdings" panose="05000000000000000000" pitchFamily="2" charset="2"/>
-              <a:buChar char="v"/>
-            </a:pPr>
-            <a:r>
-              <a:rPr lang="en-US" smtClean="0"/>
-              <a:t>=&gt; hậu</a:t>
-            </a:r>
-            <a:r>
-              <a:rPr lang="en-US" baseline="0" smtClean="0"/>
-              <a:t> quả, các dự án có khả năng thất bại cao.</a:t>
-            </a:r>
-          </a:p>
-          <a:p>
-            <a:pPr marL="228600" lvl="0" indent="-228600">
-              <a:buFont typeface="Wingdings" panose="05000000000000000000" pitchFamily="2" charset="2"/>
-              <a:buChar char="v"/>
-            </a:pPr>
-            <a:r>
-              <a:rPr lang="en-US" baseline="0" smtClean="0"/>
-              <a:t>Agile cùng các phương pháp của nó ra đời đã tạo ra những thay đổi rất lớn, làm tăng gấp đôi số lượng các dự án thành công, tạo ra nhiều sản phẩm thực sự đáp ứng yêu cầu của người dùng. Để tìm hiều vì sao, Agile và các phương pháp của nó thành công như vậy, em xin phép tình bày các tuyên ngôn của Agile (được coi là cô đọng nhất những gì mà triết lý Agile hướng tới).</a:t>
-            </a:r>
-            <a:endParaRPr lang="en-US" sz="1200" b="0" i="0" kern="1200" smtClean="0">
-              <a:solidFill>
-                <a:schemeClr val="tx1"/>
-              </a:solidFill>
-              <a:effectLst/>
-              <a:latin typeface="+mn-lt"/>
-              <a:ea typeface="+mn-ea"/>
-              <a:cs typeface="+mn-cs"/>
-            </a:endParaRPr>
-          </a:p>
-          <a:p>
-            <a:pPr marL="228600" lvl="0" indent="-228600">
-              <a:buFont typeface="Wingdings" panose="05000000000000000000" pitchFamily="2" charset="2"/>
-              <a:buChar char="v"/>
-            </a:pPr>
-            <a:endParaRPr lang="en-US" baseline="0" smtClean="0"/>
+              <a:t>Sau đây em xin phép trình bày về đề tài: nghiên cứu mô hình Agile và phát triển công cụ hỗ trợ.</a:t>
+            </a:r>
+            <a:endParaRPr lang="en-US"/>
           </a:p>
         </p:txBody>
       </p:sp>
@@ -4911,7 +4816,7 @@
           <a:p>
             <a:fld id="{9708A7C2-DEB1-48DB-AFA5-4C0B0547ED1A}" type="slidenum">
               <a:rPr lang="en-US" smtClean="0"/>
-              <a:t>3</a:t>
+              <a:t>1</a:t>
             </a:fld>
             <a:endParaRPr lang="en-US"/>
           </a:p>
@@ -4920,7 +4825,7 @@
     </p:spTree>
     <p:extLst>
       <p:ext uri="{BB962C8B-B14F-4D97-AF65-F5344CB8AC3E}">
-        <p14:creationId xmlns:p14="http://schemas.microsoft.com/office/powerpoint/2010/main" val="334402022"/>
+        <p14:creationId xmlns:p14="http://schemas.microsoft.com/office/powerpoint/2010/main" val="1607459427"/>
       </p:ext>
     </p:extLst>
   </p:cSld>
@@ -4974,6 +4879,30 @@
           <a:bodyPr/>
           <a:lstStyle/>
           <a:p>
+            <a:pPr marL="0" marR="0" indent="0" algn="l" defTabSz="914400" rtl="0" eaLnBrk="1" fontAlgn="auto" latinLnBrk="0" hangingPunct="1">
+              <a:lnSpc>
+                <a:spcPct val="100000"/>
+              </a:lnSpc>
+              <a:spcBef>
+                <a:spcPts val="0"/>
+              </a:spcBef>
+              <a:spcAft>
+                <a:spcPts val="0"/>
+              </a:spcAft>
+              <a:buClrTx/>
+              <a:buSzTx/>
+              <a:buFontTx/>
+              <a:buNone/>
+              <a:tabLst/>
+              <a:defRPr/>
+            </a:pPr>
+            <a:r>
+              <a:rPr lang="en-US" baseline="0" smtClean="0"/>
+              <a:t>Tất cả các phương pháp theo Agile đều tích hợp sẵn các quy trình đáp ứng với các thay đổi từ khách hàng chằng hạn như trong Scrum là sơ kết Sprint và cải tiến Sprint.</a:t>
+            </a:r>
+            <a:endParaRPr lang="en-US" smtClean="0"/>
+          </a:p>
+          <a:p>
             <a:endParaRPr lang="en-US"/>
           </a:p>
         </p:txBody>
@@ -4995,7 +4924,1606 @@
           <a:p>
             <a:fld id="{9708A7C2-DEB1-48DB-AFA5-4C0B0547ED1A}" type="slidenum">
               <a:rPr lang="en-US" smtClean="0"/>
+              <a:t>10</a:t>
+            </a:fld>
+            <a:endParaRPr lang="en-US"/>
+          </a:p>
+        </p:txBody>
+      </p:sp>
+    </p:spTree>
+    <p:extLst>
+      <p:ext uri="{BB962C8B-B14F-4D97-AF65-F5344CB8AC3E}">
+        <p14:creationId xmlns:p14="http://schemas.microsoft.com/office/powerpoint/2010/main" val="3195172875"/>
+      </p:ext>
+    </p:extLst>
+  </p:cSld>
+  <p:clrMapOvr>
+    <a:masterClrMapping/>
+  </p:clrMapOvr>
+</p:notes>
+</file>
+
+<file path=ppt/notesSlides/notesSlide11.xml><?xml version="1.0" encoding="utf-8"?>
+<p:notes xmlns:a="http://schemas.openxmlformats.org/drawingml/2006/main" xmlns:r="http://schemas.openxmlformats.org/officeDocument/2006/relationships" xmlns:p="http://schemas.openxmlformats.org/presentationml/2006/main">
+  <p:cSld>
+    <p:spTree>
+      <p:nvGrpSpPr>
+        <p:cNvPr id="1" name=""/>
+        <p:cNvGrpSpPr/>
+        <p:nvPr/>
+      </p:nvGrpSpPr>
+      <p:grpSpPr>
+        <a:xfrm>
+          <a:off x="0" y="0"/>
+          <a:ext cx="0" cy="0"/>
+          <a:chOff x="0" y="0"/>
+          <a:chExt cx="0" cy="0"/>
+        </a:xfrm>
+      </p:grpSpPr>
+      <p:sp>
+        <p:nvSpPr>
+          <p:cNvPr id="2" name="Slide Image Placeholder 1"/>
+          <p:cNvSpPr>
+            <a:spLocks noGrp="1" noRot="1" noChangeAspect="1"/>
+          </p:cNvSpPr>
+          <p:nvPr>
+            <p:ph type="sldImg"/>
+          </p:nvPr>
+        </p:nvSpPr>
+        <p:spPr/>
+      </p:sp>
+      <p:sp>
+        <p:nvSpPr>
+          <p:cNvPr id="3" name="Notes Placeholder 2"/>
+          <p:cNvSpPr>
+            <a:spLocks noGrp="1"/>
+          </p:cNvSpPr>
+          <p:nvPr>
+            <p:ph type="body" idx="1"/>
+          </p:nvPr>
+        </p:nvSpPr>
+        <p:spPr/>
+        <p:txBody>
+          <a:bodyPr/>
+          <a:lstStyle/>
+          <a:p>
+            <a:pPr marL="171450" indent="-171450">
+              <a:buFont typeface="Wingdings" panose="05000000000000000000" pitchFamily="2" charset="2"/>
+              <a:buChar char="v"/>
+            </a:pPr>
+            <a:r>
+              <a:rPr lang="en-US" smtClean="0"/>
+              <a:t>Tính</a:t>
+            </a:r>
+            <a:r>
+              <a:rPr lang="en-US" baseline="0" smtClean="0"/>
+              <a:t> lặp: dự án được chia thành các phân đoạn nhỏ lặp đi lặp lại, thường có khung thời gian ngắn (từ 1 đến 4 tuần). Trong mỗi phân đoạn nhóm sẽ thực hiện đầy đủ như lập kế hoạch, </a:t>
+            </a:r>
+            <a:r>
+              <a:rPr lang="en-US" baseline="0" smtClean="0"/>
+              <a:t>phân </a:t>
+            </a:r>
+            <a:r>
+              <a:rPr lang="en-US" baseline="0" smtClean="0"/>
+              <a:t>tích yêu cầu, thiết kế, triển khai và kiểm thử.</a:t>
+            </a:r>
+          </a:p>
+          <a:p>
+            <a:pPr marL="171450" indent="-171450">
+              <a:buFont typeface="Wingdings" panose="05000000000000000000" pitchFamily="2" charset="2"/>
+              <a:buChar char="v"/>
+            </a:pPr>
+            <a:r>
+              <a:rPr lang="en-US" smtClean="0"/>
+              <a:t>Tính</a:t>
+            </a:r>
+            <a:r>
+              <a:rPr lang="en-US" baseline="0" smtClean="0"/>
+              <a:t> tăng và tiến hóa: cuối mỗi phân đoạn, nhóm phát triển cho ra các phần nhỏ của sản phẩm cuối cùng có thể sử dụng được. Theo thời gian, các </a:t>
+            </a:r>
+            <a:r>
+              <a:rPr lang="en-US" baseline="0" smtClean="0"/>
+              <a:t>phân </a:t>
+            </a:r>
+            <a:r>
+              <a:rPr lang="en-US" baseline="0" smtClean="0"/>
+              <a:t>đoạn này nối tiếp phân đoạn kia, dần dần tích lũy thành sản phẩm cuối cùng.</a:t>
+            </a:r>
+          </a:p>
+          <a:p>
+            <a:pPr marL="171450" indent="-171450">
+              <a:lnSpc>
+                <a:spcPct val="150000"/>
+              </a:lnSpc>
+              <a:buFont typeface="Wingdings" panose="05000000000000000000" pitchFamily="2" charset="2"/>
+              <a:buChar char="v"/>
+            </a:pPr>
+            <a:r>
+              <a:rPr lang="en-US" smtClean="0"/>
+              <a:t>Tính thích ứng: do các</a:t>
+            </a:r>
+            <a:r>
+              <a:rPr lang="en-US" baseline="0" smtClean="0"/>
+              <a:t> phân đoạn chỉ kéo dài trong 1 khoản thời gian ngắn, kế hoạch cũng được điều chỉnh liên tục nên các thay đổi trong quá trình phát triển như thay đổi yeu cầu, công nghệ, mục tiêu… đều có thể được đáp ứng</a:t>
+            </a:r>
+            <a:endParaRPr lang="en-US" smtClean="0"/>
+          </a:p>
+          <a:p>
+            <a:pPr marL="171450" indent="-171450">
+              <a:lnSpc>
+                <a:spcPct val="150000"/>
+              </a:lnSpc>
+              <a:buFont typeface="Wingdings" panose="05000000000000000000" pitchFamily="2" charset="2"/>
+              <a:buChar char="v"/>
+            </a:pPr>
+            <a:r>
+              <a:rPr lang="en-US" smtClean="0"/>
+              <a:t>Nhóm tự tổ chức và liên chức năng: các</a:t>
+            </a:r>
+            <a:r>
+              <a:rPr lang="en-US" baseline="0" smtClean="0"/>
+              <a:t> nhóm không có phân cấp chức danh cụ thể. Thành viên trong nhóm cùng nhau cộng tác để ra quyết định, theo dõi tiến độ, giải quyết các vấn đề.</a:t>
+            </a:r>
+            <a:endParaRPr lang="en-US" smtClean="0"/>
+          </a:p>
+          <a:p>
+            <a:pPr marL="171450" indent="-171450">
+              <a:lnSpc>
+                <a:spcPct val="150000"/>
+              </a:lnSpc>
+              <a:buFont typeface="Wingdings" panose="05000000000000000000" pitchFamily="2" charset="2"/>
+              <a:buChar char="v"/>
+            </a:pPr>
+            <a:r>
+              <a:rPr lang="en-US" smtClean="0"/>
+              <a:t>Quản lí tiến trình thực nghiệm: các</a:t>
+            </a:r>
+            <a:r>
+              <a:rPr lang="en-US" baseline="0" smtClean="0"/>
+              <a:t> nhóm Agile ra quyết định dựa vào dữ liệu thực tế thông qua việc chia nhỏ dự án thành các phân đoạn, điều này giúp cung cấp các điểm mốc để nhóm thu thập thêm dữ liệu, </a:t>
+            </a:r>
+            <a:r>
+              <a:rPr lang="en-US" baseline="0" smtClean="0"/>
+              <a:t>điều </a:t>
+            </a:r>
+            <a:r>
+              <a:rPr lang="en-US" baseline="0" smtClean="0"/>
+              <a:t>chỉnh chiến lược phát triển.</a:t>
+            </a:r>
+            <a:endParaRPr lang="en-US" smtClean="0"/>
+          </a:p>
+          <a:p>
+            <a:pPr marL="171450" indent="-171450">
+              <a:lnSpc>
+                <a:spcPct val="150000"/>
+              </a:lnSpc>
+              <a:buFont typeface="Wingdings" panose="05000000000000000000" pitchFamily="2" charset="2"/>
+              <a:buChar char="v"/>
+            </a:pPr>
+            <a:r>
+              <a:rPr lang="en-US" smtClean="0"/>
+              <a:t>Đối thoại trực diện: m</a:t>
+            </a:r>
+            <a:r>
+              <a:rPr lang="en-US" sz="1200" kern="1200" smtClean="0">
+                <a:solidFill>
+                  <a:schemeClr val="tx1"/>
+                </a:solidFill>
+                <a:effectLst/>
+                <a:latin typeface="+mn-lt"/>
+                <a:ea typeface="+mn-ea"/>
+                <a:cs typeface="+mn-cs"/>
+              </a:rPr>
+              <a:t>ột số mô hình phát triển phần mềm dựa rất nhiều vào công việc giấy tờ, Agile</a:t>
+            </a:r>
+            <a:r>
+              <a:rPr lang="en-US" sz="1200" kern="1200" baseline="0" smtClean="0">
+                <a:solidFill>
+                  <a:schemeClr val="tx1"/>
+                </a:solidFill>
+                <a:effectLst/>
+                <a:latin typeface="+mn-lt"/>
+                <a:ea typeface="+mn-ea"/>
+                <a:cs typeface="+mn-cs"/>
+              </a:rPr>
+              <a:t> không phản đối các tải liệu nhưng đánh giá cao hơn việc giao tiếp trực diện ví dụ như daily meeting.</a:t>
+            </a:r>
+            <a:endParaRPr lang="en-US" smtClean="0"/>
+          </a:p>
+          <a:p>
+            <a:pPr marL="171450" indent="-171450">
+              <a:lnSpc>
+                <a:spcPct val="150000"/>
+              </a:lnSpc>
+              <a:buFont typeface="Wingdings" panose="05000000000000000000" pitchFamily="2" charset="2"/>
+              <a:buChar char="v"/>
+            </a:pPr>
+            <a:r>
+              <a:rPr lang="en-US" smtClean="0"/>
+              <a:t>Phát triển dựa trên giá trị: nhóm</a:t>
+            </a:r>
+            <a:r>
+              <a:rPr lang="en-US" baseline="0" smtClean="0"/>
+              <a:t> Agile thường xuyên làm việc trực tiếp với khách hàng để biết yêu cầu nào quan trọng hơn, mang lại giá trị cao hơn cho dự án để tập trung phát triển và loại bỏ các công việc không cần thiết.</a:t>
+            </a:r>
+            <a:endParaRPr lang="en-US"/>
+          </a:p>
+        </p:txBody>
+      </p:sp>
+      <p:sp>
+        <p:nvSpPr>
+          <p:cNvPr id="4" name="Slide Number Placeholder 3"/>
+          <p:cNvSpPr>
+            <a:spLocks noGrp="1"/>
+          </p:cNvSpPr>
+          <p:nvPr>
+            <p:ph type="sldNum" sz="quarter" idx="10"/>
+          </p:nvPr>
+        </p:nvSpPr>
+        <p:spPr/>
+        <p:txBody>
+          <a:bodyPr/>
+          <a:lstStyle/>
+          <a:p>
+            <a:fld id="{9708A7C2-DEB1-48DB-AFA5-4C0B0547ED1A}" type="slidenum">
+              <a:rPr lang="en-US" smtClean="0"/>
+              <a:t>11</a:t>
+            </a:fld>
+            <a:endParaRPr lang="en-US"/>
+          </a:p>
+        </p:txBody>
+      </p:sp>
+    </p:spTree>
+    <p:extLst>
+      <p:ext uri="{BB962C8B-B14F-4D97-AF65-F5344CB8AC3E}">
+        <p14:creationId xmlns:p14="http://schemas.microsoft.com/office/powerpoint/2010/main" val="1150284039"/>
+      </p:ext>
+    </p:extLst>
+  </p:cSld>
+  <p:clrMapOvr>
+    <a:masterClrMapping/>
+  </p:clrMapOvr>
+</p:notes>
+</file>
+
+<file path=ppt/notesSlides/notesSlide12.xml><?xml version="1.0" encoding="utf-8"?>
+<p:notes xmlns:a="http://schemas.openxmlformats.org/drawingml/2006/main" xmlns:r="http://schemas.openxmlformats.org/officeDocument/2006/relationships" xmlns:p="http://schemas.openxmlformats.org/presentationml/2006/main">
+  <p:cSld>
+    <p:spTree>
+      <p:nvGrpSpPr>
+        <p:cNvPr id="1" name=""/>
+        <p:cNvGrpSpPr/>
+        <p:nvPr/>
+      </p:nvGrpSpPr>
+      <p:grpSpPr>
+        <a:xfrm>
+          <a:off x="0" y="0"/>
+          <a:ext cx="0" cy="0"/>
+          <a:chOff x="0" y="0"/>
+          <a:chExt cx="0" cy="0"/>
+        </a:xfrm>
+      </p:grpSpPr>
+      <p:sp>
+        <p:nvSpPr>
+          <p:cNvPr id="2" name="Slide Image Placeholder 1"/>
+          <p:cNvSpPr>
+            <a:spLocks noGrp="1" noRot="1" noChangeAspect="1"/>
+          </p:cNvSpPr>
+          <p:nvPr>
+            <p:ph type="sldImg"/>
+          </p:nvPr>
+        </p:nvSpPr>
+        <p:spPr/>
+      </p:sp>
+      <p:sp>
+        <p:nvSpPr>
+          <p:cNvPr id="3" name="Notes Placeholder 2"/>
+          <p:cNvSpPr>
+            <a:spLocks noGrp="1"/>
+          </p:cNvSpPr>
+          <p:nvPr>
+            <p:ph type="body" idx="1"/>
+          </p:nvPr>
+        </p:nvSpPr>
+        <p:spPr/>
+        <p:txBody>
+          <a:bodyPr/>
+          <a:lstStyle/>
+          <a:p>
+            <a:pPr marL="0" marR="0" indent="0" algn="l" defTabSz="914400" rtl="0" eaLnBrk="1" fontAlgn="auto" latinLnBrk="0" hangingPunct="1">
+              <a:lnSpc>
+                <a:spcPct val="100000"/>
+              </a:lnSpc>
+              <a:spcBef>
+                <a:spcPts val="0"/>
+              </a:spcBef>
+              <a:spcAft>
+                <a:spcPts val="0"/>
+              </a:spcAft>
+              <a:buClrTx/>
+              <a:buSzTx/>
+              <a:buFontTx/>
+              <a:buNone/>
+              <a:tabLst/>
+              <a:defRPr/>
+            </a:pPr>
+            <a:r>
+              <a:rPr lang="en-US" kern="1200" smtClean="0"/>
+              <a:t>Agile là một tập hợp các nguyên tắc còn Scrum đưa ra những hướng dẫn cụ thể cho phép chúng ta áp dụng, triển khai vào một dự án thực tế. </a:t>
+            </a:r>
+          </a:p>
+          <a:p>
+            <a:pPr marL="0" marR="0" indent="0" algn="l" defTabSz="914400" rtl="0" eaLnBrk="1" fontAlgn="auto" latinLnBrk="0" hangingPunct="1">
+              <a:lnSpc>
+                <a:spcPct val="100000"/>
+              </a:lnSpc>
+              <a:spcBef>
+                <a:spcPts val="0"/>
+              </a:spcBef>
+              <a:spcAft>
+                <a:spcPts val="0"/>
+              </a:spcAft>
+              <a:buClrTx/>
+              <a:buSzTx/>
+              <a:buFontTx/>
+              <a:buNone/>
+              <a:tabLst/>
+              <a:defRPr/>
+            </a:pPr>
+            <a:r>
+              <a:rPr lang="en-US" smtClean="0"/>
+              <a:t>Agile</a:t>
+            </a:r>
+            <a:r>
+              <a:rPr lang="en-US" baseline="0" smtClean="0"/>
+              <a:t> yêu cầu giao tiếp trực diện và Scrum có các cuộc họp hàng ngày (daily metting). Agile yêu cầu việc lặp lại và phát triển tăng trường và Scrum có Sprint. Agile yêu cầu quản lí tiến trình thực nghiệm, Scrum có các buổi họp sơ kết Sprint, cải tiến Sprint từ đó thu thập dữ liệu và cải tiến chiến lược phát triển.</a:t>
+            </a:r>
+            <a:endParaRPr lang="en-US" smtClean="0"/>
+          </a:p>
+          <a:p>
+            <a:endParaRPr lang="en-US"/>
+          </a:p>
+        </p:txBody>
+      </p:sp>
+      <p:sp>
+        <p:nvSpPr>
+          <p:cNvPr id="4" name="Slide Number Placeholder 3"/>
+          <p:cNvSpPr>
+            <a:spLocks noGrp="1"/>
+          </p:cNvSpPr>
+          <p:nvPr>
+            <p:ph type="sldNum" sz="quarter" idx="10"/>
+          </p:nvPr>
+        </p:nvSpPr>
+        <p:spPr/>
+        <p:txBody>
+          <a:bodyPr/>
+          <a:lstStyle/>
+          <a:p>
+            <a:fld id="{9708A7C2-DEB1-48DB-AFA5-4C0B0547ED1A}" type="slidenum">
+              <a:rPr lang="en-US" smtClean="0"/>
+              <a:t>12</a:t>
+            </a:fld>
+            <a:endParaRPr lang="en-US"/>
+          </a:p>
+        </p:txBody>
+      </p:sp>
+    </p:spTree>
+    <p:extLst>
+      <p:ext uri="{BB962C8B-B14F-4D97-AF65-F5344CB8AC3E}">
+        <p14:creationId xmlns:p14="http://schemas.microsoft.com/office/powerpoint/2010/main" val="3090677774"/>
+      </p:ext>
+    </p:extLst>
+  </p:cSld>
+  <p:clrMapOvr>
+    <a:masterClrMapping/>
+  </p:clrMapOvr>
+</p:notes>
+</file>
+
+<file path=ppt/notesSlides/notesSlide13.xml><?xml version="1.0" encoding="utf-8"?>
+<p:notes xmlns:a="http://schemas.openxmlformats.org/drawingml/2006/main" xmlns:r="http://schemas.openxmlformats.org/officeDocument/2006/relationships" xmlns:p="http://schemas.openxmlformats.org/presentationml/2006/main">
+  <p:cSld>
+    <p:spTree>
+      <p:nvGrpSpPr>
+        <p:cNvPr id="1" name=""/>
+        <p:cNvGrpSpPr/>
+        <p:nvPr/>
+      </p:nvGrpSpPr>
+      <p:grpSpPr>
+        <a:xfrm>
+          <a:off x="0" y="0"/>
+          <a:ext cx="0" cy="0"/>
+          <a:chOff x="0" y="0"/>
+          <a:chExt cx="0" cy="0"/>
+        </a:xfrm>
+      </p:grpSpPr>
+      <p:sp>
+        <p:nvSpPr>
+          <p:cNvPr id="2" name="Slide Image Placeholder 1"/>
+          <p:cNvSpPr>
+            <a:spLocks noGrp="1" noRot="1" noChangeAspect="1"/>
+          </p:cNvSpPr>
+          <p:nvPr>
+            <p:ph type="sldImg"/>
+          </p:nvPr>
+        </p:nvSpPr>
+        <p:spPr/>
+      </p:sp>
+      <p:sp>
+        <p:nvSpPr>
+          <p:cNvPr id="3" name="Notes Placeholder 2"/>
+          <p:cNvSpPr>
+            <a:spLocks noGrp="1"/>
+          </p:cNvSpPr>
+          <p:nvPr>
+            <p:ph type="body" idx="1"/>
+          </p:nvPr>
+        </p:nvSpPr>
+        <p:spPr/>
+        <p:txBody>
+          <a:bodyPr/>
+          <a:lstStyle/>
+          <a:p>
+            <a:pPr marL="171450" indent="-171450">
+              <a:buFont typeface="Wingdings" panose="05000000000000000000" pitchFamily="2" charset="2"/>
+              <a:buChar char="v"/>
+            </a:pPr>
+            <a:r>
+              <a:rPr lang="en-US" smtClean="0"/>
+              <a:t>Scrum</a:t>
+            </a:r>
+            <a:r>
+              <a:rPr lang="en-US" baseline="0" smtClean="0"/>
+              <a:t> muốn thành công thì thông tin liên quan tới quá trình phát triển sản phẩm phải thông suốt,minh bạch tư đó đội ngũ xây dụng dự án mới có thể ra quyết định nâng cao giá trị công việc.</a:t>
+            </a:r>
+          </a:p>
+          <a:p>
+            <a:pPr marL="171450" indent="-171450">
+              <a:buFont typeface="Wingdings" panose="05000000000000000000" pitchFamily="2" charset="2"/>
+              <a:buChar char="v"/>
+            </a:pPr>
+            <a:r>
+              <a:rPr lang="en-US" baseline="0" smtClean="0"/>
+              <a:t>Người sử dụng Scrum phải thường xuyên thanh tra đồ nghề và tiến độ để phát hiện những vấn đề bất thường.</a:t>
+            </a:r>
+          </a:p>
+          <a:p>
+            <a:pPr marL="171450" indent="-171450">
+              <a:buFont typeface="Wingdings" panose="05000000000000000000" pitchFamily="2" charset="2"/>
+              <a:buChar char="v"/>
+            </a:pPr>
+            <a:r>
+              <a:rPr lang="en-US" baseline="0" smtClean="0"/>
+              <a:t>Nếu quá trình thanh tra xác định rằng có vấn đề phát sinh có thể dẫn đến hậu quả nghiêm trọng, thì quy trình phải được điều chỉnh.</a:t>
+            </a:r>
+            <a:endParaRPr lang="en-US"/>
+          </a:p>
+        </p:txBody>
+      </p:sp>
+      <p:sp>
+        <p:nvSpPr>
+          <p:cNvPr id="4" name="Slide Number Placeholder 3"/>
+          <p:cNvSpPr>
+            <a:spLocks noGrp="1"/>
+          </p:cNvSpPr>
+          <p:nvPr>
+            <p:ph type="sldNum" sz="quarter" idx="10"/>
+          </p:nvPr>
+        </p:nvSpPr>
+        <p:spPr/>
+        <p:txBody>
+          <a:bodyPr/>
+          <a:lstStyle/>
+          <a:p>
+            <a:fld id="{9708A7C2-DEB1-48DB-AFA5-4C0B0547ED1A}" type="slidenum">
+              <a:rPr lang="en-US" smtClean="0"/>
+              <a:t>13</a:t>
+            </a:fld>
+            <a:endParaRPr lang="en-US"/>
+          </a:p>
+        </p:txBody>
+      </p:sp>
+    </p:spTree>
+    <p:extLst>
+      <p:ext uri="{BB962C8B-B14F-4D97-AF65-F5344CB8AC3E}">
+        <p14:creationId xmlns:p14="http://schemas.microsoft.com/office/powerpoint/2010/main" val="2364866678"/>
+      </p:ext>
+    </p:extLst>
+  </p:cSld>
+  <p:clrMapOvr>
+    <a:masterClrMapping/>
+  </p:clrMapOvr>
+</p:notes>
+</file>
+
+<file path=ppt/notesSlides/notesSlide14.xml><?xml version="1.0" encoding="utf-8"?>
+<p:notes xmlns:a="http://schemas.openxmlformats.org/drawingml/2006/main" xmlns:r="http://schemas.openxmlformats.org/officeDocument/2006/relationships" xmlns:p="http://schemas.openxmlformats.org/presentationml/2006/main">
+  <p:cSld>
+    <p:spTree>
+      <p:nvGrpSpPr>
+        <p:cNvPr id="1" name=""/>
+        <p:cNvGrpSpPr/>
+        <p:nvPr/>
+      </p:nvGrpSpPr>
+      <p:grpSpPr>
+        <a:xfrm>
+          <a:off x="0" y="0"/>
+          <a:ext cx="0" cy="0"/>
+          <a:chOff x="0" y="0"/>
+          <a:chExt cx="0" cy="0"/>
+        </a:xfrm>
+      </p:grpSpPr>
+      <p:sp>
+        <p:nvSpPr>
+          <p:cNvPr id="2" name="Slide Image Placeholder 1"/>
+          <p:cNvSpPr>
+            <a:spLocks noGrp="1" noRot="1" noChangeAspect="1"/>
+          </p:cNvSpPr>
+          <p:nvPr>
+            <p:ph type="sldImg"/>
+          </p:nvPr>
+        </p:nvSpPr>
+        <p:spPr/>
+      </p:sp>
+      <p:sp>
+        <p:nvSpPr>
+          <p:cNvPr id="3" name="Notes Placeholder 2"/>
+          <p:cNvSpPr>
+            <a:spLocks noGrp="1"/>
+          </p:cNvSpPr>
+          <p:nvPr>
+            <p:ph type="body" idx="1"/>
+          </p:nvPr>
+        </p:nvSpPr>
+        <p:spPr/>
+        <p:txBody>
+          <a:bodyPr/>
+          <a:lstStyle/>
+          <a:p>
+            <a:pPr marL="0" marR="0" indent="0" algn="l" defTabSz="914400" rtl="0" eaLnBrk="1" fontAlgn="auto" latinLnBrk="0" hangingPunct="1">
+              <a:lnSpc>
+                <a:spcPct val="100000"/>
+              </a:lnSpc>
+              <a:spcBef>
+                <a:spcPts val="0"/>
+              </a:spcBef>
+              <a:spcAft>
+                <a:spcPts val="0"/>
+              </a:spcAft>
+              <a:buClrTx/>
+              <a:buSzTx/>
+              <a:buFontTx/>
+              <a:buNone/>
+              <a:tabLst/>
+              <a:defRPr/>
+            </a:pPr>
+            <a:r>
+              <a:rPr lang="en-US" altLang="en-US" sz="1200" smtClean="0">
+                <a:solidFill>
+                  <a:srgbClr val="000000"/>
+                </a:solidFill>
+                <a:latin typeface="Verdana" pitchFamily="34" charset="0"/>
+              </a:rPr>
+              <a:t>PRODUCT OWNER:  Là đại diện cho khách hàng</a:t>
+            </a:r>
+            <a:r>
+              <a:rPr lang="en-US" altLang="en-US" sz="1200" smtClean="0">
+                <a:solidFill>
+                  <a:schemeClr val="tx1"/>
+                </a:solidFill>
+                <a:latin typeface="+mn-lt"/>
+              </a:rPr>
+              <a:t>,</a:t>
+            </a:r>
+            <a:r>
+              <a:rPr lang="en-US" altLang="en-US" sz="1200" baseline="0" smtClean="0">
+                <a:solidFill>
+                  <a:schemeClr val="tx1"/>
+                </a:solidFill>
+                <a:latin typeface="+mn-lt"/>
+              </a:rPr>
+              <a:t> </a:t>
+            </a:r>
+            <a:r>
+              <a:rPr lang="en-US" altLang="en-US" sz="1600" baseline="0" smtClean="0">
+                <a:solidFill>
+                  <a:srgbClr val="000000"/>
+                </a:solidFill>
+                <a:latin typeface="Verdana" pitchFamily="34" charset="0"/>
+              </a:rPr>
+              <a:t>q</a:t>
+            </a:r>
+            <a:r>
+              <a:rPr lang="en-US" altLang="en-US" sz="1600" smtClean="0">
+                <a:solidFill>
+                  <a:srgbClr val="000000"/>
+                </a:solidFill>
+                <a:latin typeface="Verdana" pitchFamily="34" charset="0"/>
+              </a:rPr>
+              <a:t>uản lí Product Backlog</a:t>
+            </a:r>
+          </a:p>
+          <a:p>
+            <a:pPr marL="0" marR="0" indent="0" algn="l" defTabSz="914400" rtl="0" eaLnBrk="1" fontAlgn="auto" latinLnBrk="0" hangingPunct="1">
+              <a:lnSpc>
+                <a:spcPct val="100000"/>
+              </a:lnSpc>
+              <a:spcBef>
+                <a:spcPts val="0"/>
+              </a:spcBef>
+              <a:spcAft>
+                <a:spcPts val="0"/>
+              </a:spcAft>
+              <a:buClrTx/>
+              <a:buSzTx/>
+              <a:buFontTx/>
+              <a:buNone/>
+              <a:tabLst/>
+              <a:defRPr/>
+            </a:pPr>
+            <a:r>
+              <a:rPr lang="en-US" altLang="en-US" sz="2000" smtClean="0"/>
+              <a:t>TEAM: </a:t>
+            </a:r>
+            <a:r>
+              <a:rPr lang="en-US" altLang="en-US" sz="2000" baseline="0" smtClean="0"/>
+              <a:t>tự tổ chức, liên chức năng</a:t>
+            </a:r>
+          </a:p>
+          <a:p>
+            <a:pPr marL="0" marR="0" indent="0" algn="l" defTabSz="914400" rtl="0" eaLnBrk="1" fontAlgn="auto" latinLnBrk="0" hangingPunct="1">
+              <a:lnSpc>
+                <a:spcPct val="100000"/>
+              </a:lnSpc>
+              <a:spcBef>
+                <a:spcPts val="0"/>
+              </a:spcBef>
+              <a:spcAft>
+                <a:spcPts val="0"/>
+              </a:spcAft>
+              <a:buClrTx/>
+              <a:buSzTx/>
+              <a:buFontTx/>
+              <a:buNone/>
+              <a:tabLst/>
+              <a:defRPr/>
+            </a:pPr>
+            <a:r>
+              <a:rPr lang="en-US" altLang="en-US" sz="2000" baseline="0" smtClean="0"/>
+              <a:t>SCRUM MASTER: đảm bảo mọi người hiểu và áp dụng đúng Scrum</a:t>
+            </a:r>
+            <a:endParaRPr lang="en-US" altLang="en-US" sz="2000" smtClean="0"/>
+          </a:p>
+        </p:txBody>
+      </p:sp>
+      <p:sp>
+        <p:nvSpPr>
+          <p:cNvPr id="4" name="Slide Number Placeholder 3"/>
+          <p:cNvSpPr>
+            <a:spLocks noGrp="1"/>
+          </p:cNvSpPr>
+          <p:nvPr>
+            <p:ph type="sldNum" sz="quarter" idx="10"/>
+          </p:nvPr>
+        </p:nvSpPr>
+        <p:spPr/>
+        <p:txBody>
+          <a:bodyPr/>
+          <a:lstStyle/>
+          <a:p>
+            <a:fld id="{9708A7C2-DEB1-48DB-AFA5-4C0B0547ED1A}" type="slidenum">
+              <a:rPr lang="en-US" smtClean="0"/>
+              <a:t>14</a:t>
+            </a:fld>
+            <a:endParaRPr lang="en-US"/>
+          </a:p>
+        </p:txBody>
+      </p:sp>
+    </p:spTree>
+    <p:extLst>
+      <p:ext uri="{BB962C8B-B14F-4D97-AF65-F5344CB8AC3E}">
+        <p14:creationId xmlns:p14="http://schemas.microsoft.com/office/powerpoint/2010/main" val="366875255"/>
+      </p:ext>
+    </p:extLst>
+  </p:cSld>
+  <p:clrMapOvr>
+    <a:masterClrMapping/>
+  </p:clrMapOvr>
+</p:notes>
+</file>
+
+<file path=ppt/notesSlides/notesSlide15.xml><?xml version="1.0" encoding="utf-8"?>
+<p:notes xmlns:a="http://schemas.openxmlformats.org/drawingml/2006/main" xmlns:r="http://schemas.openxmlformats.org/officeDocument/2006/relationships" xmlns:p="http://schemas.openxmlformats.org/presentationml/2006/main">
+  <p:cSld>
+    <p:spTree>
+      <p:nvGrpSpPr>
+        <p:cNvPr id="1" name=""/>
+        <p:cNvGrpSpPr/>
+        <p:nvPr/>
+      </p:nvGrpSpPr>
+      <p:grpSpPr>
+        <a:xfrm>
+          <a:off x="0" y="0"/>
+          <a:ext cx="0" cy="0"/>
+          <a:chOff x="0" y="0"/>
+          <a:chExt cx="0" cy="0"/>
+        </a:xfrm>
+      </p:grpSpPr>
+      <p:sp>
+        <p:nvSpPr>
+          <p:cNvPr id="2" name="Slide Image Placeholder 1"/>
+          <p:cNvSpPr>
+            <a:spLocks noGrp="1" noRot="1" noChangeAspect="1"/>
+          </p:cNvSpPr>
+          <p:nvPr>
+            <p:ph type="sldImg"/>
+          </p:nvPr>
+        </p:nvSpPr>
+        <p:spPr/>
+      </p:sp>
+      <p:sp>
+        <p:nvSpPr>
+          <p:cNvPr id="3" name="Notes Placeholder 2"/>
+          <p:cNvSpPr>
+            <a:spLocks noGrp="1"/>
+          </p:cNvSpPr>
+          <p:nvPr>
+            <p:ph type="body" idx="1"/>
+          </p:nvPr>
+        </p:nvSpPr>
+        <p:spPr/>
+        <p:txBody>
+          <a:bodyPr/>
+          <a:lstStyle/>
+          <a:p>
+            <a:pPr marL="228600" marR="0" indent="-228600" algn="l" defTabSz="914400" rtl="0" eaLnBrk="1" fontAlgn="auto" latinLnBrk="0" hangingPunct="1">
+              <a:lnSpc>
+                <a:spcPct val="100000"/>
+              </a:lnSpc>
+              <a:spcBef>
+                <a:spcPts val="0"/>
+              </a:spcBef>
+              <a:spcAft>
+                <a:spcPts val="0"/>
+              </a:spcAft>
+              <a:buClrTx/>
+              <a:buSzTx/>
+              <a:buFont typeface="Wingdings" panose="05000000000000000000" pitchFamily="2" charset="2"/>
+              <a:buChar char="v"/>
+              <a:tabLst/>
+              <a:defRPr/>
+            </a:pPr>
+            <a:r>
+              <a:rPr lang="en-US" b="1" smtClean="0"/>
+              <a:t>Họp kế hoạch Sprint: </a:t>
+            </a:r>
+            <a:r>
+              <a:rPr lang="en-US" sz="1200" kern="1200" smtClean="0">
+                <a:solidFill>
+                  <a:schemeClr val="tx1"/>
+                </a:solidFill>
+                <a:effectLst/>
+                <a:latin typeface="+mn-lt"/>
+                <a:ea typeface="+mn-ea"/>
+                <a:cs typeface="+mn-cs"/>
+              </a:rPr>
+              <a:t>Họp lập kế hoạch Sprint được tổ chức trước khi bắt đầu mỗi Sprint nhằm</a:t>
+            </a:r>
+          </a:p>
+          <a:p>
+            <a:pPr marL="685800" marR="0" lvl="1" indent="-228600" algn="l" defTabSz="914400" rtl="0" eaLnBrk="1" fontAlgn="auto" latinLnBrk="0" hangingPunct="1">
+              <a:lnSpc>
+                <a:spcPct val="100000"/>
+              </a:lnSpc>
+              <a:spcBef>
+                <a:spcPts val="0"/>
+              </a:spcBef>
+              <a:spcAft>
+                <a:spcPts val="0"/>
+              </a:spcAft>
+              <a:buClrTx/>
+              <a:buSzTx/>
+              <a:buFont typeface="Wingdings" panose="05000000000000000000" pitchFamily="2" charset="2"/>
+              <a:buChar char="v"/>
+              <a:tabLst/>
+              <a:defRPr/>
+            </a:pPr>
+            <a:r>
+              <a:rPr lang="en-US" sz="1200" kern="1200" smtClean="0">
+                <a:solidFill>
+                  <a:schemeClr val="tx1"/>
+                </a:solidFill>
+                <a:effectLst/>
+                <a:latin typeface="+mn-lt"/>
+                <a:ea typeface="+mn-ea"/>
+                <a:cs typeface="+mn-cs"/>
+              </a:rPr>
+              <a:t>Xem xét danh sách Product Backlog và thảo luận về mục tiêu và bối cảnh của các hạng mục trong Product Backlog, làm cho Team thấu hiểu những gì mà Product Owner (khách hàng) mong muốn. </a:t>
+            </a:r>
+            <a:endParaRPr lang="en-US" sz="1200" kern="1200" baseline="0" smtClean="0">
+              <a:solidFill>
+                <a:schemeClr val="tx1"/>
+              </a:solidFill>
+              <a:effectLst/>
+              <a:latin typeface="+mn-lt"/>
+              <a:ea typeface="+mn-ea"/>
+              <a:cs typeface="+mn-cs"/>
+            </a:endParaRPr>
+          </a:p>
+          <a:p>
+            <a:pPr marL="685800" marR="0" lvl="1" indent="-228600" algn="l" defTabSz="914400" rtl="0" eaLnBrk="1" fontAlgn="auto" latinLnBrk="0" hangingPunct="1">
+              <a:lnSpc>
+                <a:spcPct val="100000"/>
+              </a:lnSpc>
+              <a:spcBef>
+                <a:spcPts val="0"/>
+              </a:spcBef>
+              <a:spcAft>
+                <a:spcPts val="0"/>
+              </a:spcAft>
+              <a:buClrTx/>
+              <a:buSzTx/>
+              <a:buFont typeface="Wingdings" panose="05000000000000000000" pitchFamily="2" charset="2"/>
+              <a:buChar char="v"/>
+              <a:tabLst/>
+              <a:defRPr/>
+            </a:pPr>
+            <a:r>
+              <a:rPr lang="en-US" sz="1200" kern="1200" smtClean="0">
+                <a:solidFill>
+                  <a:schemeClr val="tx1"/>
+                </a:solidFill>
+                <a:effectLst/>
+                <a:latin typeface="+mn-lt"/>
+                <a:ea typeface="+mn-ea"/>
+                <a:cs typeface="+mn-cs"/>
+              </a:rPr>
+              <a:t>Chọn ra các hạng mục từ Product Backlog để tiến hành phát triển cho Sprint sắp tới và cam kết hoàn thành vào cuối Sprint. </a:t>
+            </a:r>
+          </a:p>
+          <a:p>
+            <a:pPr marL="685800" marR="0" lvl="1" indent="-228600" algn="l" defTabSz="914400" rtl="0" eaLnBrk="1" fontAlgn="auto" latinLnBrk="0" hangingPunct="1">
+              <a:lnSpc>
+                <a:spcPct val="100000"/>
+              </a:lnSpc>
+              <a:spcBef>
+                <a:spcPts val="0"/>
+              </a:spcBef>
+              <a:spcAft>
+                <a:spcPts val="0"/>
+              </a:spcAft>
+              <a:buClrTx/>
+              <a:buSzTx/>
+              <a:buFont typeface="Wingdings" panose="05000000000000000000" pitchFamily="2" charset="2"/>
+              <a:buChar char="v"/>
+              <a:tabLst/>
+              <a:defRPr/>
+            </a:pPr>
+            <a:r>
+              <a:rPr lang="vi-VN" sz="1200" kern="1200" smtClean="0">
+                <a:solidFill>
+                  <a:schemeClr val="tx1"/>
+                </a:solidFill>
+                <a:effectLst/>
+                <a:latin typeface="+mn-lt"/>
+                <a:ea typeface="+mn-ea"/>
+                <a:cs typeface="+mn-cs"/>
+              </a:rPr>
+              <a:t>Buổi họp kế hoạch Sprint được đóng khung trong tám tiếng cho mỗi Sprint một tháng. Với các Sprint ngắn hơn thì thời gian cho buổi họp được rút ngắn lại.</a:t>
+            </a:r>
+            <a:endParaRPr lang="en-US" b="1" smtClean="0"/>
+          </a:p>
+          <a:p>
+            <a:pPr marL="228600" marR="0" indent="-228600" algn="l" defTabSz="914400" rtl="0" eaLnBrk="1" fontAlgn="auto" latinLnBrk="0" hangingPunct="1">
+              <a:lnSpc>
+                <a:spcPct val="100000"/>
+              </a:lnSpc>
+              <a:spcBef>
+                <a:spcPts val="0"/>
+              </a:spcBef>
+              <a:spcAft>
+                <a:spcPts val="0"/>
+              </a:spcAft>
+              <a:buClrTx/>
+              <a:buSzTx/>
+              <a:buFont typeface="Wingdings" panose="05000000000000000000" pitchFamily="2" charset="2"/>
+              <a:buChar char="v"/>
+              <a:tabLst/>
+              <a:defRPr/>
+            </a:pPr>
+            <a:r>
+              <a:rPr lang="en-US" b="1" smtClean="0"/>
+              <a:t>Họp Scrum hàng ngày:</a:t>
+            </a:r>
+            <a:r>
+              <a:rPr lang="en-US" b="1" baseline="0" smtClean="0"/>
+              <a:t> </a:t>
+            </a:r>
+          </a:p>
+          <a:p>
+            <a:pPr marL="685800" marR="0" lvl="1" indent="-228600" algn="l" defTabSz="914400" rtl="0" eaLnBrk="1" fontAlgn="auto" latinLnBrk="0" hangingPunct="1">
+              <a:lnSpc>
+                <a:spcPct val="100000"/>
+              </a:lnSpc>
+              <a:spcBef>
+                <a:spcPts val="0"/>
+              </a:spcBef>
+              <a:spcAft>
+                <a:spcPts val="0"/>
+              </a:spcAft>
+              <a:buClrTx/>
+              <a:buSzTx/>
+              <a:buFont typeface="Wingdings" panose="05000000000000000000" pitchFamily="2" charset="2"/>
+              <a:buChar char="v"/>
+              <a:tabLst/>
+              <a:defRPr/>
+            </a:pPr>
+            <a:r>
+              <a:rPr lang="en-US" sz="1200" kern="1200" smtClean="0">
+                <a:solidFill>
+                  <a:schemeClr val="tx1"/>
+                </a:solidFill>
+                <a:effectLst/>
+                <a:latin typeface="+mn-lt"/>
+                <a:ea typeface="+mn-ea"/>
+                <a:cs typeface="+mn-cs"/>
+              </a:rPr>
+              <a:t>Đ</a:t>
+            </a:r>
+            <a:r>
+              <a:rPr lang="vi-VN" sz="1200" kern="1200" smtClean="0">
+                <a:solidFill>
+                  <a:schemeClr val="tx1"/>
+                </a:solidFill>
+                <a:effectLst/>
+                <a:latin typeface="+mn-lt"/>
+                <a:ea typeface="+mn-ea"/>
+                <a:cs typeface="+mn-cs"/>
+              </a:rPr>
+              <a:t>ược đóng khung trong 15 phút để Team đồng bộ hóa các hoạt động của thành viên và tạo lập kế hoạch cho 24 giờ tiếp theo</a:t>
+            </a:r>
+            <a:r>
+              <a:rPr lang="en-US" sz="1200" kern="1200" smtClean="0">
+                <a:solidFill>
+                  <a:schemeClr val="tx1"/>
+                </a:solidFill>
+                <a:effectLst/>
+                <a:latin typeface="+mn-lt"/>
+                <a:ea typeface="+mn-ea"/>
+                <a:cs typeface="+mn-cs"/>
+              </a:rPr>
+              <a:t>,</a:t>
+            </a:r>
+            <a:r>
+              <a:rPr lang="en-US" sz="1200" kern="1200" baseline="0" smtClean="0">
+                <a:solidFill>
+                  <a:schemeClr val="tx1"/>
+                </a:solidFill>
+                <a:effectLst/>
+                <a:latin typeface="+mn-lt"/>
+                <a:ea typeface="+mn-ea"/>
+                <a:cs typeface="+mn-cs"/>
+              </a:rPr>
+              <a:t> thường tổ chức tại cùng 1 địa điểm tại 1 thời điểm đã ấn định trước</a:t>
+            </a:r>
+            <a:endParaRPr lang="en-US" sz="1200" kern="1200" smtClean="0">
+              <a:solidFill>
+                <a:schemeClr val="tx1"/>
+              </a:solidFill>
+              <a:effectLst/>
+              <a:latin typeface="+mn-lt"/>
+              <a:ea typeface="+mn-ea"/>
+              <a:cs typeface="+mn-cs"/>
+            </a:endParaRPr>
+          </a:p>
+          <a:p>
+            <a:pPr marL="628650" lvl="1" indent="-171450">
+              <a:buFont typeface="Wingdings" panose="05000000000000000000" pitchFamily="2" charset="2"/>
+              <a:buChar char="v"/>
+            </a:pPr>
+            <a:r>
+              <a:rPr lang="vi-VN" sz="1200" kern="1200" smtClean="0">
+                <a:solidFill>
+                  <a:schemeClr val="tx1"/>
+                </a:solidFill>
+                <a:effectLst/>
+                <a:latin typeface="+mn-lt"/>
+                <a:ea typeface="+mn-ea"/>
+                <a:cs typeface="+mn-cs"/>
+              </a:rPr>
+              <a:t>Trong suốt cuộc họp, mỗi thành viên Team giải thích rõ:</a:t>
+            </a:r>
+            <a:endParaRPr lang="en-US" sz="1200" kern="1200" smtClean="0">
+              <a:solidFill>
+                <a:schemeClr val="tx1"/>
+              </a:solidFill>
+              <a:effectLst/>
+              <a:latin typeface="+mn-lt"/>
+              <a:ea typeface="+mn-ea"/>
+              <a:cs typeface="+mn-cs"/>
+            </a:endParaRPr>
+          </a:p>
+          <a:p>
+            <a:pPr lvl="2" hangingPunct="0"/>
+            <a:r>
+              <a:rPr lang="vi-VN" sz="1200" kern="1200" smtClean="0">
+                <a:solidFill>
+                  <a:schemeClr val="tx1"/>
+                </a:solidFill>
+                <a:effectLst/>
+                <a:latin typeface="+mn-lt"/>
+                <a:ea typeface="+mn-ea"/>
+                <a:cs typeface="+mn-cs"/>
+              </a:rPr>
+              <a:t>Việc gì đã được thực hiện kể từ lần họp trước? </a:t>
+            </a:r>
+            <a:endParaRPr lang="en-US" sz="1200" kern="1200" smtClean="0">
+              <a:solidFill>
+                <a:schemeClr val="tx1"/>
+              </a:solidFill>
+              <a:effectLst/>
+              <a:latin typeface="+mn-lt"/>
+              <a:ea typeface="+mn-ea"/>
+              <a:cs typeface="+mn-cs"/>
+            </a:endParaRPr>
+          </a:p>
+          <a:p>
+            <a:pPr lvl="2" hangingPunct="0"/>
+            <a:r>
+              <a:rPr lang="vi-VN" sz="1200" kern="1200" smtClean="0">
+                <a:solidFill>
+                  <a:schemeClr val="tx1"/>
+                </a:solidFill>
+                <a:effectLst/>
+                <a:latin typeface="+mn-lt"/>
+                <a:ea typeface="+mn-ea"/>
+                <a:cs typeface="+mn-cs"/>
+              </a:rPr>
+              <a:t>Việc gì sẽ được hoàn thành trước buổi họp lần sau? </a:t>
+            </a:r>
+            <a:endParaRPr lang="en-US" sz="1200" kern="1200" smtClean="0">
+              <a:solidFill>
+                <a:schemeClr val="tx1"/>
+              </a:solidFill>
+              <a:effectLst/>
+              <a:latin typeface="+mn-lt"/>
+              <a:ea typeface="+mn-ea"/>
+              <a:cs typeface="+mn-cs"/>
+            </a:endParaRPr>
+          </a:p>
+          <a:p>
+            <a:pPr lvl="2" hangingPunct="0"/>
+            <a:r>
+              <a:rPr lang="vi-VN" sz="1200" kern="1200" smtClean="0">
+                <a:solidFill>
+                  <a:schemeClr val="tx1"/>
+                </a:solidFill>
+                <a:effectLst/>
+                <a:latin typeface="+mn-lt"/>
+                <a:ea typeface="+mn-ea"/>
+                <a:cs typeface="+mn-cs"/>
+              </a:rPr>
+              <a:t>Có vấn đề gì nảy sinh trong quá trình làm việc? </a:t>
+            </a:r>
+            <a:endParaRPr lang="en-US" b="1" smtClean="0"/>
+          </a:p>
+          <a:p>
+            <a:pPr marL="228600" marR="0" indent="-228600" algn="l" defTabSz="914400" rtl="0" eaLnBrk="1" fontAlgn="auto" latinLnBrk="0" hangingPunct="1">
+              <a:lnSpc>
+                <a:spcPct val="100000"/>
+              </a:lnSpc>
+              <a:spcBef>
+                <a:spcPts val="0"/>
+              </a:spcBef>
+              <a:spcAft>
+                <a:spcPts val="0"/>
+              </a:spcAft>
+              <a:buClrTx/>
+              <a:buSzTx/>
+              <a:buFont typeface="Wingdings" panose="05000000000000000000" pitchFamily="2" charset="2"/>
+              <a:buChar char="v"/>
+              <a:tabLst/>
+              <a:defRPr/>
+            </a:pPr>
+            <a:r>
+              <a:rPr lang="en-US" b="1" smtClean="0"/>
+              <a:t>Sơ kết Sprint: </a:t>
+            </a:r>
+            <a:r>
+              <a:rPr lang="en-US" b="0" smtClean="0"/>
+              <a:t>Được</a:t>
+            </a:r>
+            <a:r>
+              <a:rPr lang="en-US" b="0" baseline="0" smtClean="0"/>
+              <a:t> tổ chức khi Sprint kết thúc để rà xoát lại phần tăng trưởng vừa làm ra</a:t>
+            </a:r>
+            <a:r>
+              <a:rPr lang="en-US" sz="1200" kern="1200" smtClean="0">
+                <a:solidFill>
+                  <a:schemeClr val="tx1"/>
+                </a:solidFill>
+                <a:effectLst/>
+                <a:latin typeface="+mn-lt"/>
+                <a:ea typeface="+mn-ea"/>
+                <a:cs typeface="+mn-cs"/>
+              </a:rPr>
+              <a:t>, và để thực hiện các biện pháp thích nghi nếu cần</a:t>
+            </a:r>
+            <a:r>
+              <a:rPr lang="en-US" sz="1200" kern="1200" baseline="0" smtClean="0">
+                <a:solidFill>
+                  <a:schemeClr val="tx1"/>
+                </a:solidFill>
+                <a:effectLst/>
+                <a:latin typeface="+mn-lt"/>
+                <a:ea typeface="+mn-ea"/>
+                <a:cs typeface="+mn-cs"/>
+              </a:rPr>
+              <a:t>. Đồng thời</a:t>
+            </a:r>
+            <a:r>
+              <a:rPr lang="en-US" sz="1200" kern="1200" smtClean="0">
+                <a:solidFill>
+                  <a:schemeClr val="tx1"/>
+                </a:solidFill>
+                <a:effectLst/>
+                <a:latin typeface="+mn-lt"/>
+                <a:ea typeface="+mn-ea"/>
+                <a:cs typeface="+mn-cs"/>
+              </a:rPr>
+              <a:t>, người tham dự cuộc họp sẽ hợp tác để thảo luận về những công việc sắp triển khai</a:t>
+            </a:r>
+            <a:endParaRPr lang="en-US" b="1" smtClean="0"/>
+          </a:p>
+          <a:p>
+            <a:pPr marL="228600" marR="0" indent="-228600" algn="l" defTabSz="914400" rtl="0" eaLnBrk="1" fontAlgn="auto" latinLnBrk="0" hangingPunct="1">
+              <a:lnSpc>
+                <a:spcPct val="100000"/>
+              </a:lnSpc>
+              <a:spcBef>
+                <a:spcPts val="0"/>
+              </a:spcBef>
+              <a:spcAft>
+                <a:spcPts val="0"/>
+              </a:spcAft>
+              <a:buClrTx/>
+              <a:buSzTx/>
+              <a:buFont typeface="Wingdings" panose="05000000000000000000" pitchFamily="2" charset="2"/>
+              <a:buChar char="v"/>
+              <a:tabLst/>
+              <a:defRPr/>
+            </a:pPr>
+            <a:r>
+              <a:rPr lang="en-US" b="1" smtClean="0"/>
+              <a:t>Cải tiến Sprint: </a:t>
+            </a:r>
+            <a:r>
+              <a:rPr lang="en-US" sz="1200" kern="1200" smtClean="0">
+                <a:solidFill>
+                  <a:schemeClr val="tx1"/>
+                </a:solidFill>
+                <a:effectLst/>
+                <a:latin typeface="+mn-lt"/>
+                <a:ea typeface="+mn-ea"/>
+                <a:cs typeface="+mn-cs"/>
+              </a:rPr>
+              <a:t>được tổ chức ngay sau Sơ kết Sprint và trước khi cuộc Họp Kế hoạch Sprint tiếp theo diễn ra</a:t>
+            </a:r>
+            <a:r>
+              <a:rPr lang="en-US" sz="1200" kern="1200" baseline="0" smtClean="0">
+                <a:solidFill>
+                  <a:schemeClr val="tx1"/>
+                </a:solidFill>
+                <a:effectLst/>
+                <a:latin typeface="+mn-lt"/>
+                <a:ea typeface="+mn-ea"/>
+                <a:cs typeface="+mn-cs"/>
+              </a:rPr>
+              <a:t> và </a:t>
+            </a:r>
+            <a:r>
+              <a:rPr lang="en-US" sz="1200" kern="1200" smtClean="0">
+                <a:solidFill>
+                  <a:schemeClr val="tx1"/>
+                </a:solidFill>
+                <a:effectLst/>
+                <a:latin typeface="+mn-lt"/>
+                <a:ea typeface="+mn-ea"/>
+                <a:cs typeface="+mn-cs"/>
+              </a:rPr>
+              <a:t>là cơ hội để Nhóm Scrum tự thanh tra và đưa ra kế hoạch cho các cải tiến trong Sprint tiếp theo.</a:t>
+            </a:r>
+            <a:endParaRPr lang="en-US" b="1" smtClean="0"/>
+          </a:p>
+          <a:p>
+            <a:endParaRPr lang="en-US"/>
+          </a:p>
+        </p:txBody>
+      </p:sp>
+      <p:sp>
+        <p:nvSpPr>
+          <p:cNvPr id="4" name="Slide Number Placeholder 3"/>
+          <p:cNvSpPr>
+            <a:spLocks noGrp="1"/>
+          </p:cNvSpPr>
+          <p:nvPr>
+            <p:ph type="sldNum" sz="quarter" idx="10"/>
+          </p:nvPr>
+        </p:nvSpPr>
+        <p:spPr/>
+        <p:txBody>
+          <a:bodyPr/>
+          <a:lstStyle/>
+          <a:p>
+            <a:fld id="{9708A7C2-DEB1-48DB-AFA5-4C0B0547ED1A}" type="slidenum">
+              <a:rPr lang="en-US" smtClean="0"/>
               <a:t>16</a:t>
+            </a:fld>
+            <a:endParaRPr lang="en-US"/>
+          </a:p>
+        </p:txBody>
+      </p:sp>
+    </p:spTree>
+    <p:extLst>
+      <p:ext uri="{BB962C8B-B14F-4D97-AF65-F5344CB8AC3E}">
+        <p14:creationId xmlns:p14="http://schemas.microsoft.com/office/powerpoint/2010/main" val="1270238830"/>
+      </p:ext>
+    </p:extLst>
+  </p:cSld>
+  <p:clrMapOvr>
+    <a:masterClrMapping/>
+  </p:clrMapOvr>
+</p:notes>
+</file>
+
+<file path=ppt/notesSlides/notesSlide16.xml><?xml version="1.0" encoding="utf-8"?>
+<p:notes xmlns:a="http://schemas.openxmlformats.org/drawingml/2006/main" xmlns:r="http://schemas.openxmlformats.org/officeDocument/2006/relationships" xmlns:p="http://schemas.openxmlformats.org/presentationml/2006/main">
+  <p:cSld>
+    <p:spTree>
+      <p:nvGrpSpPr>
+        <p:cNvPr id="1" name=""/>
+        <p:cNvGrpSpPr/>
+        <p:nvPr/>
+      </p:nvGrpSpPr>
+      <p:grpSpPr>
+        <a:xfrm>
+          <a:off x="0" y="0"/>
+          <a:ext cx="0" cy="0"/>
+          <a:chOff x="0" y="0"/>
+          <a:chExt cx="0" cy="0"/>
+        </a:xfrm>
+      </p:grpSpPr>
+      <p:sp>
+        <p:nvSpPr>
+          <p:cNvPr id="2" name="Slide Image Placeholder 1"/>
+          <p:cNvSpPr>
+            <a:spLocks noGrp="1" noRot="1" noChangeAspect="1"/>
+          </p:cNvSpPr>
+          <p:nvPr>
+            <p:ph type="sldImg"/>
+          </p:nvPr>
+        </p:nvSpPr>
+        <p:spPr/>
+      </p:sp>
+      <p:sp>
+        <p:nvSpPr>
+          <p:cNvPr id="3" name="Notes Placeholder 2"/>
+          <p:cNvSpPr>
+            <a:spLocks noGrp="1"/>
+          </p:cNvSpPr>
+          <p:nvPr>
+            <p:ph type="body" idx="1"/>
+          </p:nvPr>
+        </p:nvSpPr>
+        <p:spPr/>
+        <p:txBody>
+          <a:bodyPr/>
+          <a:lstStyle/>
+          <a:p>
+            <a:r>
+              <a:rPr lang="en-US" sz="1200" b="1" kern="1200" smtClean="0">
+                <a:solidFill>
+                  <a:schemeClr val="tx1"/>
+                </a:solidFill>
+                <a:effectLst/>
+                <a:latin typeface="+mn-lt"/>
+                <a:ea typeface="+mn-ea"/>
+                <a:cs typeface="+mn-cs"/>
+              </a:rPr>
+              <a:t>Bước 1:</a:t>
+            </a:r>
+            <a:r>
+              <a:rPr lang="en-US" sz="1200" kern="1200" smtClean="0">
+                <a:solidFill>
+                  <a:schemeClr val="tx1"/>
+                </a:solidFill>
+                <a:effectLst/>
+                <a:latin typeface="+mn-lt"/>
+                <a:ea typeface="+mn-ea"/>
+                <a:cs typeface="+mn-cs"/>
+              </a:rPr>
+              <a:t> Product Owner đưa ra danh sách các chức năng (User Story) được sắp xếp theo độ quan trọng. Danh sách này tồn tại và cập nhật trong suốt quá trình phát triển sản phẩm.</a:t>
+            </a:r>
+          </a:p>
+          <a:p>
+            <a:r>
+              <a:rPr lang="en-US" sz="1200" b="1" kern="1200" smtClean="0">
+                <a:solidFill>
+                  <a:schemeClr val="tx1"/>
+                </a:solidFill>
+                <a:effectLst/>
+                <a:latin typeface="+mn-lt"/>
+                <a:ea typeface="+mn-ea"/>
+                <a:cs typeface="+mn-cs"/>
+              </a:rPr>
+              <a:t>Bước 2:</a:t>
+            </a:r>
+            <a:r>
+              <a:rPr lang="en-US" sz="1200" kern="1200" smtClean="0">
+                <a:solidFill>
+                  <a:schemeClr val="tx1"/>
+                </a:solidFill>
+                <a:effectLst/>
+                <a:latin typeface="+mn-lt"/>
+                <a:ea typeface="+mn-ea"/>
+                <a:cs typeface="+mn-cs"/>
+              </a:rPr>
+              <a:t> Bắt đầu mỗi Sprint, nhóm Scrum sẽ tiến hàng cuộc họp kế hoạch Sprint.</a:t>
+            </a:r>
+          </a:p>
+          <a:p>
+            <a:pPr lvl="0"/>
+            <a:r>
+              <a:rPr lang="en-US" sz="1200" kern="1200" smtClean="0">
+                <a:solidFill>
+                  <a:schemeClr val="tx1"/>
+                </a:solidFill>
+                <a:effectLst/>
+                <a:latin typeface="+mn-lt"/>
+                <a:ea typeface="+mn-ea"/>
+                <a:cs typeface="+mn-cs"/>
+              </a:rPr>
+              <a:t>Team sẽ chọn ra các User Story để thực hiện trong Sprint.</a:t>
+            </a:r>
+          </a:p>
+          <a:p>
+            <a:pPr lvl="0"/>
+            <a:r>
+              <a:rPr lang="en-US" sz="1200" kern="1200" smtClean="0">
+                <a:solidFill>
+                  <a:schemeClr val="tx1"/>
+                </a:solidFill>
+                <a:effectLst/>
+                <a:latin typeface="+mn-lt"/>
+                <a:ea typeface="+mn-ea"/>
+                <a:cs typeface="+mn-cs"/>
+              </a:rPr>
+              <a:t>Phân chia các User Story thành các Task.</a:t>
+            </a:r>
+          </a:p>
+          <a:p>
+            <a:pPr lvl="0"/>
+            <a:r>
+              <a:rPr lang="en-US" sz="1200" kern="1200" smtClean="0">
+                <a:solidFill>
+                  <a:schemeClr val="tx1"/>
+                </a:solidFill>
+                <a:effectLst/>
+                <a:latin typeface="+mn-lt"/>
+                <a:ea typeface="+mn-ea"/>
+                <a:cs typeface="+mn-cs"/>
+              </a:rPr>
+              <a:t>Kết quả của bước này là một bản Sprint Backlog gồm danh sách các User Story sẽ được thực hiện trong Sprint cùng các Task của nó.</a:t>
+            </a:r>
+          </a:p>
+          <a:p>
+            <a:r>
+              <a:rPr lang="en-US" sz="1200" b="1" kern="1200" smtClean="0">
+                <a:solidFill>
+                  <a:schemeClr val="tx1"/>
+                </a:solidFill>
+                <a:effectLst/>
+                <a:latin typeface="+mn-lt"/>
+                <a:ea typeface="+mn-ea"/>
+                <a:cs typeface="+mn-cs"/>
+              </a:rPr>
+              <a:t>Bước 3:</a:t>
+            </a:r>
+            <a:r>
+              <a:rPr lang="en-US" sz="1200" kern="1200" smtClean="0">
+                <a:solidFill>
+                  <a:schemeClr val="tx1"/>
+                </a:solidFill>
+                <a:effectLst/>
+                <a:latin typeface="+mn-lt"/>
+                <a:ea typeface="+mn-ea"/>
+                <a:cs typeface="+mn-cs"/>
+              </a:rPr>
+              <a:t> Mỗi ngày Team tổ chức họp hàng ngày để thanh tra quá trình thực hiện, thực hiện các thay đổi nếu cần để hoàn thành công việc. Đồng thời đây cũng là thời điểm để cập nhật các Task và Sprint Backlog.</a:t>
+            </a:r>
+          </a:p>
+          <a:p>
+            <a:r>
+              <a:rPr lang="en-US" sz="1200" b="1" kern="1200" smtClean="0">
+                <a:solidFill>
+                  <a:schemeClr val="tx1"/>
+                </a:solidFill>
+                <a:effectLst/>
+                <a:latin typeface="+mn-lt"/>
+                <a:ea typeface="+mn-ea"/>
+                <a:cs typeface="+mn-cs"/>
+              </a:rPr>
+              <a:t>Bước 4:</a:t>
+            </a:r>
+            <a:r>
+              <a:rPr lang="en-US" sz="1200" kern="1200" smtClean="0">
+                <a:solidFill>
+                  <a:schemeClr val="tx1"/>
+                </a:solidFill>
+                <a:effectLst/>
+                <a:latin typeface="+mn-lt"/>
+                <a:ea typeface="+mn-ea"/>
+                <a:cs typeface="+mn-cs"/>
+              </a:rPr>
+              <a:t> Trước khi Sprint kết thúc, nhóm Scrum tiến hành họp sơ kết Sprint với các bên liên quan, trình bày về những việc đã làm, giới thiệu kết quả, xem xét lại những việc chưa hoàn thành.</a:t>
+            </a:r>
+          </a:p>
+          <a:p>
+            <a:r>
+              <a:rPr lang="en-US" sz="1200" b="1" kern="1200" smtClean="0">
+                <a:solidFill>
+                  <a:schemeClr val="tx1"/>
+                </a:solidFill>
+                <a:effectLst/>
+                <a:latin typeface="+mn-lt"/>
+                <a:ea typeface="+mn-ea"/>
+                <a:cs typeface="+mn-cs"/>
+              </a:rPr>
+              <a:t>Bước 5:</a:t>
+            </a:r>
+            <a:r>
+              <a:rPr lang="en-US" sz="1200" kern="1200" smtClean="0">
+                <a:solidFill>
+                  <a:schemeClr val="tx1"/>
+                </a:solidFill>
+                <a:effectLst/>
+                <a:latin typeface="+mn-lt"/>
+                <a:ea typeface="+mn-ea"/>
+                <a:cs typeface="+mn-cs"/>
+              </a:rPr>
+              <a:t> Tiếp theo, nhóm Scrum sẽ tổ chức cuộc họp cải tiến Sprint. Mọi người xem xét lại Sprint vừa diễn ra và nhận phản hồi, ý tưởng để cải tiến trong Sprint tiếp theo.</a:t>
+            </a:r>
+          </a:p>
+          <a:p>
+            <a:r>
+              <a:rPr lang="en-US" sz="1200" kern="1200" smtClean="0">
+                <a:solidFill>
+                  <a:schemeClr val="tx1"/>
+                </a:solidFill>
+                <a:effectLst/>
+                <a:latin typeface="+mn-lt"/>
+                <a:ea typeface="+mn-ea"/>
+                <a:cs typeface="+mn-cs"/>
+              </a:rPr>
+              <a:t>Sau khi kết thúc Sprint thì Product Owner sẽ cập nhật lại sự thay đổi trong Product Backlog. Lúc này đội ngũ phát triển đã sẵn dàng để bắt đầu Sprint tiếp theo. Quy trình này cứ lặp đi lặp lại cho đến khi hoàn thành tất cả các yêu cầu của khách hàng.</a:t>
+            </a:r>
+          </a:p>
+          <a:p>
+            <a:endParaRPr lang="en-US"/>
+          </a:p>
+        </p:txBody>
+      </p:sp>
+      <p:sp>
+        <p:nvSpPr>
+          <p:cNvPr id="4" name="Slide Number Placeholder 3"/>
+          <p:cNvSpPr>
+            <a:spLocks noGrp="1"/>
+          </p:cNvSpPr>
+          <p:nvPr>
+            <p:ph type="sldNum" sz="quarter" idx="10"/>
+          </p:nvPr>
+        </p:nvSpPr>
+        <p:spPr/>
+        <p:txBody>
+          <a:bodyPr/>
+          <a:lstStyle/>
+          <a:p>
+            <a:fld id="{9708A7C2-DEB1-48DB-AFA5-4C0B0547ED1A}" type="slidenum">
+              <a:rPr lang="en-US" smtClean="0"/>
+              <a:t>17</a:t>
+            </a:fld>
+            <a:endParaRPr lang="en-US"/>
+          </a:p>
+        </p:txBody>
+      </p:sp>
+    </p:spTree>
+    <p:extLst>
+      <p:ext uri="{BB962C8B-B14F-4D97-AF65-F5344CB8AC3E}">
+        <p14:creationId xmlns:p14="http://schemas.microsoft.com/office/powerpoint/2010/main" val="4106698713"/>
+      </p:ext>
+    </p:extLst>
+  </p:cSld>
+  <p:clrMapOvr>
+    <a:masterClrMapping/>
+  </p:clrMapOvr>
+</p:notes>
+</file>
+
+<file path=ppt/notesSlides/notesSlide17.xml><?xml version="1.0" encoding="utf-8"?>
+<p:notes xmlns:a="http://schemas.openxmlformats.org/drawingml/2006/main" xmlns:r="http://schemas.openxmlformats.org/officeDocument/2006/relationships" xmlns:p="http://schemas.openxmlformats.org/presentationml/2006/main">
+  <p:cSld>
+    <p:spTree>
+      <p:nvGrpSpPr>
+        <p:cNvPr id="1" name=""/>
+        <p:cNvGrpSpPr/>
+        <p:nvPr/>
+      </p:nvGrpSpPr>
+      <p:grpSpPr>
+        <a:xfrm>
+          <a:off x="0" y="0"/>
+          <a:ext cx="0" cy="0"/>
+          <a:chOff x="0" y="0"/>
+          <a:chExt cx="0" cy="0"/>
+        </a:xfrm>
+      </p:grpSpPr>
+      <p:sp>
+        <p:nvSpPr>
+          <p:cNvPr id="2" name="Slide Image Placeholder 1"/>
+          <p:cNvSpPr>
+            <a:spLocks noGrp="1" noRot="1" noChangeAspect="1"/>
+          </p:cNvSpPr>
+          <p:nvPr>
+            <p:ph type="sldImg"/>
+          </p:nvPr>
+        </p:nvSpPr>
+        <p:spPr/>
+      </p:sp>
+      <p:sp>
+        <p:nvSpPr>
+          <p:cNvPr id="3" name="Notes Placeholder 2"/>
+          <p:cNvSpPr>
+            <a:spLocks noGrp="1"/>
+          </p:cNvSpPr>
+          <p:nvPr>
+            <p:ph type="body" idx="1"/>
+          </p:nvPr>
+        </p:nvSpPr>
+        <p:spPr/>
+        <p:txBody>
+          <a:bodyPr/>
+          <a:lstStyle/>
+          <a:p>
+            <a:r>
+              <a:rPr lang="en-US" smtClean="0"/>
+              <a:t>Công</a:t>
+            </a:r>
+            <a:r>
+              <a:rPr lang="en-US" baseline="0" smtClean="0"/>
+              <a:t> cụ được xây dựng là một website tuân theo mô hình MVC sử dụng ngôn ngữ lập trinh PHP với framework Laravel và hệ quản trị CSDL Mysql. Ngoài ra em còn sử dụng thêm công nghệ HTML5 WebSocket để biến ứng dụng thành 1 ứng dụng thời gian thực.</a:t>
+            </a:r>
+            <a:endParaRPr lang="en-US"/>
+          </a:p>
+        </p:txBody>
+      </p:sp>
+      <p:sp>
+        <p:nvSpPr>
+          <p:cNvPr id="4" name="Slide Number Placeholder 3"/>
+          <p:cNvSpPr>
+            <a:spLocks noGrp="1"/>
+          </p:cNvSpPr>
+          <p:nvPr>
+            <p:ph type="sldNum" sz="quarter" idx="10"/>
+          </p:nvPr>
+        </p:nvSpPr>
+        <p:spPr/>
+        <p:txBody>
+          <a:bodyPr/>
+          <a:lstStyle/>
+          <a:p>
+            <a:fld id="{9708A7C2-DEB1-48DB-AFA5-4C0B0547ED1A}" type="slidenum">
+              <a:rPr lang="en-US" smtClean="0"/>
+              <a:t>19</a:t>
             </a:fld>
             <a:endParaRPr lang="en-US"/>
           </a:p>
@@ -5005,6 +6533,190 @@
     <p:extLst>
       <p:ext uri="{BB962C8B-B14F-4D97-AF65-F5344CB8AC3E}">
         <p14:creationId xmlns:p14="http://schemas.microsoft.com/office/powerpoint/2010/main" val="3580620075"/>
+      </p:ext>
+    </p:extLst>
+  </p:cSld>
+  <p:clrMapOvr>
+    <a:masterClrMapping/>
+  </p:clrMapOvr>
+</p:notes>
+</file>
+
+<file path=ppt/notesSlides/notesSlide18.xml><?xml version="1.0" encoding="utf-8"?>
+<p:notes xmlns:a="http://schemas.openxmlformats.org/drawingml/2006/main" xmlns:r="http://schemas.openxmlformats.org/officeDocument/2006/relationships" xmlns:p="http://schemas.openxmlformats.org/presentationml/2006/main">
+  <p:cSld>
+    <p:spTree>
+      <p:nvGrpSpPr>
+        <p:cNvPr id="1" name=""/>
+        <p:cNvGrpSpPr/>
+        <p:nvPr/>
+      </p:nvGrpSpPr>
+      <p:grpSpPr>
+        <a:xfrm>
+          <a:off x="0" y="0"/>
+          <a:ext cx="0" cy="0"/>
+          <a:chOff x="0" y="0"/>
+          <a:chExt cx="0" cy="0"/>
+        </a:xfrm>
+      </p:grpSpPr>
+      <p:sp>
+        <p:nvSpPr>
+          <p:cNvPr id="2" name="Slide Image Placeholder 1"/>
+          <p:cNvSpPr>
+            <a:spLocks noGrp="1" noRot="1" noChangeAspect="1"/>
+          </p:cNvSpPr>
+          <p:nvPr>
+            <p:ph type="sldImg"/>
+          </p:nvPr>
+        </p:nvSpPr>
+        <p:spPr/>
+      </p:sp>
+      <p:sp>
+        <p:nvSpPr>
+          <p:cNvPr id="3" name="Notes Placeholder 2"/>
+          <p:cNvSpPr>
+            <a:spLocks noGrp="1"/>
+          </p:cNvSpPr>
+          <p:nvPr>
+            <p:ph type="body" idx="1"/>
+          </p:nvPr>
+        </p:nvSpPr>
+        <p:spPr/>
+        <p:txBody>
+          <a:bodyPr/>
+          <a:lstStyle/>
+          <a:p>
+            <a:r>
+              <a:rPr lang="en-US" smtClean="0"/>
+              <a:t>Người</a:t>
+            </a:r>
+            <a:r>
+              <a:rPr lang="en-US" baseline="0" smtClean="0"/>
+              <a:t> dùng muốn sử dụng công cụ bắt buộc phải đăng nhập và sau đó chọn project muốn làm việc trên đó. Tại vì việc phân quyền, danh sách sprint, story… đều riêng với từng project.</a:t>
+            </a:r>
+            <a:endParaRPr lang="en-US"/>
+          </a:p>
+        </p:txBody>
+      </p:sp>
+      <p:sp>
+        <p:nvSpPr>
+          <p:cNvPr id="4" name="Slide Number Placeholder 3"/>
+          <p:cNvSpPr>
+            <a:spLocks noGrp="1"/>
+          </p:cNvSpPr>
+          <p:nvPr>
+            <p:ph type="sldNum" sz="quarter" idx="10"/>
+          </p:nvPr>
+        </p:nvSpPr>
+        <p:spPr/>
+        <p:txBody>
+          <a:bodyPr/>
+          <a:lstStyle/>
+          <a:p>
+            <a:fld id="{9708A7C2-DEB1-48DB-AFA5-4C0B0547ED1A}" type="slidenum">
+              <a:rPr lang="en-US" smtClean="0"/>
+              <a:t>20</a:t>
+            </a:fld>
+            <a:endParaRPr lang="en-US"/>
+          </a:p>
+        </p:txBody>
+      </p:sp>
+    </p:spTree>
+    <p:extLst>
+      <p:ext uri="{BB962C8B-B14F-4D97-AF65-F5344CB8AC3E}">
+        <p14:creationId xmlns:p14="http://schemas.microsoft.com/office/powerpoint/2010/main" val="3528924577"/>
+      </p:ext>
+    </p:extLst>
+  </p:cSld>
+  <p:clrMapOvr>
+    <a:masterClrMapping/>
+  </p:clrMapOvr>
+</p:notes>
+</file>
+
+<file path=ppt/notesSlides/notesSlide19.xml><?xml version="1.0" encoding="utf-8"?>
+<p:notes xmlns:a="http://schemas.openxmlformats.org/drawingml/2006/main" xmlns:r="http://schemas.openxmlformats.org/officeDocument/2006/relationships" xmlns:p="http://schemas.openxmlformats.org/presentationml/2006/main">
+  <p:cSld>
+    <p:spTree>
+      <p:nvGrpSpPr>
+        <p:cNvPr id="1" name=""/>
+        <p:cNvGrpSpPr/>
+        <p:nvPr/>
+      </p:nvGrpSpPr>
+      <p:grpSpPr>
+        <a:xfrm>
+          <a:off x="0" y="0"/>
+          <a:ext cx="0" cy="0"/>
+          <a:chOff x="0" y="0"/>
+          <a:chExt cx="0" cy="0"/>
+        </a:xfrm>
+      </p:grpSpPr>
+      <p:sp>
+        <p:nvSpPr>
+          <p:cNvPr id="2" name="Slide Image Placeholder 1"/>
+          <p:cNvSpPr>
+            <a:spLocks noGrp="1" noRot="1" noChangeAspect="1"/>
+          </p:cNvSpPr>
+          <p:nvPr>
+            <p:ph type="sldImg"/>
+          </p:nvPr>
+        </p:nvSpPr>
+        <p:spPr/>
+      </p:sp>
+      <p:sp>
+        <p:nvSpPr>
+          <p:cNvPr id="3" name="Notes Placeholder 2"/>
+          <p:cNvSpPr>
+            <a:spLocks noGrp="1"/>
+          </p:cNvSpPr>
+          <p:nvPr>
+            <p:ph type="body" idx="1"/>
+          </p:nvPr>
+        </p:nvSpPr>
+        <p:spPr/>
+        <p:txBody>
+          <a:bodyPr/>
+          <a:lstStyle/>
+          <a:p>
+            <a:r>
+              <a:rPr lang="en-US" smtClean="0"/>
+              <a:t>Cơ</a:t>
+            </a:r>
+            <a:r>
+              <a:rPr lang="en-US" baseline="0" smtClean="0"/>
+              <a:t> sở dữ liệu bao gồm 16 bảng, chi tiết các bảng em có trình bày trong báo cáo.</a:t>
+            </a:r>
+            <a:endParaRPr lang="en-US"/>
+          </a:p>
+        </p:txBody>
+      </p:sp>
+      <p:sp>
+        <p:nvSpPr>
+          <p:cNvPr id="4" name="Slide Number Placeholder 3"/>
+          <p:cNvSpPr>
+            <a:spLocks noGrp="1"/>
+          </p:cNvSpPr>
+          <p:nvPr>
+            <p:ph type="sldNum" sz="quarter" idx="10"/>
+          </p:nvPr>
+        </p:nvSpPr>
+        <p:spPr/>
+        <p:txBody>
+          <a:bodyPr/>
+          <a:lstStyle/>
+          <a:p>
+            <a:fld id="{9708A7C2-DEB1-48DB-AFA5-4C0B0547ED1A}" type="slidenum">
+              <a:rPr lang="en-US" smtClean="0"/>
+              <a:t>21</a:t>
+            </a:fld>
+            <a:endParaRPr lang="en-US"/>
+          </a:p>
+        </p:txBody>
+      </p:sp>
+    </p:spTree>
+    <p:extLst>
+      <p:ext uri="{BB962C8B-B14F-4D97-AF65-F5344CB8AC3E}">
+        <p14:creationId xmlns:p14="http://schemas.microsoft.com/office/powerpoint/2010/main" val="2840865579"/>
       </p:ext>
     </p:extLst>
   </p:cSld>
@@ -5058,75 +6770,14 @@
           <a:bodyPr/>
           <a:lstStyle/>
           <a:p>
-            <a:pPr lvl="0"/>
-            <a:r>
-              <a:rPr lang="en-US" sz="1200" kern="1200" smtClean="0">
-                <a:solidFill>
-                  <a:schemeClr val="tx1"/>
-                </a:solidFill>
-                <a:effectLst/>
-                <a:latin typeface="+mn-lt"/>
-                <a:ea typeface="+mn-ea"/>
-                <a:cs typeface="+mn-cs"/>
-              </a:rPr>
-              <a:t>Khó khăn về việc lưu trữ thông tin dự án đã làm trước đó nhằm thống kê, tham khảo hoặc phát triển thêm.</a:t>
-            </a:r>
-          </a:p>
-          <a:p>
-            <a:r>
-              <a:rPr lang="vi-VN" sz="1200" kern="1200" smtClean="0">
-                <a:solidFill>
-                  <a:schemeClr val="tx1"/>
-                </a:solidFill>
-                <a:effectLst/>
-                <a:latin typeface="+mn-lt"/>
-                <a:ea typeface="+mn-ea"/>
-                <a:cs typeface="+mn-cs"/>
-              </a:rPr>
-              <a:t>Các thành viên trong nhóm có thể dễ dàng biết được tiến độ của các thành viên khác. Khi có vấn đề phát sinh thì các thành viên có thể hỗ trợ, giúp đỡ cùng giải quyết vấn đề</a:t>
-            </a:r>
-            <a:endParaRPr lang="en-US" sz="1200" kern="1200" smtClean="0">
-              <a:solidFill>
-                <a:schemeClr val="tx1"/>
-              </a:solidFill>
-              <a:effectLst/>
-              <a:latin typeface="+mn-lt"/>
-              <a:ea typeface="+mn-ea"/>
-              <a:cs typeface="+mn-cs"/>
-            </a:endParaRPr>
-          </a:p>
-          <a:p>
-            <a:pPr marL="0" marR="0" lvl="0" indent="0" algn="l" defTabSz="914400" rtl="0" eaLnBrk="1" fontAlgn="auto" latinLnBrk="0" hangingPunct="1">
-              <a:lnSpc>
-                <a:spcPct val="100000"/>
-              </a:lnSpc>
-              <a:spcBef>
-                <a:spcPts val="0"/>
-              </a:spcBef>
-              <a:spcAft>
-                <a:spcPts val="0"/>
-              </a:spcAft>
-              <a:buClrTx/>
-              <a:buSzTx/>
-              <a:buFontTx/>
-              <a:buNone/>
-              <a:tabLst/>
-              <a:defRPr/>
-            </a:pPr>
-            <a:r>
-              <a:rPr lang="en-US" sz="1200" kern="1200" smtClean="0">
-                <a:solidFill>
-                  <a:schemeClr val="tx1"/>
-                </a:solidFill>
-                <a:effectLst/>
-                <a:latin typeface="+mn-lt"/>
-                <a:ea typeface="+mn-ea"/>
-                <a:cs typeface="+mn-cs"/>
-              </a:rPr>
-              <a:t>Một hệ thống quản lí sẽ có thêm những tính năng về báo cáo, thống kê, theo dõi tiến độ thuận tiện hơn nhiều so với việc sử dụng giấy bút truyền thống.</a:t>
-            </a:r>
-          </a:p>
-          <a:p>
+            <a:r>
+              <a:rPr lang="en-US" smtClean="0"/>
+              <a:t>Bài</a:t>
+            </a:r>
+            <a:r>
+              <a:rPr lang="en-US" baseline="0" smtClean="0"/>
+              <a:t> thuyết trình của em gồm có 5 phần sau. Sau khi giới thiệu sơ bộ về đề tài em xin phép trình bày về cơ sở lý thuyết bao gồm lý thuyết về mô hình Agile và phương pháp Scrum (phương pháp mà em tập trung nghiên cứu). Tiếp theo em sẽ trình bày về quá trình xây dựng công cụ, demo, kết luận và nguồn tài liệu tham khảo.</a:t>
+            </a:r>
             <a:endParaRPr lang="en-US"/>
           </a:p>
         </p:txBody>
@@ -5148,7 +6799,7 @@
           <a:p>
             <a:fld id="{9708A7C2-DEB1-48DB-AFA5-4C0B0547ED1A}" type="slidenum">
               <a:rPr lang="en-US" smtClean="0"/>
-              <a:t>4</a:t>
+              <a:t>2</a:t>
             </a:fld>
             <a:endParaRPr lang="en-US"/>
           </a:p>
@@ -5157,7 +6808,7 @@
     </p:spTree>
     <p:extLst>
       <p:ext uri="{BB962C8B-B14F-4D97-AF65-F5344CB8AC3E}">
-        <p14:creationId xmlns:p14="http://schemas.microsoft.com/office/powerpoint/2010/main" val="3770665830"/>
+        <p14:creationId xmlns:p14="http://schemas.microsoft.com/office/powerpoint/2010/main" val="664413639"/>
       </p:ext>
     </p:extLst>
   </p:cSld>
@@ -5211,7 +6862,36 @@
           <a:bodyPr/>
           <a:lstStyle/>
           <a:p>
-            <a:endParaRPr lang="en-US"/>
+            <a:pPr marL="228600" indent="-228600">
+              <a:buFont typeface="Wingdings" panose="05000000000000000000" pitchFamily="2" charset="2"/>
+              <a:buChar char="v"/>
+            </a:pPr>
+            <a:r>
+              <a:rPr lang="en-US" smtClean="0"/>
+              <a:t>Các</a:t>
+            </a:r>
+            <a:r>
+              <a:rPr lang="en-US" baseline="0" smtClean="0"/>
+              <a:t> phương pháp truyền thống chia quá trình phát triền thành từng giai đoạn tách biệt, giai đoạn này nối tiếp giai đoạn kia. Tiêu biểu là waterfall. Phương pháp này có vần đề là s</a:t>
+            </a:r>
+            <a:r>
+              <a:rPr lang="en-US" smtClean="0"/>
+              <a:t>ản phẩm</a:t>
+            </a:r>
+            <a:r>
+              <a:rPr lang="en-US" baseline="0" smtClean="0"/>
+              <a:t> làm ra thường không đáp ứng được yêu cầu người dùng, cuối chu kì phát triển sản phẩm mới được chuyển giao cho người dùng từ đó thiếu phản hồi từ người dùng nên các dự án thường có tỉ lệ thất bại cao.</a:t>
+            </a:r>
+          </a:p>
+          <a:p>
+            <a:pPr marL="228600" indent="-228600">
+              <a:buFont typeface="Wingdings" panose="05000000000000000000" pitchFamily="2" charset="2"/>
+              <a:buChar char="v"/>
+            </a:pPr>
+            <a:r>
+              <a:rPr lang="en-US" baseline="0" smtClean="0"/>
+              <a:t>Agile cùng các phương pháp của nó ra đời đã tạo ra những thay đổi rất lớn, làm tăng rất nhiều số lượng các dự án thành công lên rất nhiều. Với nhiều khả năng mang lại mức độ thành công cao cho các dự án, Agile đang được các công ty Việt Nam áp dụng rất nhiều.</a:t>
+            </a:r>
           </a:p>
         </p:txBody>
       </p:sp>
@@ -5232,7 +6912,7 @@
           <a:p>
             <a:fld id="{9708A7C2-DEB1-48DB-AFA5-4C0B0547ED1A}" type="slidenum">
               <a:rPr lang="en-US" smtClean="0"/>
-              <a:t>6</a:t>
+              <a:t>3</a:t>
             </a:fld>
             <a:endParaRPr lang="en-US"/>
           </a:p>
@@ -5241,7 +6921,7 @@
     </p:spTree>
     <p:extLst>
       <p:ext uri="{BB962C8B-B14F-4D97-AF65-F5344CB8AC3E}">
-        <p14:creationId xmlns:p14="http://schemas.microsoft.com/office/powerpoint/2010/main" val="700035634"/>
+        <p14:creationId xmlns:p14="http://schemas.microsoft.com/office/powerpoint/2010/main" val="334402022"/>
       </p:ext>
     </p:extLst>
   </p:cSld>
@@ -5295,47 +6975,31 @@
           <a:bodyPr/>
           <a:lstStyle/>
           <a:p>
-            <a:pPr marL="171450" indent="-171450">
-              <a:buFont typeface="Wingdings" panose="05000000000000000000" pitchFamily="2" charset="2"/>
-              <a:buChar char="v"/>
-            </a:pPr>
-            <a:r>
-              <a:rPr lang="en-US" smtClean="0"/>
-              <a:t>Cá</a:t>
+            <a:r>
+              <a:rPr lang="en-US" smtClean="0"/>
+              <a:t>Việc</a:t>
             </a:r>
             <a:r>
               <a:rPr lang="en-US" baseline="0" smtClean="0"/>
-              <a:t> nhân tham gia và sự tương tác giữa họ là nhân tố để nhóm làm việc hiệu quả cao. Để tạo điều kiện cho truyền thông, các phương pháp Agile thường xuyên sử dụng các quy trình thanh tra và thích nghi thông qua các cuộc họp (ví dụ như với Scrum là daily meeting, họp kế hoạch sprint, họp sơ kết sprint, họp cải tiến sprint)</a:t>
-            </a:r>
-          </a:p>
-          <a:p>
-            <a:pPr marL="171450" indent="-171450">
-              <a:buFont typeface="Wingdings" panose="05000000000000000000" pitchFamily="2" charset="2"/>
-              <a:buChar char="v"/>
-            </a:pPr>
+              <a:t> áp dụng Agile thủ công bằng giấy bút sẽ gặp nhiều khó khăn khi lưu trữ thông tin dự án đã và đang thực hiện, đồng thời việc tìm lại thông tin khi cần thiết cũng gặp không ít khó khăn.</a:t>
+            </a:r>
+          </a:p>
+          <a:p>
             <a:r>
               <a:rPr lang="en-US" baseline="0" smtClean="0"/>
-              <a:t>Phần mềm chạy tốt là 1 trong những điểm nổi bật nhất mà các phương pháp Agile mang lại. Tất cả các phương pháp theo Agile nhấn mạnh tới việc cung cấp 1 phần nhỏ của sản phẩm phần mềm chạy tốt tới khách hàng trong 1 khoản thời gian nhất định</a:t>
-            </a:r>
-          </a:p>
-          <a:p>
-            <a:pPr marL="171450" indent="-171450">
-              <a:buFont typeface="Wingdings" panose="05000000000000000000" pitchFamily="2" charset="2"/>
-              <a:buChar char="v"/>
-            </a:pPr>
+              <a:t>Việc theo dõi cập nhật tiến độ dự án phải thực hiện bằng tay thì mất thời gian và chậm trễ.</a:t>
+            </a:r>
+          </a:p>
+          <a:p>
             <a:r>
               <a:rPr lang="en-US" baseline="0" smtClean="0"/>
-              <a:t>Việc khách hàng tham gia vào đội ngũ phát triển, thường xuyên cung cấp các thông tin phản hồi dựa vào việc chuyển giao từng phần nhỏ của dự án đã giúp các dự án hoàn thành đúng với yêu cầu của khách hàng hơn.</a:t>
-            </a:r>
-          </a:p>
-          <a:p>
-            <a:pPr marL="171450" indent="-171450">
-              <a:buFont typeface="Wingdings" panose="05000000000000000000" pitchFamily="2" charset="2"/>
-              <a:buChar char="v"/>
-            </a:pPr>
+              <a:t>So với một công cụ quản lí với các tính năng thống kê, báo cáo thì việc phải thực hiện thủ công vừa mệt mỏi vừa tốn rất nhiều thời gian.</a:t>
+            </a:r>
+          </a:p>
+          <a:p>
             <a:r>
               <a:rPr lang="en-US" baseline="0" smtClean="0"/>
-              <a:t>Tất cả các phương pháp theo Agile đều tích hợp sẵn các quy trình đáp ứng với các thay đổi từ khách hàng chằng hạn như trong Scrum là sơ kết Sprint và cải tiến Sprint.</a:t>
+              <a:t>Các thành viên trong nhóm cần phải liên tục làm việc cùng nhau để cập nhật tiến độ dự án.</a:t>
             </a:r>
             <a:endParaRPr lang="en-US"/>
           </a:p>
@@ -5358,7 +7022,7 @@
           <a:p>
             <a:fld id="{9708A7C2-DEB1-48DB-AFA5-4C0B0547ED1A}" type="slidenum">
               <a:rPr lang="en-US" smtClean="0"/>
-              <a:t>7</a:t>
+              <a:t>4</a:t>
             </a:fld>
             <a:endParaRPr lang="en-US"/>
           </a:p>
@@ -5367,7 +7031,7 @@
     </p:spTree>
     <p:extLst>
       <p:ext uri="{BB962C8B-B14F-4D97-AF65-F5344CB8AC3E}">
-        <p14:creationId xmlns:p14="http://schemas.microsoft.com/office/powerpoint/2010/main" val="4046754452"/>
+        <p14:creationId xmlns:p14="http://schemas.microsoft.com/office/powerpoint/2010/main" val="3770665830"/>
       </p:ext>
     </p:extLst>
   </p:cSld>
@@ -5421,140 +7085,13 @@
           <a:bodyPr/>
           <a:lstStyle/>
           <a:p>
-            <a:pPr marL="171450" indent="-171450">
-              <a:buFont typeface="Wingdings" panose="05000000000000000000" pitchFamily="2" charset="2"/>
-              <a:buChar char="v"/>
-            </a:pPr>
-            <a:r>
-              <a:rPr lang="en-US" smtClean="0"/>
-              <a:t>Tính</a:t>
+            <a:r>
+              <a:rPr lang="en-US" smtClean="0"/>
+              <a:t>Tổng</a:t>
             </a:r>
             <a:r>
               <a:rPr lang="en-US" baseline="0" smtClean="0"/>
-              <a:t> lặp: dự án được chia thành các phân đoạn nhỏ lặp đi lặp lại, thường có khung thời gian ngắn (từ 1 đến 4 tuần). Trong mỗi phân đoạn nhóm sẽ thực hiện đầy đủ như lập kế hoạch, phan tích yêu cầu, thiết kế, triển khai và kiểm thử.</a:t>
-            </a:r>
-          </a:p>
-          <a:p>
-            <a:pPr marL="171450" indent="-171450">
-              <a:buFont typeface="Wingdings" panose="05000000000000000000" pitchFamily="2" charset="2"/>
-              <a:buChar char="v"/>
-            </a:pPr>
-            <a:r>
-              <a:rPr lang="en-US" smtClean="0"/>
-              <a:t>Tính</a:t>
-            </a:r>
-            <a:r>
-              <a:rPr lang="en-US" baseline="0" smtClean="0"/>
-              <a:t> tăng và tiến hóa: cuối mỗi phân đoạn, nhóm phát triển cho ra các phần nhỏ của sản phẩm cuối cùng có thể sử dụng được. Theo thời gian, các phan đoạn này nối tiếp phân đoạn kia, dần dần tích lũy thành sản phẩm cuối cùng.</a:t>
-            </a:r>
-          </a:p>
-          <a:p>
-            <a:pPr marL="171450" indent="-171450">
-              <a:lnSpc>
-                <a:spcPct val="150000"/>
-              </a:lnSpc>
-              <a:buFont typeface="Wingdings" panose="05000000000000000000" pitchFamily="2" charset="2"/>
-              <a:buChar char="v"/>
-            </a:pPr>
-            <a:r>
-              <a:rPr lang="en-US" smtClean="0"/>
-              <a:t>Tính thích ứng: do các</a:t>
-            </a:r>
-            <a:r>
-              <a:rPr lang="en-US" baseline="0" smtClean="0"/>
-              <a:t> phân đoạn chỉ kéo dài trong 1 khoản thời gian ngắn, kế hoạch cũng được điều chỉnh liên tục nên các thay đổi trong quá trình phát triển như thay đổi yeu cầu, công nghệ, mục tiêu… đều có thể được đáp ứng</a:t>
-            </a:r>
-            <a:endParaRPr lang="en-US" smtClean="0"/>
-          </a:p>
-          <a:p>
-            <a:pPr marL="171450" indent="-171450">
-              <a:lnSpc>
-                <a:spcPct val="150000"/>
-              </a:lnSpc>
-              <a:buFont typeface="Wingdings" panose="05000000000000000000" pitchFamily="2" charset="2"/>
-              <a:buChar char="v"/>
-            </a:pPr>
-            <a:r>
-              <a:rPr lang="en-US" smtClean="0"/>
-              <a:t>Nhóm tự tổ chức và liên chức năng: các</a:t>
-            </a:r>
-            <a:r>
-              <a:rPr lang="en-US" baseline="0" smtClean="0"/>
-              <a:t> nhóm không có phân cấp chức danh cụ thể. Thành viên trong nhóm cùng nhau cộng tác để ra quyết định, theo dõi tiến độ, giải quyết các vấn đề.</a:t>
-            </a:r>
-            <a:endParaRPr lang="en-US" smtClean="0"/>
-          </a:p>
-          <a:p>
-            <a:pPr marL="171450" indent="-171450">
-              <a:lnSpc>
-                <a:spcPct val="150000"/>
-              </a:lnSpc>
-              <a:buFont typeface="Wingdings" panose="05000000000000000000" pitchFamily="2" charset="2"/>
-              <a:buChar char="v"/>
-            </a:pPr>
-            <a:r>
-              <a:rPr lang="en-US" smtClean="0"/>
-              <a:t>Quản lí tiến trình thực nghiệm: các</a:t>
-            </a:r>
-            <a:r>
-              <a:rPr lang="en-US" baseline="0" smtClean="0"/>
-              <a:t> nhóm Agile ra quyết định dựa vào dữ liệu thực tế thông qua việc chia nhỏ dự án thành các phân đoạn, điều này giúp cung cấp các điểm mốc để nhóm thu thập thêm dữ liệu, điểu chỉnh chiến lược phát triển.</a:t>
-            </a:r>
-            <a:endParaRPr lang="en-US" smtClean="0"/>
-          </a:p>
-          <a:p>
-            <a:pPr marL="171450" indent="-171450">
-              <a:lnSpc>
-                <a:spcPct val="150000"/>
-              </a:lnSpc>
-              <a:buFont typeface="Wingdings" panose="05000000000000000000" pitchFamily="2" charset="2"/>
-              <a:buChar char="v"/>
-            </a:pPr>
-            <a:r>
-              <a:rPr lang="en-US" smtClean="0"/>
-              <a:t>Đối thoại trực diện: m</a:t>
-            </a:r>
-            <a:r>
-              <a:rPr lang="en-US" sz="1200" kern="1200" smtClean="0">
-                <a:solidFill>
-                  <a:schemeClr val="tx1"/>
-                </a:solidFill>
-                <a:effectLst/>
-                <a:latin typeface="+mn-lt"/>
-                <a:ea typeface="+mn-ea"/>
-                <a:cs typeface="+mn-cs"/>
-              </a:rPr>
-              <a:t>ột số mô hình phát triển phần mềm dựa rất nhiều vào công việc giấy tờ, Agile</a:t>
-            </a:r>
-            <a:r>
-              <a:rPr lang="en-US" sz="1200" kern="1200" baseline="0" smtClean="0">
-                <a:solidFill>
-                  <a:schemeClr val="tx1"/>
-                </a:solidFill>
-                <a:effectLst/>
-                <a:latin typeface="+mn-lt"/>
-                <a:ea typeface="+mn-ea"/>
-                <a:cs typeface="+mn-cs"/>
-              </a:rPr>
-              <a:t> không phản đối các tải liệu nhưng đánh giá cao hơn việc giao tiếp trực diện ví dụ như daily meeting.</a:t>
-            </a:r>
-            <a:endParaRPr lang="en-US" smtClean="0"/>
-          </a:p>
-          <a:p>
-            <a:pPr marL="171450" indent="-171450">
-              <a:lnSpc>
-                <a:spcPct val="150000"/>
-              </a:lnSpc>
-              <a:buFont typeface="Wingdings" panose="05000000000000000000" pitchFamily="2" charset="2"/>
-              <a:buChar char="v"/>
-            </a:pPr>
-            <a:r>
-              <a:rPr lang="en-US" smtClean="0"/>
-              <a:t>Phát triển dựa trên giá trị: nhóm</a:t>
-            </a:r>
-            <a:r>
-              <a:rPr lang="en-US" baseline="0" smtClean="0"/>
-              <a:t> Agile thường xuyên làm việc trực tiếp với khách hàng để biết yêu cầu nào quan trọng hơn, mang lại giá trị cao hơn cho dự án để tập trung phát triển và loại bỏ các công việc không cần thiết.</a:t>
+              <a:t> hợp những vấn đề trên, mục tiêu của em khi thực hiện đề tài này là nghiên cứu nắm bắt mô hình Agile và 1 phương pháp rất phổ biến của nó là Scrum. Đồng thời, từ những kiến thức tìm hiểu được, xây dựng công cụ quản lí dự án theo Agile áp dụng phương pháp Scrum.</a:t>
             </a:r>
             <a:endParaRPr lang="en-US"/>
           </a:p>
@@ -5577,7 +7114,7 @@
           <a:p>
             <a:fld id="{9708A7C2-DEB1-48DB-AFA5-4C0B0547ED1A}" type="slidenum">
               <a:rPr lang="en-US" smtClean="0"/>
-              <a:t>8</a:t>
+              <a:t>5</a:t>
             </a:fld>
             <a:endParaRPr lang="en-US"/>
           </a:p>
@@ -5586,7 +7123,7 @@
     </p:spTree>
     <p:extLst>
       <p:ext uri="{BB962C8B-B14F-4D97-AF65-F5344CB8AC3E}">
-        <p14:creationId xmlns:p14="http://schemas.microsoft.com/office/powerpoint/2010/main" val="1150284039"/>
+        <p14:creationId xmlns:p14="http://schemas.microsoft.com/office/powerpoint/2010/main" val="3432272031"/>
       </p:ext>
     </p:extLst>
   </p:cSld>
@@ -5640,29 +7177,24 @@
           <a:bodyPr/>
           <a:lstStyle/>
           <a:p>
-            <a:pPr marL="0" marR="0" indent="0" algn="l" defTabSz="914400" rtl="0" eaLnBrk="1" fontAlgn="auto" latinLnBrk="0" hangingPunct="1">
-              <a:lnSpc>
-                <a:spcPct val="100000"/>
-              </a:lnSpc>
-              <a:spcBef>
-                <a:spcPts val="0"/>
-              </a:spcBef>
-              <a:spcAft>
-                <a:spcPts val="0"/>
-              </a:spcAft>
-              <a:buClrTx/>
-              <a:buSzTx/>
-              <a:buFontTx/>
-              <a:buNone/>
-              <a:tabLst/>
-              <a:defRPr/>
-            </a:pPr>
-            <a:r>
-              <a:rPr lang="en-US" kern="1200" smtClean="0"/>
-              <a:t>Agile là một tập hợp các nguyên tắc còn Scrum đưa ra những hướng dẫn cụ thể cho phép chúng ta áp dụng, triển khai vào một dự án thực tế. </a:t>
-            </a:r>
-          </a:p>
-          <a:p>
+            <a:r>
+              <a:rPr lang="en-US" smtClean="0"/>
+              <a:t>Đầu</a:t>
+            </a:r>
+            <a:r>
+              <a:rPr lang="en-US" baseline="0" smtClean="0"/>
+              <a:t> tiên, Agile là gì? Nó là </a:t>
+            </a:r>
+            <a:r>
+              <a:rPr lang="en-US" baseline="0" smtClean="0"/>
+              <a:t>…</a:t>
+            </a:r>
+          </a:p>
+          <a:p>
+            <a:r>
+              <a:rPr lang="en-US" baseline="0" smtClean="0"/>
+              <a:t>Agile đi kèm với tuyên ngôn Agile là cô đọng nhất những gì mà triết lý Agile hướng tới. </a:t>
+            </a:r>
             <a:endParaRPr lang="en-US"/>
           </a:p>
         </p:txBody>
@@ -5684,7 +7216,7 @@
           <a:p>
             <a:fld id="{9708A7C2-DEB1-48DB-AFA5-4C0B0547ED1A}" type="slidenum">
               <a:rPr lang="en-US" smtClean="0"/>
-              <a:t>9</a:t>
+              <a:t>6</a:t>
             </a:fld>
             <a:endParaRPr lang="en-US"/>
           </a:p>
@@ -5693,7 +7225,7 @@
     </p:spTree>
     <p:extLst>
       <p:ext uri="{BB962C8B-B14F-4D97-AF65-F5344CB8AC3E}">
-        <p14:creationId xmlns:p14="http://schemas.microsoft.com/office/powerpoint/2010/main" val="3090677774"/>
+        <p14:creationId xmlns:p14="http://schemas.microsoft.com/office/powerpoint/2010/main" val="700035634"/>
       </p:ext>
     </p:extLst>
   </p:cSld>
@@ -5747,18 +7279,33 @@
           <a:bodyPr/>
           <a:lstStyle/>
           <a:p>
-            <a:pPr marL="171450" indent="-171450">
-              <a:buFont typeface="Wingdings" panose="05000000000000000000" pitchFamily="2" charset="2"/>
-              <a:buChar char="v"/>
+            <a:pPr marL="0" marR="0" indent="0" algn="l" defTabSz="914400" rtl="0" eaLnBrk="1" fontAlgn="auto" latinLnBrk="0" hangingPunct="1">
+              <a:lnSpc>
+                <a:spcPct val="100000"/>
+              </a:lnSpc>
+              <a:spcBef>
+                <a:spcPts val="0"/>
+              </a:spcBef>
+              <a:spcAft>
+                <a:spcPts val="0"/>
+              </a:spcAft>
+              <a:buClrTx/>
+              <a:buSzTx/>
+              <a:buFontTx/>
+              <a:buNone/>
+              <a:tabLst/>
+              <a:defRPr/>
             </a:pPr>
             <a:r>
               <a:rPr lang="en-US" smtClean="0"/>
-              <a:t>Agile</a:t>
+              <a:t>Cá</a:t>
             </a:r>
             <a:r>
               <a:rPr lang="en-US" baseline="0" smtClean="0"/>
-              <a:t> yêu cầu giao tiếp trực diện và Scrum có các cuộc họp hàng ngày (daily metting). Agile yêu cầu việc lặp lại và phát triển tăng trường và Scrum có Sprint. Agile yêu cầu quản lí tiến trình thực nghiệm, Scrum có các buổi họp sơ kết Sprint, cải tiến Sprint từ đó thu thập dữ liệu và cải tiến chiến lược phát triển.</a:t>
-            </a:r>
+              <a:t> nhân tham gia và sự tương tác giữa họ là nhân tố để nhóm làm việc hiệu quả cao. Để tạo điều kiện cho truyền thông, các phương pháp Agile thường xuyên sử dụng các quy trình thanh tra và thích nghi thông qua các cuộc họp (ví dụ như với Scrum là daily meeting, họp kế hoạch sprint, họp sơ kết sprint, họp cải tiến sprint)</a:t>
+            </a:r>
+          </a:p>
+          <a:p>
             <a:endParaRPr lang="en-US"/>
           </a:p>
         </p:txBody>
@@ -5780,7 +7327,7 @@
           <a:p>
             <a:fld id="{9708A7C2-DEB1-48DB-AFA5-4C0B0547ED1A}" type="slidenum">
               <a:rPr lang="en-US" smtClean="0"/>
-              <a:t>10</a:t>
+              <a:t>7</a:t>
             </a:fld>
             <a:endParaRPr lang="en-US"/>
           </a:p>
@@ -5789,7 +7336,7 @@
     </p:spTree>
     <p:extLst>
       <p:ext uri="{BB962C8B-B14F-4D97-AF65-F5344CB8AC3E}">
-        <p14:creationId xmlns:p14="http://schemas.microsoft.com/office/powerpoint/2010/main" val="2364866678"/>
+        <p14:creationId xmlns:p14="http://schemas.microsoft.com/office/powerpoint/2010/main" val="3627059123"/>
       </p:ext>
     </p:extLst>
   </p:cSld>
@@ -5861,101 +7408,12 @@
               <a:defRPr/>
             </a:pPr>
             <a:r>
-              <a:rPr lang="en-US" altLang="en-US" sz="1200" smtClean="0">
-                <a:solidFill>
-                  <a:srgbClr val="000000"/>
-                </a:solidFill>
-                <a:latin typeface="Verdana" pitchFamily="34" charset="0"/>
-              </a:rPr>
-              <a:t>PRODUCT OWNER:  Là đại diện cho khách hàng</a:t>
-            </a:r>
-            <a:r>
-              <a:rPr lang="en-US" altLang="en-US" sz="1200" smtClean="0">
-                <a:solidFill>
-                  <a:schemeClr val="tx1"/>
-                </a:solidFill>
-                <a:latin typeface="+mn-lt"/>
-              </a:rPr>
-              <a:t>,</a:t>
-            </a:r>
-            <a:r>
-              <a:rPr lang="en-US" altLang="en-US" sz="1200" baseline="0" smtClean="0">
-                <a:solidFill>
-                  <a:schemeClr val="tx1"/>
-                </a:solidFill>
-                <a:latin typeface="+mn-lt"/>
-              </a:rPr>
-              <a:t> </a:t>
-            </a:r>
-            <a:r>
-              <a:rPr lang="en-US" altLang="en-US" sz="1600" baseline="0" smtClean="0">
-                <a:solidFill>
-                  <a:srgbClr val="000000"/>
-                </a:solidFill>
-                <a:latin typeface="Verdana" pitchFamily="34" charset="0"/>
-              </a:rPr>
-              <a:t>q</a:t>
-            </a:r>
-            <a:r>
-              <a:rPr lang="en-US" altLang="en-US" sz="1600" smtClean="0">
-                <a:solidFill>
-                  <a:srgbClr val="000000"/>
-                </a:solidFill>
-                <a:latin typeface="Verdana" pitchFamily="34" charset="0"/>
-              </a:rPr>
-              <a:t>uản lí Product Backlog</a:t>
-            </a:r>
-          </a:p>
-          <a:p>
-            <a:pPr marL="0" marR="0" indent="0" algn="l" defTabSz="914400" rtl="0" eaLnBrk="1" fontAlgn="auto" latinLnBrk="0" hangingPunct="1">
-              <a:lnSpc>
-                <a:spcPct val="100000"/>
-              </a:lnSpc>
-              <a:spcBef>
-                <a:spcPts val="0"/>
-              </a:spcBef>
-              <a:spcAft>
-                <a:spcPts val="0"/>
-              </a:spcAft>
-              <a:buClrTx/>
-              <a:buSzTx/>
-              <a:buFontTx/>
-              <a:buNone/>
-              <a:tabLst/>
-              <a:defRPr/>
-            </a:pPr>
-            <a:r>
-              <a:rPr lang="en-US" altLang="en-US" sz="2000" smtClean="0"/>
-              <a:t>TEAM: </a:t>
-            </a:r>
-            <a:r>
-              <a:rPr lang="en-US" altLang="en-US" sz="2000" baseline="0" smtClean="0"/>
-              <a:t>tự tổ chức, liên chức năng</a:t>
-            </a:r>
-          </a:p>
-          <a:p>
-            <a:pPr marL="0" marR="0" indent="0" algn="l" defTabSz="914400" rtl="0" eaLnBrk="1" fontAlgn="auto" latinLnBrk="0" hangingPunct="1">
-              <a:lnSpc>
-                <a:spcPct val="100000"/>
-              </a:lnSpc>
-              <a:spcBef>
-                <a:spcPts val="0"/>
-              </a:spcBef>
-              <a:spcAft>
-                <a:spcPts val="0"/>
-              </a:spcAft>
-              <a:buClrTx/>
-              <a:buSzTx/>
-              <a:buFontTx/>
-              <a:buNone/>
-              <a:tabLst/>
-              <a:defRPr/>
-            </a:pPr>
-            <a:r>
-              <a:rPr lang="en-US" altLang="en-US" sz="2000" baseline="0" smtClean="0"/>
-              <a:t>SCRUM MASTER: đảm bảo mọi người hiểu và áp dụng đúng Scrum</a:t>
-            </a:r>
-            <a:endParaRPr lang="en-US" altLang="en-US" sz="2000" smtClean="0"/>
+              <a:rPr lang="en-US" baseline="0" smtClean="0"/>
+              <a:t>Phần mềm chạy tốt là 1 trong những điểm nổi bật nhất mà các phương pháp Agile mang lại. Tất cả các phương pháp theo Agile nhấn mạnh tới việc cung cấp 1 phần nhỏ của sản phẩm phần mềm chạy tốt tới khách hàng trong 1 khoản thời gian nhất định</a:t>
+            </a:r>
+          </a:p>
+          <a:p>
+            <a:endParaRPr lang="en-US"/>
           </a:p>
         </p:txBody>
       </p:sp>
@@ -5976,7 +7434,7 @@
           <a:p>
             <a:fld id="{9708A7C2-DEB1-48DB-AFA5-4C0B0547ED1A}" type="slidenum">
               <a:rPr lang="en-US" smtClean="0"/>
-              <a:t>11</a:t>
+              <a:t>8</a:t>
             </a:fld>
             <a:endParaRPr lang="en-US"/>
           </a:p>
@@ -5985,7 +7443,7 @@
     </p:spTree>
     <p:extLst>
       <p:ext uri="{BB962C8B-B14F-4D97-AF65-F5344CB8AC3E}">
-        <p14:creationId xmlns:p14="http://schemas.microsoft.com/office/powerpoint/2010/main" val="366875255"/>
+        <p14:creationId xmlns:p14="http://schemas.microsoft.com/office/powerpoint/2010/main" val="1872035257"/>
       </p:ext>
     </p:extLst>
   </p:cSld>
@@ -6039,192 +7497,26 @@
           <a:bodyPr/>
           <a:lstStyle/>
           <a:p>
-            <a:r>
-              <a:rPr lang="en-US" sz="1200" b="1" kern="1200" smtClean="0">
-                <a:solidFill>
-                  <a:schemeClr val="tx1"/>
-                </a:solidFill>
-                <a:effectLst/>
-                <a:latin typeface="+mn-lt"/>
-                <a:ea typeface="+mn-ea"/>
-                <a:cs typeface="+mn-cs"/>
-              </a:rPr>
-              <a:t>Bước 1:</a:t>
-            </a:r>
-            <a:r>
-              <a:rPr lang="en-US" sz="1200" kern="1200" smtClean="0">
-                <a:solidFill>
-                  <a:schemeClr val="tx1"/>
-                </a:solidFill>
-                <a:effectLst/>
-                <a:latin typeface="+mn-lt"/>
-                <a:ea typeface="+mn-ea"/>
-                <a:cs typeface="+mn-cs"/>
-              </a:rPr>
-              <a:t> Product Owner đưa ra danh sách các chức năng (User Story) được sắp xếp theo độ quan trọng. Danh sách này tồn tại và cập nhật trong suốt quá trình phát triển sản phẩm.</a:t>
-            </a:r>
-          </a:p>
-          <a:p>
-            <a:r>
-              <a:rPr lang="en-US" sz="1200" b="1" kern="1200" smtClean="0">
-                <a:solidFill>
-                  <a:schemeClr val="tx1"/>
-                </a:solidFill>
-                <a:effectLst/>
-                <a:latin typeface="+mn-lt"/>
-                <a:ea typeface="+mn-ea"/>
-                <a:cs typeface="+mn-cs"/>
-              </a:rPr>
-              <a:t>Bước 2:</a:t>
-            </a:r>
-            <a:r>
-              <a:rPr lang="en-US" sz="1200" kern="1200" smtClean="0">
-                <a:solidFill>
-                  <a:schemeClr val="tx1"/>
-                </a:solidFill>
-                <a:effectLst/>
-                <a:latin typeface="+mn-lt"/>
-                <a:ea typeface="+mn-ea"/>
-                <a:cs typeface="+mn-cs"/>
-              </a:rPr>
-              <a:t> Bắt đầu mỗi Sprint, nhóm Scrum sẽ tiến hàng cuộc họp kế hoạch Sprint.</a:t>
-            </a:r>
-          </a:p>
-          <a:p>
-            <a:pPr lvl="0"/>
-            <a:r>
-              <a:rPr lang="en-US" sz="1200" kern="1200" smtClean="0">
-                <a:solidFill>
-                  <a:schemeClr val="tx1"/>
-                </a:solidFill>
-                <a:effectLst/>
-                <a:latin typeface="+mn-lt"/>
-                <a:ea typeface="+mn-ea"/>
-                <a:cs typeface="+mn-cs"/>
-              </a:rPr>
-              <a:t>Team sẽ chọn ra các User Story để thực hiện trong Sprint.</a:t>
-            </a:r>
-          </a:p>
-          <a:p>
-            <a:pPr lvl="0"/>
-            <a:r>
-              <a:rPr lang="en-US" sz="1200" kern="1200" smtClean="0">
-                <a:solidFill>
-                  <a:schemeClr val="tx1"/>
-                </a:solidFill>
-                <a:effectLst/>
-                <a:latin typeface="+mn-lt"/>
-                <a:ea typeface="+mn-ea"/>
-                <a:cs typeface="+mn-cs"/>
-              </a:rPr>
-              <a:t>Phân chia các User Story thành các Task.</a:t>
-            </a:r>
-          </a:p>
-          <a:p>
-            <a:pPr lvl="0"/>
-            <a:r>
-              <a:rPr lang="en-US" sz="1200" kern="1200" smtClean="0">
-                <a:solidFill>
-                  <a:schemeClr val="tx1"/>
-                </a:solidFill>
-                <a:effectLst/>
-                <a:latin typeface="+mn-lt"/>
-                <a:ea typeface="+mn-ea"/>
-                <a:cs typeface="+mn-cs"/>
-              </a:rPr>
-              <a:t>Kết quả của bước này là một bản Sprint Backlog gồm danh sách các User Story sẽ được thực hiện trong Sprint cùng các Task của nó.</a:t>
-            </a:r>
-          </a:p>
-          <a:p>
-            <a:r>
-              <a:rPr lang="en-US" sz="1200" b="1" kern="1200" smtClean="0">
-                <a:solidFill>
-                  <a:schemeClr val="tx1"/>
-                </a:solidFill>
-                <a:effectLst/>
-                <a:latin typeface="+mn-lt"/>
-                <a:ea typeface="+mn-ea"/>
-                <a:cs typeface="+mn-cs"/>
-              </a:rPr>
-              <a:t>Bước 3:</a:t>
-            </a:r>
-            <a:r>
-              <a:rPr lang="en-US" sz="1200" kern="1200" smtClean="0">
-                <a:solidFill>
-                  <a:schemeClr val="tx1"/>
-                </a:solidFill>
-                <a:effectLst/>
-                <a:latin typeface="+mn-lt"/>
-                <a:ea typeface="+mn-ea"/>
-                <a:cs typeface="+mn-cs"/>
-              </a:rPr>
-              <a:t> Mỗi ngày Team tổ chức họp hàng ngày để thanh tra quá trình thực hiện, thực hiện các thay đổi nếu cần để hoàn thành công việc. Đồng thời đây cũng là thời điểm để cập nhật các Task và Sprint Backlog.</a:t>
-            </a:r>
-          </a:p>
-          <a:p>
-            <a:r>
-              <a:rPr lang="en-US" sz="1200" b="1" kern="1200" smtClean="0">
-                <a:solidFill>
-                  <a:schemeClr val="tx1"/>
-                </a:solidFill>
-                <a:effectLst/>
-                <a:latin typeface="+mn-lt"/>
-                <a:ea typeface="+mn-ea"/>
-                <a:cs typeface="+mn-cs"/>
-              </a:rPr>
-              <a:t>Bước 4:</a:t>
-            </a:r>
-            <a:r>
-              <a:rPr lang="en-US" sz="1200" kern="1200" smtClean="0">
-                <a:solidFill>
-                  <a:schemeClr val="tx1"/>
-                </a:solidFill>
-                <a:effectLst/>
-                <a:latin typeface="+mn-lt"/>
-                <a:ea typeface="+mn-ea"/>
-                <a:cs typeface="+mn-cs"/>
-              </a:rPr>
-              <a:t> Trước khi Sprint kết thúc, nhóm Scrum tiến hành họp sơ kết Sprint với các bên liên quan, trình bày về những việc đã làm, giới thiệu kết quả, xem xét lại những việc chưa hoàn thành.</a:t>
-            </a:r>
-          </a:p>
-          <a:p>
-            <a:r>
-              <a:rPr lang="en-US" sz="1200" b="1" kern="1200" smtClean="0">
-                <a:solidFill>
-                  <a:schemeClr val="tx1"/>
-                </a:solidFill>
-                <a:effectLst/>
-                <a:latin typeface="+mn-lt"/>
-                <a:ea typeface="+mn-ea"/>
-                <a:cs typeface="+mn-cs"/>
-              </a:rPr>
-              <a:t>Bước 5:</a:t>
-            </a:r>
-            <a:r>
-              <a:rPr lang="en-US" sz="1200" kern="1200" smtClean="0">
-                <a:solidFill>
-                  <a:schemeClr val="tx1"/>
-                </a:solidFill>
-                <a:effectLst/>
-                <a:latin typeface="+mn-lt"/>
-                <a:ea typeface="+mn-ea"/>
-                <a:cs typeface="+mn-cs"/>
-              </a:rPr>
-              <a:t> Tiếp theo, nhóm Scrum sẽ tổ chức cuộc họp cải tiến Sprint. Mọi người xem xét lại Sprint vừa diễn ra và nhận phản hồi, ý tưởng để cải tiến trong Sprint tiếp theo.</a:t>
-            </a:r>
-          </a:p>
-          <a:p>
-            <a:r>
-              <a:rPr lang="en-US" sz="1200" kern="1200" smtClean="0">
-                <a:solidFill>
-                  <a:schemeClr val="tx1"/>
-                </a:solidFill>
-                <a:effectLst/>
-                <a:latin typeface="+mn-lt"/>
-                <a:ea typeface="+mn-ea"/>
-                <a:cs typeface="+mn-cs"/>
-              </a:rPr>
-              <a:t>Sau khi kết thúc Sprint thì Product Owner sẽ cập nhật lại sự thay đổi trong Product Backlog. Lúc này đội ngũ phát triển đã sẵn dàng để bắt đầu Sprint tiếp theo. Quy trình này cứ lặp đi lặp lại cho đến khi hoàn thành tất cả các yêu cầu của khách hàng.</a:t>
+            <a:pPr marL="0" marR="0" indent="0" algn="l" defTabSz="914400" rtl="0" eaLnBrk="1" fontAlgn="auto" latinLnBrk="0" hangingPunct="1">
+              <a:lnSpc>
+                <a:spcPct val="100000"/>
+              </a:lnSpc>
+              <a:spcBef>
+                <a:spcPts val="0"/>
+              </a:spcBef>
+              <a:spcAft>
+                <a:spcPts val="0"/>
+              </a:spcAft>
+              <a:buClrTx/>
+              <a:buSzTx/>
+              <a:buFontTx/>
+              <a:buNone/>
+              <a:tabLst/>
+              <a:defRPr/>
+            </a:pPr>
+            <a:r>
+              <a:rPr lang="en-US" baseline="0" smtClean="0"/>
+              <a:t>Việc khách hàng tham gia vào đội ngũ phát triển, thường xuyên cung cấp các thông tin phản hồi dựa vào việc chuyển giao từng phần nhỏ của dự án đã giúp các dự án hoàn thành đúng với yêu cầu của khách hàng hơn.</a:t>
             </a:r>
           </a:p>
           <a:p>
@@ -6249,7 +7541,7 @@
           <a:p>
             <a:fld id="{9708A7C2-DEB1-48DB-AFA5-4C0B0547ED1A}" type="slidenum">
               <a:rPr lang="en-US" smtClean="0"/>
-              <a:t>14</a:t>
+              <a:t>9</a:t>
             </a:fld>
             <a:endParaRPr lang="en-US"/>
           </a:p>
@@ -6258,7 +7550,7 @@
     </p:spTree>
     <p:extLst>
       <p:ext uri="{BB962C8B-B14F-4D97-AF65-F5344CB8AC3E}">
-        <p14:creationId xmlns:p14="http://schemas.microsoft.com/office/powerpoint/2010/main" val="4106698713"/>
+        <p14:creationId xmlns:p14="http://schemas.microsoft.com/office/powerpoint/2010/main" val="1142872158"/>
       </p:ext>
     </p:extLst>
   </p:cSld>
@@ -11470,15 +12762,446 @@
             </a:r>
             <a:r>
               <a:rPr lang="en-US" smtClean="0"/>
-              <a:t>(</a:t>
-            </a:r>
-            <a:r>
-              <a:rPr lang="en-US" smtClean="0"/>
-              <a:t>5/9</a:t>
-            </a:r>
-            <a:r>
-              <a:rPr lang="en-US" smtClean="0"/>
-              <a:t>)</a:t>
+              <a:t>(5/12)</a:t>
+            </a:r>
+            <a:endParaRPr lang="en-US"/>
+          </a:p>
+        </p:txBody>
+      </p:sp>
+      <p:sp>
+        <p:nvSpPr>
+          <p:cNvPr id="3" name="Content Placeholder 2"/>
+          <p:cNvSpPr>
+            <a:spLocks noGrp="1"/>
+          </p:cNvSpPr>
+          <p:nvPr>
+            <p:ph idx="1"/>
+          </p:nvPr>
+        </p:nvSpPr>
+        <p:spPr/>
+        <p:txBody>
+          <a:bodyPr/>
+          <a:lstStyle/>
+          <a:p>
+            <a:r>
+              <a:rPr lang="vi-VN" i="1" u="sng"/>
+              <a:t>Phản hồi với các thay đổi</a:t>
+            </a:r>
+            <a:r>
+              <a:rPr lang="vi-VN"/>
+              <a:t> hơn là bám sát kế hoạch.</a:t>
+            </a:r>
+          </a:p>
+          <a:p>
+            <a:endParaRPr lang="en-US"/>
+          </a:p>
+        </p:txBody>
+      </p:sp>
+      <p:pic>
+        <p:nvPicPr>
+          <p:cNvPr id="3074" name="Picture 2"/>
+          <p:cNvPicPr>
+            <a:picLocks noChangeAspect="1" noChangeArrowheads="1"/>
+          </p:cNvPicPr>
+          <p:nvPr/>
+        </p:nvPicPr>
+        <p:blipFill>
+          <a:blip r:embed="rId3">
+            <a:extLst>
+              <a:ext uri="{28A0092B-C50C-407E-A947-70E740481C1C}">
+                <a14:useLocalDpi xmlns:a14="http://schemas.microsoft.com/office/drawing/2010/main" val="0"/>
+              </a:ext>
+            </a:extLst>
+          </a:blip>
+          <a:srcRect/>
+          <a:stretch>
+            <a:fillRect/>
+          </a:stretch>
+        </p:blipFill>
+        <p:spPr bwMode="auto">
+          <a:xfrm>
+            <a:off x="1676399" y="2286000"/>
+            <a:ext cx="5410201" cy="4081803"/>
+          </a:xfrm>
+          <a:prstGeom prst="rect">
+            <a:avLst/>
+          </a:prstGeom>
+          <a:noFill/>
+          <a:ln>
+            <a:noFill/>
+          </a:ln>
+          <a:extLst>
+            <a:ext uri="{909E8E84-426E-40DD-AFC4-6F175D3DCCD1}">
+              <a14:hiddenFill xmlns:a14="http://schemas.microsoft.com/office/drawing/2010/main">
+                <a:solidFill>
+                  <a:schemeClr val="accent1"/>
+                </a:solidFill>
+              </a14:hiddenFill>
+            </a:ext>
+            <a:ext uri="{91240B29-F687-4F45-9708-019B960494DF}">
+              <a14:hiddenLine xmlns:a14="http://schemas.microsoft.com/office/drawing/2010/main" w="9525">
+                <a:solidFill>
+                  <a:schemeClr val="tx1"/>
+                </a:solidFill>
+                <a:miter lim="800000"/>
+                <a:headEnd/>
+                <a:tailEnd/>
+              </a14:hiddenLine>
+            </a:ext>
+          </a:extLst>
+        </p:spPr>
+      </p:pic>
+    </p:spTree>
+    <p:extLst>
+      <p:ext uri="{BB962C8B-B14F-4D97-AF65-F5344CB8AC3E}">
+        <p14:creationId xmlns:p14="http://schemas.microsoft.com/office/powerpoint/2010/main" val="2944245044"/>
+      </p:ext>
+    </p:extLst>
+  </p:cSld>
+  <p:clrMapOvr>
+    <a:masterClrMapping/>
+  </p:clrMapOvr>
+  <p:timing>
+    <p:tnLst>
+      <p:par>
+        <p:cTn id="1" dur="indefinite" restart="never" nodeType="tmRoot"/>
+      </p:par>
+    </p:tnLst>
+  </p:timing>
+</p:sld>
+</file>
+
+<file path=ppt/slides/slide11.xml><?xml version="1.0" encoding="utf-8"?>
+<p:sld xmlns:a="http://schemas.openxmlformats.org/drawingml/2006/main" xmlns:r="http://schemas.openxmlformats.org/officeDocument/2006/relationships" xmlns:p="http://schemas.openxmlformats.org/presentationml/2006/main">
+  <p:cSld>
+    <p:spTree>
+      <p:nvGrpSpPr>
+        <p:cNvPr id="1" name=""/>
+        <p:cNvGrpSpPr/>
+        <p:nvPr/>
+      </p:nvGrpSpPr>
+      <p:grpSpPr>
+        <a:xfrm>
+          <a:off x="0" y="0"/>
+          <a:ext cx="0" cy="0"/>
+          <a:chOff x="0" y="0"/>
+          <a:chExt cx="0" cy="0"/>
+        </a:xfrm>
+      </p:grpSpPr>
+      <p:sp>
+        <p:nvSpPr>
+          <p:cNvPr id="2" name="Title 1"/>
+          <p:cNvSpPr>
+            <a:spLocks noGrp="1"/>
+          </p:cNvSpPr>
+          <p:nvPr>
+            <p:ph type="title"/>
+          </p:nvPr>
+        </p:nvSpPr>
+        <p:spPr/>
+        <p:txBody>
+          <a:bodyPr/>
+          <a:lstStyle/>
+          <a:p>
+            <a:r>
+              <a:rPr lang="en-US"/>
+              <a:t>Cơ sở lý thuyết </a:t>
+            </a:r>
+            <a:r>
+              <a:rPr lang="en-US" smtClean="0"/>
+              <a:t>(6/12)</a:t>
+            </a:r>
+            <a:endParaRPr lang="en-US"/>
+          </a:p>
+        </p:txBody>
+      </p:sp>
+      <p:sp>
+        <p:nvSpPr>
+          <p:cNvPr id="3" name="Content Placeholder 2"/>
+          <p:cNvSpPr>
+            <a:spLocks noGrp="1"/>
+          </p:cNvSpPr>
+          <p:nvPr>
+            <p:ph idx="1"/>
+          </p:nvPr>
+        </p:nvSpPr>
+        <p:spPr/>
+        <p:txBody>
+          <a:bodyPr/>
+          <a:lstStyle/>
+          <a:p>
+            <a:pPr>
+              <a:lnSpc>
+                <a:spcPct val="150000"/>
+              </a:lnSpc>
+            </a:pPr>
+            <a:r>
+              <a:rPr lang="en-US"/>
+              <a:t>Các đặc trưng của Agile</a:t>
+            </a:r>
+          </a:p>
+          <a:p>
+            <a:pPr lvl="1"/>
+            <a:r>
+              <a:rPr lang="en-US" smtClean="0"/>
+              <a:t>Tính lặp.</a:t>
+            </a:r>
+          </a:p>
+          <a:p>
+            <a:pPr lvl="1"/>
+            <a:r>
+              <a:rPr lang="en-US" smtClean="0"/>
+              <a:t>Tính tăng và tiến hóa.</a:t>
+            </a:r>
+          </a:p>
+          <a:p>
+            <a:pPr lvl="1"/>
+            <a:r>
+              <a:rPr lang="en-US" smtClean="0"/>
+              <a:t>Tính thích ứng.</a:t>
+            </a:r>
+          </a:p>
+          <a:p>
+            <a:pPr lvl="1"/>
+            <a:r>
+              <a:rPr lang="en-US" smtClean="0"/>
+              <a:t>Nhóm tự tổ chức và liên chức năng.</a:t>
+            </a:r>
+          </a:p>
+          <a:p>
+            <a:pPr lvl="1"/>
+            <a:r>
+              <a:rPr lang="en-US" smtClean="0"/>
+              <a:t>Quản lí tiến trình thực nghiệm.</a:t>
+            </a:r>
+          </a:p>
+          <a:p>
+            <a:pPr lvl="1"/>
+            <a:r>
+              <a:rPr lang="en-US" smtClean="0"/>
+              <a:t>Đối thoại trực diện.</a:t>
+            </a:r>
+          </a:p>
+          <a:p>
+            <a:pPr lvl="1"/>
+            <a:r>
+              <a:rPr lang="en-US" smtClean="0"/>
+              <a:t>Phát triển dựa trên giá trị.</a:t>
+            </a:r>
+            <a:endParaRPr lang="en-US"/>
+          </a:p>
+        </p:txBody>
+      </p:sp>
+    </p:spTree>
+    <p:extLst>
+      <p:ext uri="{BB962C8B-B14F-4D97-AF65-F5344CB8AC3E}">
+        <p14:creationId xmlns:p14="http://schemas.microsoft.com/office/powerpoint/2010/main" val="1905888738"/>
+      </p:ext>
+    </p:extLst>
+  </p:cSld>
+  <p:clrMapOvr>
+    <a:masterClrMapping/>
+  </p:clrMapOvr>
+  <p:timing>
+    <p:tnLst>
+      <p:par>
+        <p:cTn id="1" dur="indefinite" restart="never" nodeType="tmRoot"/>
+      </p:par>
+    </p:tnLst>
+  </p:timing>
+</p:sld>
+</file>
+
+<file path=ppt/slides/slide12.xml><?xml version="1.0" encoding="utf-8"?>
+<p:sld xmlns:a="http://schemas.openxmlformats.org/drawingml/2006/main" xmlns:r="http://schemas.openxmlformats.org/officeDocument/2006/relationships" xmlns:p="http://schemas.openxmlformats.org/presentationml/2006/main">
+  <p:cSld>
+    <p:spTree>
+      <p:nvGrpSpPr>
+        <p:cNvPr id="1" name=""/>
+        <p:cNvGrpSpPr/>
+        <p:nvPr/>
+      </p:nvGrpSpPr>
+      <p:grpSpPr>
+        <a:xfrm>
+          <a:off x="0" y="0"/>
+          <a:ext cx="0" cy="0"/>
+          <a:chOff x="0" y="0"/>
+          <a:chExt cx="0" cy="0"/>
+        </a:xfrm>
+      </p:grpSpPr>
+      <p:sp>
+        <p:nvSpPr>
+          <p:cNvPr id="2" name="Title 1"/>
+          <p:cNvSpPr>
+            <a:spLocks noGrp="1"/>
+          </p:cNvSpPr>
+          <p:nvPr>
+            <p:ph type="title"/>
+          </p:nvPr>
+        </p:nvSpPr>
+        <p:spPr/>
+        <p:txBody>
+          <a:bodyPr/>
+          <a:lstStyle/>
+          <a:p>
+            <a:r>
+              <a:rPr lang="en-US"/>
+              <a:t>Cơ sở lý thuyết </a:t>
+            </a:r>
+            <a:r>
+              <a:rPr lang="en-US" smtClean="0"/>
+              <a:t>(7/12)</a:t>
+            </a:r>
+            <a:endParaRPr lang="en-US"/>
+          </a:p>
+        </p:txBody>
+      </p:sp>
+      <p:sp>
+        <p:nvSpPr>
+          <p:cNvPr id="3" name="Content Placeholder 2"/>
+          <p:cNvSpPr>
+            <a:spLocks noGrp="1"/>
+          </p:cNvSpPr>
+          <p:nvPr>
+            <p:ph idx="1"/>
+          </p:nvPr>
+        </p:nvSpPr>
+        <p:spPr/>
+        <p:txBody>
+          <a:bodyPr/>
+          <a:lstStyle/>
+          <a:p>
+            <a:r>
+              <a:rPr lang="en-US" smtClean="0"/>
+              <a:t>Phương pháp Scrum là phương pháp tuân theo mô hình Agile phổ biến nhất hiện nay</a:t>
+            </a:r>
+            <a:endParaRPr lang="en-US"/>
+          </a:p>
+        </p:txBody>
+      </p:sp>
+      <p:pic>
+        <p:nvPicPr>
+          <p:cNvPr id="7" name="Picture 2"/>
+          <p:cNvPicPr>
+            <a:picLocks noChangeAspect="1" noChangeArrowheads="1"/>
+          </p:cNvPicPr>
+          <p:nvPr/>
+        </p:nvPicPr>
+        <p:blipFill>
+          <a:blip r:embed="rId3">
+            <a:extLst>
+              <a:ext uri="{28A0092B-C50C-407E-A947-70E740481C1C}">
+                <a14:useLocalDpi xmlns:a14="http://schemas.microsoft.com/office/drawing/2010/main" val="0"/>
+              </a:ext>
+            </a:extLst>
+          </a:blip>
+          <a:srcRect/>
+          <a:stretch>
+            <a:fillRect/>
+          </a:stretch>
+        </p:blipFill>
+        <p:spPr bwMode="auto">
+          <a:xfrm>
+            <a:off x="1727200" y="2819400"/>
+            <a:ext cx="5772150" cy="3314700"/>
+          </a:xfrm>
+          <a:prstGeom prst="rect">
+            <a:avLst/>
+          </a:prstGeom>
+          <a:noFill/>
+          <a:ln>
+            <a:noFill/>
+          </a:ln>
+          <a:effectLst/>
+          <a:extLst>
+            <a:ext uri="{909E8E84-426E-40DD-AFC4-6F175D3DCCD1}">
+              <a14:hiddenFill xmlns:a14="http://schemas.microsoft.com/office/drawing/2010/main">
+                <a:solidFill>
+                  <a:schemeClr val="accent1"/>
+                </a:solidFill>
+              </a14:hiddenFill>
+            </a:ext>
+            <a:ext uri="{91240B29-F687-4F45-9708-019B960494DF}">
+              <a14:hiddenLine xmlns:a14="http://schemas.microsoft.com/office/drawing/2010/main" w="9525">
+                <a:solidFill>
+                  <a:schemeClr val="tx1"/>
+                </a:solidFill>
+                <a:miter lim="800000"/>
+                <a:headEnd/>
+                <a:tailEnd/>
+              </a14:hiddenLine>
+            </a:ext>
+            <a:ext uri="{AF507438-7753-43E0-B8FC-AC1667EBCBE1}">
+              <a14:hiddenEffects xmlns:a14="http://schemas.microsoft.com/office/drawing/2010/main">
+                <a:effectLst>
+                  <a:outerShdw dist="35921" dir="2700000" algn="ctr" rotWithShape="0">
+                    <a:schemeClr val="bg2"/>
+                  </a:outerShdw>
+                </a:effectLst>
+              </a14:hiddenEffects>
+            </a:ext>
+          </a:extLst>
+        </p:spPr>
+      </p:pic>
+    </p:spTree>
+    <p:extLst>
+      <p:ext uri="{BB962C8B-B14F-4D97-AF65-F5344CB8AC3E}">
+        <p14:creationId xmlns:p14="http://schemas.microsoft.com/office/powerpoint/2010/main" val="3862587086"/>
+      </p:ext>
+    </p:extLst>
+  </p:cSld>
+  <p:clrMapOvr>
+    <a:masterClrMapping/>
+  </p:clrMapOvr>
+  <p:timing>
+    <p:tnLst>
+      <p:par>
+        <p:cTn id="1" dur="indefinite" restart="never" nodeType="tmRoot"/>
+      </p:par>
+    </p:tnLst>
+  </p:timing>
+</p:sld>
+</file>
+
+<file path=ppt/slides/slide13.xml><?xml version="1.0" encoding="utf-8"?>
+<p:sld xmlns:a="http://schemas.openxmlformats.org/drawingml/2006/main" xmlns:r="http://schemas.openxmlformats.org/officeDocument/2006/relationships" xmlns:p="http://schemas.openxmlformats.org/presentationml/2006/main">
+  <p:cSld>
+    <p:spTree>
+      <p:nvGrpSpPr>
+        <p:cNvPr id="1" name=""/>
+        <p:cNvGrpSpPr/>
+        <p:nvPr/>
+      </p:nvGrpSpPr>
+      <p:grpSpPr>
+        <a:xfrm>
+          <a:off x="0" y="0"/>
+          <a:ext cx="0" cy="0"/>
+          <a:chOff x="0" y="0"/>
+          <a:chExt cx="0" cy="0"/>
+        </a:xfrm>
+      </p:grpSpPr>
+      <p:sp>
+        <p:nvSpPr>
+          <p:cNvPr id="2" name="Title 1"/>
+          <p:cNvSpPr>
+            <a:spLocks noGrp="1"/>
+          </p:cNvSpPr>
+          <p:nvPr>
+            <p:ph type="title"/>
+          </p:nvPr>
+        </p:nvSpPr>
+        <p:spPr/>
+        <p:txBody>
+          <a:bodyPr/>
+          <a:lstStyle/>
+          <a:p>
+            <a:r>
+              <a:rPr lang="en-US"/>
+              <a:t>Cơ sở lý thuyết </a:t>
+            </a:r>
+            <a:r>
+              <a:rPr lang="en-US" smtClean="0"/>
+              <a:t>(8/12)</a:t>
             </a:r>
             <a:endParaRPr lang="en-US"/>
           </a:p>
@@ -11682,7 +13405,7 @@
 </p:sld>
 </file>
 
-<file path=ppt/slides/slide11.xml><?xml version="1.0" encoding="utf-8"?>
+<file path=ppt/slides/slide14.xml><?xml version="1.0" encoding="utf-8"?>
 <p:sld xmlns:a="http://schemas.openxmlformats.org/drawingml/2006/main" xmlns:r="http://schemas.openxmlformats.org/officeDocument/2006/relationships" xmlns:p="http://schemas.openxmlformats.org/presentationml/2006/main">
   <p:cSld>
     <p:spTree>
@@ -11720,7 +13443,7 @@
             </a:r>
             <a:r>
               <a:rPr lang="en-US" smtClean="0"/>
-              <a:t>(6/9)</a:t>
+              <a:t>(9/12)</a:t>
             </a:r>
             <a:endParaRPr lang="en-US"/>
           </a:p>
@@ -11863,7 +13586,7 @@
 </p:sld>
 </file>
 
-<file path=ppt/slides/slide12.xml><?xml version="1.0" encoding="utf-8"?>
+<file path=ppt/slides/slide15.xml><?xml version="1.0" encoding="utf-8"?>
 <p:sld xmlns:a="http://schemas.openxmlformats.org/drawingml/2006/main" xmlns:r="http://schemas.openxmlformats.org/officeDocument/2006/relationships" xmlns:p="http://schemas.openxmlformats.org/presentationml/2006/main">
   <p:cSld>
     <p:spTree>
@@ -11901,7 +13624,7 @@
             </a:r>
             <a:r>
               <a:rPr lang="en-US" smtClean="0"/>
-              <a:t>(7/9)</a:t>
+              <a:t>(10/12)</a:t>
             </a:r>
             <a:endParaRPr lang="en-US"/>
           </a:p>
@@ -11994,7 +13717,7 @@
 </p:sld>
 </file>
 
-<file path=ppt/slides/slide13.xml><?xml version="1.0" encoding="utf-8"?>
+<file path=ppt/slides/slide16.xml><?xml version="1.0" encoding="utf-8"?>
 <p:sld xmlns:a="http://schemas.openxmlformats.org/drawingml/2006/main" xmlns:r="http://schemas.openxmlformats.org/officeDocument/2006/relationships" xmlns:p="http://schemas.openxmlformats.org/presentationml/2006/main">
   <p:cSld>
     <p:spTree>
@@ -12032,7 +13755,7 @@
             </a:r>
             <a:r>
               <a:rPr lang="en-US" smtClean="0"/>
-              <a:t>(8/9)</a:t>
+              <a:t>(11/12)</a:t>
             </a:r>
             <a:endParaRPr lang="en-US"/>
           </a:p>
@@ -12441,7 +14164,7 @@
 </p:sld>
 </file>
 
-<file path=ppt/slides/slide14.xml><?xml version="1.0" encoding="utf-8"?>
+<file path=ppt/slides/slide17.xml><?xml version="1.0" encoding="utf-8"?>
 <p:sld xmlns:a="http://schemas.openxmlformats.org/drawingml/2006/main" xmlns:r="http://schemas.openxmlformats.org/officeDocument/2006/relationships" xmlns:p="http://schemas.openxmlformats.org/presentationml/2006/main">
   <p:cSld>
     <p:spTree>
@@ -12479,15 +14202,7 @@
             </a:r>
             <a:r>
               <a:rPr lang="en-US" smtClean="0"/>
-              <a:t>(</a:t>
-            </a:r>
-            <a:r>
-              <a:rPr lang="en-US" smtClean="0"/>
-              <a:t>9/9</a:t>
-            </a:r>
-            <a:r>
-              <a:rPr lang="en-US" smtClean="0"/>
-              <a:t>)</a:t>
+              <a:t>(12/12)</a:t>
             </a:r>
             <a:endParaRPr lang="en-US"/>
           </a:p>
@@ -12601,7 +14316,7 @@
 </p:sld>
 </file>
 
-<file path=ppt/slides/slide15.xml><?xml version="1.0" encoding="utf-8"?>
+<file path=ppt/slides/slide18.xml><?xml version="1.0" encoding="utf-8"?>
 <p:sld xmlns:a="http://schemas.openxmlformats.org/drawingml/2006/main" xmlns:r="http://schemas.openxmlformats.org/officeDocument/2006/relationships" xmlns:p="http://schemas.openxmlformats.org/presentationml/2006/main">
   <p:cSld>
     <p:spTree>
@@ -12635,11 +14350,7 @@
           <a:p>
             <a:r>
               <a:rPr lang="en-US" smtClean="0"/>
-              <a:t>Xây dựng công </a:t>
-            </a:r>
-            <a:r>
-              <a:rPr lang="en-US" smtClean="0"/>
-              <a:t>cụ (1/4)</a:t>
+              <a:t>Xây dựng công cụ (1/4)</a:t>
             </a:r>
             <a:endParaRPr lang="en-US"/>
           </a:p>
@@ -12739,7 +14450,7 @@
 </p:sld>
 </file>
 
-<file path=ppt/slides/slide16.xml><?xml version="1.0" encoding="utf-8"?>
+<file path=ppt/slides/slide19.xml><?xml version="1.0" encoding="utf-8"?>
 <p:sld xmlns:a="http://schemas.openxmlformats.org/drawingml/2006/main" xmlns:r="http://schemas.openxmlformats.org/officeDocument/2006/relationships" xmlns:p="http://schemas.openxmlformats.org/presentationml/2006/main">
   <p:cSld>
     <p:spTree>
@@ -12777,19 +14488,7 @@
             </a:r>
             <a:r>
               <a:rPr lang="en-US" smtClean="0"/>
-              <a:t>cụ </a:t>
-            </a:r>
-            <a:r>
-              <a:rPr lang="en-US" smtClean="0"/>
-              <a:t>(</a:t>
-            </a:r>
-            <a:r>
-              <a:rPr lang="en-US" smtClean="0"/>
-              <a:t>2/4</a:t>
-            </a:r>
-            <a:r>
-              <a:rPr lang="en-US" smtClean="0"/>
-              <a:t>)</a:t>
+              <a:t>cụ (2/4)</a:t>
             </a:r>
             <a:endParaRPr lang="en-US"/>
           </a:p>
@@ -12848,7 +14547,15 @@
           <a:p>
             <a:r>
               <a:rPr lang="en-US" smtClean="0"/>
-              <a:t>Công nghệ: WebSocket, framework Laravel</a:t>
+              <a:t>Công nghệ: </a:t>
+            </a:r>
+            <a:r>
+              <a:rPr lang="en-US" smtClean="0"/>
+              <a:t>HTML5 WebSocket</a:t>
+            </a:r>
+            <a:r>
+              <a:rPr lang="en-US" smtClean="0"/>
+              <a:t>, framework Laravel</a:t>
             </a:r>
             <a:endParaRPr lang="en-US"/>
           </a:p>
@@ -12873,7 +14580,7 @@
         </p:blipFill>
         <p:spPr bwMode="auto">
           <a:xfrm>
-            <a:off x="1447800" y="1780470"/>
+            <a:off x="1447800" y="1752600"/>
             <a:ext cx="5105400" cy="2715330"/>
           </a:xfrm>
           <a:prstGeom prst="roundRect">
@@ -12905,7 +14612,7 @@
 </p:sld>
 </file>
 
-<file path=ppt/slides/slide17.xml><?xml version="1.0" encoding="utf-8"?>
+<file path=ppt/slides/slide2.xml><?xml version="1.0" encoding="utf-8"?>
 <p:sld xmlns:a="http://schemas.openxmlformats.org/drawingml/2006/main" xmlns:r="http://schemas.openxmlformats.org/officeDocument/2006/relationships" xmlns:p="http://schemas.openxmlformats.org/presentationml/2006/main">
   <p:cSld>
     <p:spTree>
@@ -12938,20 +14645,153 @@
           <a:lstStyle/>
           <a:p>
             <a:r>
+              <a:rPr lang="en-US" smtClean="0"/>
+              <a:t>Nội dung</a:t>
+            </a:r>
+            <a:endParaRPr lang="en-US"/>
+          </a:p>
+        </p:txBody>
+      </p:sp>
+      <p:sp>
+        <p:nvSpPr>
+          <p:cNvPr id="3" name="Content Placeholder 2"/>
+          <p:cNvSpPr>
+            <a:spLocks noGrp="1"/>
+          </p:cNvSpPr>
+          <p:nvPr>
+            <p:ph idx="1"/>
+          </p:nvPr>
+        </p:nvSpPr>
+        <p:spPr/>
+        <p:txBody>
+          <a:bodyPr/>
+          <a:lstStyle/>
+          <a:p>
+            <a:r>
+              <a:rPr lang="en-US" smtClean="0"/>
+              <a:t>Giới thiệu đề tài</a:t>
+            </a:r>
+          </a:p>
+          <a:p>
+            <a:pPr lvl="1"/>
+            <a:r>
+              <a:rPr lang="en-US" smtClean="0"/>
+              <a:t>Đặt ra vấn đề</a:t>
+            </a:r>
+          </a:p>
+          <a:p>
+            <a:pPr lvl="1"/>
+            <a:r>
+              <a:rPr lang="en-US" smtClean="0"/>
+              <a:t>Mục tiêu của đề tài</a:t>
+            </a:r>
+          </a:p>
+          <a:p>
+            <a:r>
+              <a:rPr lang="en-US" smtClean="0"/>
+              <a:t>Cơ sở lý thuyết</a:t>
+            </a:r>
+          </a:p>
+          <a:p>
+            <a:pPr lvl="1"/>
+            <a:r>
+              <a:rPr lang="en-US" smtClean="0"/>
+              <a:t>Mô hình Agile</a:t>
+            </a:r>
+          </a:p>
+          <a:p>
+            <a:pPr lvl="1"/>
+            <a:r>
+              <a:rPr lang="en-US" smtClean="0"/>
+              <a:t>Phương pháp Scrum</a:t>
+            </a:r>
+          </a:p>
+          <a:p>
+            <a:r>
+              <a:rPr lang="en-US" smtClean="0"/>
+              <a:t>Xây dựng công cụ</a:t>
+            </a:r>
+          </a:p>
+          <a:p>
+            <a:r>
+              <a:rPr lang="en-US" smtClean="0"/>
+              <a:t>Demo công cụ</a:t>
+            </a:r>
+          </a:p>
+          <a:p>
+            <a:r>
+              <a:rPr lang="en-US" smtClean="0"/>
+              <a:t>Kết luận</a:t>
+            </a:r>
+          </a:p>
+          <a:p>
+            <a:r>
+              <a:rPr lang="en-US" smtClean="0"/>
+              <a:t>Tài liệu tham khảo</a:t>
+            </a:r>
+            <a:endParaRPr lang="en-US"/>
+          </a:p>
+        </p:txBody>
+      </p:sp>
+    </p:spTree>
+    <p:extLst>
+      <p:ext uri="{BB962C8B-B14F-4D97-AF65-F5344CB8AC3E}">
+        <p14:creationId xmlns:p14="http://schemas.microsoft.com/office/powerpoint/2010/main" val="3268780322"/>
+      </p:ext>
+    </p:extLst>
+  </p:cSld>
+  <p:clrMapOvr>
+    <a:masterClrMapping/>
+  </p:clrMapOvr>
+  <p:timing>
+    <p:tnLst>
+      <p:par>
+        <p:cTn id="1" dur="indefinite" restart="never" nodeType="tmRoot"/>
+      </p:par>
+    </p:tnLst>
+  </p:timing>
+</p:sld>
+</file>
+
+<file path=ppt/slides/slide20.xml><?xml version="1.0" encoding="utf-8"?>
+<p:sld xmlns:a="http://schemas.openxmlformats.org/drawingml/2006/main" xmlns:r="http://schemas.openxmlformats.org/officeDocument/2006/relationships" xmlns:p="http://schemas.openxmlformats.org/presentationml/2006/main">
+  <p:cSld>
+    <p:spTree>
+      <p:nvGrpSpPr>
+        <p:cNvPr id="1" name=""/>
+        <p:cNvGrpSpPr/>
+        <p:nvPr/>
+      </p:nvGrpSpPr>
+      <p:grpSpPr>
+        <a:xfrm>
+          <a:off x="0" y="0"/>
+          <a:ext cx="0" cy="0"/>
+          <a:chOff x="0" y="0"/>
+          <a:chExt cx="0" cy="0"/>
+        </a:xfrm>
+      </p:grpSpPr>
+      <p:sp>
+        <p:nvSpPr>
+          <p:cNvPr id="2" name="Title 1"/>
+          <p:cNvSpPr>
+            <a:spLocks noGrp="1"/>
+          </p:cNvSpPr>
+          <p:nvPr>
+            <p:ph type="title"/>
+          </p:nvPr>
+        </p:nvSpPr>
+        <p:spPr/>
+        <p:txBody>
+          <a:bodyPr/>
+          <a:lstStyle/>
+          <a:p>
+            <a:r>
               <a:rPr lang="en-US"/>
               <a:t>Xây dựng công cụ </a:t>
             </a:r>
             <a:r>
               <a:rPr lang="en-US" smtClean="0"/>
-              <a:t>(</a:t>
-            </a:r>
-            <a:r>
-              <a:rPr lang="en-US" smtClean="0"/>
-              <a:t>3/4</a:t>
-            </a:r>
-            <a:r>
-              <a:rPr lang="en-US" smtClean="0"/>
-              <a:t>)</a:t>
+              <a:t>(3/4)</a:t>
             </a:r>
             <a:endParaRPr lang="en-US"/>
           </a:p>
@@ -12991,7 +14831,7 @@
           <p:nvPr/>
         </p:nvPicPr>
         <p:blipFill>
-          <a:blip r:embed="rId2">
+          <a:blip r:embed="rId3">
             <a:extLst>
               <a:ext uri="{28A0092B-C50C-407E-A947-70E740481C1C}">
                 <a14:useLocalDpi xmlns:a14="http://schemas.microsoft.com/office/drawing/2010/main" val="0"/>
@@ -13056,7 +14896,7 @@
 </p:sld>
 </file>
 
-<file path=ppt/slides/slide18.xml><?xml version="1.0" encoding="utf-8"?>
+<file path=ppt/slides/slide21.xml><?xml version="1.0" encoding="utf-8"?>
 <p:sld xmlns:a="http://schemas.openxmlformats.org/drawingml/2006/main" xmlns:r="http://schemas.openxmlformats.org/officeDocument/2006/relationships" xmlns:p="http://schemas.openxmlformats.org/presentationml/2006/main">
   <p:cSld>
     <p:spTree>
@@ -13130,14 +14970,14 @@
       </p:sp>
       <p:pic>
         <p:nvPicPr>
-          <p:cNvPr id="4099" name="Picture 3"/>
+          <p:cNvPr id="5122" name="Picture 2"/>
           <p:cNvPicPr>
             <a:picLocks noChangeAspect="1" noChangeArrowheads="1"/>
           </p:cNvPicPr>
           <p:nvPr/>
         </p:nvPicPr>
         <p:blipFill>
-          <a:blip r:embed="rId2">
+          <a:blip r:embed="rId3">
             <a:extLst>
               <a:ext uri="{28A0092B-C50C-407E-A947-70E740481C1C}">
                 <a14:useLocalDpi xmlns:a14="http://schemas.microsoft.com/office/drawing/2010/main" val="0"/>
@@ -13151,8 +14991,8 @@
         </p:blipFill>
         <p:spPr bwMode="auto">
           <a:xfrm>
-            <a:off x="896191" y="1981200"/>
-            <a:ext cx="7324725" cy="4162425"/>
+            <a:off x="381000" y="1774371"/>
+            <a:ext cx="7932894" cy="4343400"/>
           </a:xfrm>
           <a:prstGeom prst="rect">
             <a:avLst/>
@@ -13202,7 +15042,7 @@
 </p:sld>
 </file>
 
-<file path=ppt/slides/slide19.xml><?xml version="1.0" encoding="utf-8"?>
+<file path=ppt/slides/slide22.xml><?xml version="1.0" encoding="utf-8"?>
 <p:sld xmlns:a="http://schemas.openxmlformats.org/drawingml/2006/main" xmlns:r="http://schemas.openxmlformats.org/officeDocument/2006/relationships" xmlns:p="http://schemas.openxmlformats.org/presentationml/2006/main">
   <p:cSld>
     <p:spTree>
@@ -13285,148 +15125,7 @@
 </p:sld>
 </file>
 
-<file path=ppt/slides/slide2.xml><?xml version="1.0" encoding="utf-8"?>
-<p:sld xmlns:a="http://schemas.openxmlformats.org/drawingml/2006/main" xmlns:r="http://schemas.openxmlformats.org/officeDocument/2006/relationships" xmlns:p="http://schemas.openxmlformats.org/presentationml/2006/main">
-  <p:cSld>
-    <p:spTree>
-      <p:nvGrpSpPr>
-        <p:cNvPr id="1" name=""/>
-        <p:cNvGrpSpPr/>
-        <p:nvPr/>
-      </p:nvGrpSpPr>
-      <p:grpSpPr>
-        <a:xfrm>
-          <a:off x="0" y="0"/>
-          <a:ext cx="0" cy="0"/>
-          <a:chOff x="0" y="0"/>
-          <a:chExt cx="0" cy="0"/>
-        </a:xfrm>
-      </p:grpSpPr>
-      <p:sp>
-        <p:nvSpPr>
-          <p:cNvPr id="2" name="Title 1"/>
-          <p:cNvSpPr>
-            <a:spLocks noGrp="1"/>
-          </p:cNvSpPr>
-          <p:nvPr>
-            <p:ph type="title"/>
-          </p:nvPr>
-        </p:nvSpPr>
-        <p:spPr/>
-        <p:txBody>
-          <a:bodyPr/>
-          <a:lstStyle/>
-          <a:p>
-            <a:r>
-              <a:rPr lang="en-US" smtClean="0"/>
-              <a:t>Nội dung</a:t>
-            </a:r>
-            <a:endParaRPr lang="en-US"/>
-          </a:p>
-        </p:txBody>
-      </p:sp>
-      <p:sp>
-        <p:nvSpPr>
-          <p:cNvPr id="3" name="Content Placeholder 2"/>
-          <p:cNvSpPr>
-            <a:spLocks noGrp="1"/>
-          </p:cNvSpPr>
-          <p:nvPr>
-            <p:ph idx="1"/>
-          </p:nvPr>
-        </p:nvSpPr>
-        <p:spPr/>
-        <p:txBody>
-          <a:bodyPr/>
-          <a:lstStyle/>
-          <a:p>
-            <a:r>
-              <a:rPr lang="en-US" smtClean="0"/>
-              <a:t>Giới thiệu đề tài</a:t>
-            </a:r>
-          </a:p>
-          <a:p>
-            <a:pPr lvl="1"/>
-            <a:r>
-              <a:rPr lang="en-US" smtClean="0"/>
-              <a:t>Đặt ra vấn đề</a:t>
-            </a:r>
-          </a:p>
-          <a:p>
-            <a:pPr lvl="1"/>
-            <a:r>
-              <a:rPr lang="en-US" smtClean="0"/>
-              <a:t>Mục tiêu của đề tài</a:t>
-            </a:r>
-          </a:p>
-          <a:p>
-            <a:r>
-              <a:rPr lang="en-US" smtClean="0"/>
-              <a:t>Cơ sở lý thuyết</a:t>
-            </a:r>
-          </a:p>
-          <a:p>
-            <a:pPr lvl="1"/>
-            <a:r>
-              <a:rPr lang="en-US" smtClean="0"/>
-              <a:t>Mô hình Agile</a:t>
-            </a:r>
-          </a:p>
-          <a:p>
-            <a:pPr lvl="1"/>
-            <a:r>
-              <a:rPr lang="en-US" smtClean="0"/>
-              <a:t>Phương pháp Scrum</a:t>
-            </a:r>
-          </a:p>
-          <a:p>
-            <a:r>
-              <a:rPr lang="en-US" smtClean="0"/>
-              <a:t>Xây dựng công cụ</a:t>
-            </a:r>
-          </a:p>
-          <a:p>
-            <a:r>
-              <a:rPr lang="en-US" smtClean="0"/>
-              <a:t>Demo công cụ</a:t>
-            </a:r>
-          </a:p>
-          <a:p>
-            <a:r>
-              <a:rPr lang="en-US" smtClean="0"/>
-              <a:t>Kết luận</a:t>
-            </a:r>
-          </a:p>
-          <a:p>
-            <a:r>
-              <a:rPr lang="en-US" smtClean="0"/>
-              <a:t>Tài liệu tham khảo</a:t>
-            </a:r>
-            <a:endParaRPr lang="en-US"/>
-          </a:p>
-        </p:txBody>
-      </p:sp>
-    </p:spTree>
-    <p:extLst>
-      <p:ext uri="{BB962C8B-B14F-4D97-AF65-F5344CB8AC3E}">
-        <p14:creationId xmlns:p14="http://schemas.microsoft.com/office/powerpoint/2010/main" val="3268780322"/>
-      </p:ext>
-    </p:extLst>
-  </p:cSld>
-  <p:clrMapOvr>
-    <a:masterClrMapping/>
-  </p:clrMapOvr>
-  <p:timing>
-    <p:tnLst>
-      <p:par>
-        <p:cTn id="1" dur="indefinite" restart="never" nodeType="tmRoot"/>
-      </p:par>
-    </p:tnLst>
-  </p:timing>
-</p:sld>
-</file>
-
-<file path=ppt/slides/slide20.xml><?xml version="1.0" encoding="utf-8"?>
+<file path=ppt/slides/slide23.xml><?xml version="1.0" encoding="utf-8"?>
 <p:sld xmlns:a="http://schemas.openxmlformats.org/drawingml/2006/main" xmlns:r="http://schemas.openxmlformats.org/officeDocument/2006/relationships" xmlns:p="http://schemas.openxmlformats.org/presentationml/2006/main">
   <p:cSld>
     <p:spTree>
@@ -13548,7 +15247,7 @@
 </p:sld>
 </file>
 
-<file path=ppt/slides/slide21.xml><?xml version="1.0" encoding="utf-8"?>
+<file path=ppt/slides/slide24.xml><?xml version="1.0" encoding="utf-8"?>
 <p:sld xmlns:a="http://schemas.openxmlformats.org/drawingml/2006/main" xmlns:r="http://schemas.openxmlformats.org/officeDocument/2006/relationships" xmlns:p="http://schemas.openxmlformats.org/presentationml/2006/main">
   <p:cSld>
     <p:spTree>
@@ -13804,7 +15503,7 @@
 </p:sld>
 </file>
 
-<file path=ppt/slides/slide22.xml><?xml version="1.0" encoding="utf-8"?>
+<file path=ppt/slides/slide25.xml><?xml version="1.0" encoding="utf-8"?>
 <p:sld xmlns:a="http://schemas.openxmlformats.org/drawingml/2006/main" xmlns:r="http://schemas.openxmlformats.org/officeDocument/2006/relationships" xmlns:p="http://schemas.openxmlformats.org/presentationml/2006/main">
   <p:cSld>
     <p:spTree>
@@ -14053,7 +15752,7 @@
           <a:p>
             <a:r>
               <a:rPr lang="en-US" smtClean="0"/>
-              <a:t>Agile đang được áp dụng rất lớn tại Việt Nam.</a:t>
+              <a:t>Agile đang được áp dụng rất nhiều tại Việt Nam.</a:t>
             </a:r>
             <a:endParaRPr lang="en-US"/>
           </a:p>
@@ -14135,178 +15834,9 @@
   <p:timing>
     <p:tnLst>
       <p:par>
-        <p:cTn id="1" dur="indefinite" restart="never" nodeType="tmRoot">
-          <p:childTnLst>
-            <p:seq concurrent="1" nextAc="seek">
-              <p:cTn id="2" dur="indefinite" nodeType="mainSeq">
-                <p:childTnLst>
-                  <p:par>
-                    <p:cTn id="3" fill="hold">
-                      <p:stCondLst>
-                        <p:cond delay="indefinite"/>
-                      </p:stCondLst>
-                      <p:childTnLst>
-                        <p:par>
-                          <p:cTn id="4" fill="hold">
-                            <p:stCondLst>
-                              <p:cond delay="0"/>
-                            </p:stCondLst>
-                            <p:childTnLst>
-                              <p:par>
-                                <p:cTn id="5" presetID="1" presetClass="entr" presetSubtype="0" fill="hold" grpId="0" nodeType="clickEffect">
-                                  <p:stCondLst>
-                                    <p:cond delay="0"/>
-                                  </p:stCondLst>
-                                  <p:childTnLst>
-                                    <p:set>
-                                      <p:cBhvr>
-                                        <p:cTn id="6" dur="1" fill="hold">
-                                          <p:stCondLst>
-                                            <p:cond delay="0"/>
-                                          </p:stCondLst>
-                                        </p:cTn>
-                                        <p:tgtEl>
-                                          <p:spTgt spid="3">
-                                            <p:txEl>
-                                              <p:pRg st="0" end="0"/>
-                                            </p:txEl>
-                                          </p:spTgt>
-                                        </p:tgtEl>
-                                        <p:attrNameLst>
-                                          <p:attrName>style.visibility</p:attrName>
-                                        </p:attrNameLst>
-                                      </p:cBhvr>
-                                      <p:to>
-                                        <p:strVal val="visible"/>
-                                      </p:to>
-                                    </p:set>
-                                  </p:childTnLst>
-                                </p:cTn>
-                              </p:par>
-                            </p:childTnLst>
-                          </p:cTn>
-                        </p:par>
-                      </p:childTnLst>
-                    </p:cTn>
-                  </p:par>
-                  <p:par>
-                    <p:cTn id="7" fill="hold">
-                      <p:stCondLst>
-                        <p:cond delay="indefinite"/>
-                      </p:stCondLst>
-                      <p:childTnLst>
-                        <p:par>
-                          <p:cTn id="8" fill="hold">
-                            <p:stCondLst>
-                              <p:cond delay="0"/>
-                            </p:stCondLst>
-                            <p:childTnLst>
-                              <p:par>
-                                <p:cTn id="9" presetID="1" presetClass="entr" presetSubtype="0" fill="hold" nodeType="clickEffect">
-                                  <p:stCondLst>
-                                    <p:cond delay="0"/>
-                                  </p:stCondLst>
-                                  <p:childTnLst>
-                                    <p:set>
-                                      <p:cBhvr>
-                                        <p:cTn id="10" dur="1" fill="hold">
-                                          <p:stCondLst>
-                                            <p:cond delay="0"/>
-                                          </p:stCondLst>
-                                        </p:cTn>
-                                        <p:tgtEl>
-                                          <p:spTgt spid="8"/>
-                                        </p:tgtEl>
-                                        <p:attrNameLst>
-                                          <p:attrName>style.visibility</p:attrName>
-                                        </p:attrNameLst>
-                                      </p:cBhvr>
-                                      <p:to>
-                                        <p:strVal val="visible"/>
-                                      </p:to>
-                                    </p:set>
-                                  </p:childTnLst>
-                                </p:cTn>
-                              </p:par>
-                            </p:childTnLst>
-                          </p:cTn>
-                        </p:par>
-                      </p:childTnLst>
-                    </p:cTn>
-                  </p:par>
-                  <p:par>
-                    <p:cTn id="11" fill="hold">
-                      <p:stCondLst>
-                        <p:cond delay="indefinite"/>
-                      </p:stCondLst>
-                      <p:childTnLst>
-                        <p:par>
-                          <p:cTn id="12" fill="hold">
-                            <p:stCondLst>
-                              <p:cond delay="0"/>
-                            </p:stCondLst>
-                            <p:childTnLst>
-                              <p:par>
-                                <p:cTn id="13" presetID="1" presetClass="entr" presetSubtype="0" fill="hold" grpId="0" nodeType="clickEffect">
-                                  <p:stCondLst>
-                                    <p:cond delay="0"/>
-                                  </p:stCondLst>
-                                  <p:childTnLst>
-                                    <p:set>
-                                      <p:cBhvr>
-                                        <p:cTn id="14" dur="1" fill="hold">
-                                          <p:stCondLst>
-                                            <p:cond delay="0"/>
-                                          </p:stCondLst>
-                                        </p:cTn>
-                                        <p:tgtEl>
-                                          <p:spTgt spid="3">
-                                            <p:txEl>
-                                              <p:pRg st="8" end="8"/>
-                                            </p:txEl>
-                                          </p:spTgt>
-                                        </p:tgtEl>
-                                        <p:attrNameLst>
-                                          <p:attrName>style.visibility</p:attrName>
-                                        </p:attrNameLst>
-                                      </p:cBhvr>
-                                      <p:to>
-                                        <p:strVal val="visible"/>
-                                      </p:to>
-                                    </p:set>
-                                  </p:childTnLst>
-                                </p:cTn>
-                              </p:par>
-                            </p:childTnLst>
-                          </p:cTn>
-                        </p:par>
-                      </p:childTnLst>
-                    </p:cTn>
-                  </p:par>
-                </p:childTnLst>
-              </p:cTn>
-              <p:prevCondLst>
-                <p:cond evt="onPrev" delay="0">
-                  <p:tgtEl>
-                    <p:sldTgt/>
-                  </p:tgtEl>
-                </p:cond>
-              </p:prevCondLst>
-              <p:nextCondLst>
-                <p:cond evt="onNext" delay="0">
-                  <p:tgtEl>
-                    <p:sldTgt/>
-                  </p:tgtEl>
-                </p:cond>
-              </p:nextCondLst>
-            </p:seq>
-          </p:childTnLst>
-        </p:cTn>
+        <p:cTn id="1" dur="indefinite" restart="never" nodeType="tmRoot"/>
       </p:par>
     </p:tnLst>
-    <p:bldLst>
-      <p:bldP spid="3" grpId="0" uiExpand="1" build="p"/>
-    </p:bldLst>
   </p:timing>
 </p:sld>
 </file>
@@ -14484,7 +16014,7 @@
           <a:p>
             <a:r>
               <a:rPr lang="en-US" smtClean="0"/>
-              <a:t>Xây dựng công cụ quản lí dự án theo phương pháp Scrum, hỗ trợ quản lí danh sách yêu cầu và quá trình thực hiện dự án.</a:t>
+              <a:t>Xây dựng công cụ quản lí dự án theo mô hình Agile áp dụng phương pháp Scrum.</a:t>
             </a:r>
             <a:endParaRPr lang="en-US"/>
           </a:p>
@@ -14544,11 +16074,11 @@
           <a:p>
             <a:r>
               <a:rPr lang="en-US" smtClean="0"/>
-              <a:t>Cơ sở lý </a:t>
-            </a:r>
-            <a:r>
-              <a:rPr lang="en-US" smtClean="0"/>
-              <a:t>thuyết (1/9)</a:t>
+              <a:t>Cơ sở lý thuyết (</a:t>
+            </a:r>
+            <a:r>
+              <a:rPr lang="en-US" smtClean="0"/>
+              <a:t>1/12)</a:t>
             </a:r>
             <a:endParaRPr lang="en-US"/>
           </a:p>
@@ -14579,11 +16109,15 @@
             </a:r>
             <a:r>
               <a:rPr lang="vi-VN"/>
-              <a:t>các phương pháp và phương pháp luận </a:t>
-            </a:r>
-            <a:r>
-              <a:rPr lang="en-US" smtClean="0"/>
-              <a:t>cho </a:t>
+              <a:t>các phương </a:t>
+            </a:r>
+            <a:r>
+              <a:rPr lang="vi-VN" smtClean="0"/>
+              <a:t>pháp</a:t>
+            </a:r>
+            <a:r>
+              <a:rPr lang="en-US" smtClean="0"/>
+              <a:t> </a:t>
             </a:r>
             <a:r>
               <a:rPr lang="vi-VN" smtClean="0"/>
@@ -14695,7 +16229,7 @@
       </p:grpSpPr>
       <p:sp>
         <p:nvSpPr>
-          <p:cNvPr id="6" name="Title 5"/>
+          <p:cNvPr id="2" name="Title 1"/>
           <p:cNvSpPr>
             <a:spLocks noGrp="1"/>
           </p:cNvSpPr>
@@ -14710,23 +16244,11 @@
           <a:p>
             <a:r>
               <a:rPr lang="en-US"/>
-              <a:t>Cơ sở lý </a:t>
-            </a:r>
-            <a:r>
-              <a:rPr lang="en-US" smtClean="0"/>
-              <a:t>thuyết </a:t>
-            </a:r>
-            <a:r>
-              <a:rPr lang="en-US" smtClean="0"/>
-              <a:t>(</a:t>
-            </a:r>
-            <a:r>
-              <a:rPr lang="en-US" smtClean="0"/>
-              <a:t>2/9</a:t>
-            </a:r>
-            <a:r>
-              <a:rPr lang="en-US" smtClean="0"/>
-              <a:t>)</a:t>
+              <a:t>Cơ sở lý thuyết </a:t>
+            </a:r>
+            <a:r>
+              <a:rPr lang="en-US" smtClean="0"/>
+              <a:t>(2/12)</a:t>
             </a:r>
             <a:endParaRPr lang="en-US"/>
           </a:p>
@@ -14734,7 +16256,7 @@
       </p:sp>
       <p:sp>
         <p:nvSpPr>
-          <p:cNvPr id="7" name="Content Placeholder 6"/>
+          <p:cNvPr id="8" name="Content Placeholder 7"/>
           <p:cNvSpPr>
             <a:spLocks noGrp="1"/>
           </p:cNvSpPr>
@@ -14747,79 +16269,67 @@
           <a:bodyPr/>
           <a:lstStyle/>
           <a:p>
-            <a:pPr lvl="0"/>
-            <a:r>
-              <a:rPr lang="en-US"/>
-              <a:t>Tuyên ngôn Agile</a:t>
-            </a:r>
-            <a:endParaRPr lang="en-US" i="1" u="sng" smtClean="0"/>
-          </a:p>
-          <a:p>
-            <a:pPr lvl="1"/>
-            <a:r>
-              <a:rPr lang="vi-VN" i="1" u="sng" smtClean="0"/>
-              <a:t>Cá </a:t>
-            </a:r>
             <a:r>
               <a:rPr lang="vi-VN" i="1" u="sng"/>
-              <a:t>nhân và sự tương tác</a:t>
+              <a:t>Cá nhân và sự tương tác</a:t>
             </a:r>
             <a:r>
               <a:rPr lang="vi-VN"/>
-              <a:t> hơn là quy trình và công cụ.</a:t>
+              <a:t> hơn là quy trình và công </a:t>
+            </a:r>
+            <a:r>
+              <a:rPr lang="vi-VN" smtClean="0"/>
+              <a:t>cụ</a:t>
             </a:r>
             <a:endParaRPr lang="en-US"/>
           </a:p>
-          <a:p>
-            <a:pPr lvl="1"/>
-            <a:r>
-              <a:rPr lang="vi-VN" i="1" u="sng"/>
-              <a:t>Phần mềm chạy tốt</a:t>
-            </a:r>
-            <a:r>
-              <a:rPr lang="vi-VN"/>
-              <a:t> hơn là tài liệu đầy đủ.</a:t>
-            </a:r>
-            <a:endParaRPr lang="en-US"/>
-          </a:p>
-          <a:p>
-            <a:pPr lvl="1"/>
-            <a:r>
-              <a:rPr lang="vi-VN" i="1" u="sng"/>
-              <a:t>Cộng tác với khách hàng</a:t>
-            </a:r>
-            <a:r>
-              <a:rPr lang="vi-VN" u="sng"/>
-              <a:t> </a:t>
-            </a:r>
-            <a:r>
-              <a:rPr lang="vi-VN"/>
-              <a:t>hơn là đàm phán hợp đồng.</a:t>
-            </a:r>
-            <a:endParaRPr lang="en-US"/>
-          </a:p>
-          <a:p>
-            <a:pPr lvl="1"/>
-            <a:r>
-              <a:rPr lang="vi-VN" i="1" u="sng"/>
-              <a:t>Phản hồi với các thay đổi</a:t>
-            </a:r>
-            <a:r>
-              <a:rPr lang="vi-VN"/>
-              <a:t> hơn là bám sát kế hoạch</a:t>
-            </a:r>
-            <a:r>
-              <a:rPr lang="vi-VN" smtClean="0"/>
-              <a:t>.</a:t>
-            </a:r>
-            <a:endParaRPr lang="en-US" smtClean="0"/>
-          </a:p>
-        </p:txBody>
-      </p:sp>
+        </p:txBody>
+      </p:sp>
+      <p:pic>
+        <p:nvPicPr>
+          <p:cNvPr id="4098" name="Picture 2" descr="i_i1.png (448×338)"/>
+          <p:cNvPicPr>
+            <a:picLocks noChangeAspect="1" noChangeArrowheads="1"/>
+          </p:cNvPicPr>
+          <p:nvPr/>
+        </p:nvPicPr>
+        <p:blipFill>
+          <a:blip r:embed="rId3">
+            <a:extLst>
+              <a:ext uri="{28A0092B-C50C-407E-A947-70E740481C1C}">
+                <a14:useLocalDpi xmlns:a14="http://schemas.microsoft.com/office/drawing/2010/main" val="0"/>
+              </a:ext>
+            </a:extLst>
+          </a:blip>
+          <a:srcRect/>
+          <a:stretch>
+            <a:fillRect/>
+          </a:stretch>
+        </p:blipFill>
+        <p:spPr bwMode="auto">
+          <a:xfrm>
+            <a:off x="1828800" y="2416629"/>
+            <a:ext cx="5257800" cy="3966824"/>
+          </a:xfrm>
+          <a:prstGeom prst="rect">
+            <a:avLst/>
+          </a:prstGeom>
+          <a:noFill/>
+          <a:extLst>
+            <a:ext uri="{909E8E84-426E-40DD-AFC4-6F175D3DCCD1}">
+              <a14:hiddenFill xmlns:a14="http://schemas.microsoft.com/office/drawing/2010/main">
+                <a:solidFill>
+                  <a:srgbClr val="FFFFFF"/>
+                </a:solidFill>
+              </a14:hiddenFill>
+            </a:ext>
+          </a:extLst>
+        </p:spPr>
+      </p:pic>
     </p:spTree>
     <p:extLst>
       <p:ext uri="{BB962C8B-B14F-4D97-AF65-F5344CB8AC3E}">
-        <p14:creationId xmlns:p14="http://schemas.microsoft.com/office/powerpoint/2010/main" val="3448598279"/>
+        <p14:creationId xmlns:p14="http://schemas.microsoft.com/office/powerpoint/2010/main" val="1939870554"/>
       </p:ext>
     </p:extLst>
   </p:cSld>
@@ -14874,7 +16384,7 @@
             </a:r>
             <a:r>
               <a:rPr lang="en-US" smtClean="0"/>
-              <a:t>(3/9)</a:t>
+              <a:t>(3/12)</a:t>
             </a:r>
             <a:endParaRPr lang="en-US"/>
           </a:p>
@@ -14895,72 +16405,77 @@
           <a:bodyPr/>
           <a:lstStyle/>
           <a:p>
-            <a:pPr>
-              <a:lnSpc>
-                <a:spcPct val="150000"/>
-              </a:lnSpc>
-            </a:pPr>
-            <a:r>
-              <a:rPr lang="en-US"/>
-              <a:t>Các đặc trưng của Agile</a:t>
-            </a:r>
-          </a:p>
-          <a:p>
-            <a:pPr lvl="1"/>
-            <a:r>
-              <a:rPr lang="en-US" smtClean="0"/>
-              <a:t>Tính lặp.</a:t>
-            </a:r>
-          </a:p>
-          <a:p>
-            <a:pPr lvl="1"/>
-            <a:r>
-              <a:rPr lang="en-US" smtClean="0"/>
-              <a:t>Tính tăng và tiến hóa.</a:t>
-            </a:r>
-          </a:p>
-          <a:p>
-            <a:pPr lvl="1"/>
-            <a:r>
-              <a:rPr lang="en-US" smtClean="0"/>
-              <a:t>Tính thích ứng.</a:t>
-            </a:r>
-          </a:p>
-          <a:p>
-            <a:pPr lvl="1"/>
-            <a:r>
-              <a:rPr lang="en-US" smtClean="0"/>
-              <a:t>Nhóm tự tổ chức và liên chức năng.</a:t>
-            </a:r>
-          </a:p>
-          <a:p>
-            <a:pPr lvl="1"/>
-            <a:r>
-              <a:rPr lang="en-US" smtClean="0"/>
-              <a:t>Quản lí tiến trình thực nghiệm.</a:t>
-            </a:r>
-          </a:p>
-          <a:p>
-            <a:pPr lvl="1"/>
-            <a:r>
-              <a:rPr lang="en-US" smtClean="0"/>
-              <a:t>Đối thoại trực diện.</a:t>
-            </a:r>
-          </a:p>
-          <a:p>
-            <a:pPr lvl="1"/>
-            <a:r>
-              <a:rPr lang="en-US" smtClean="0"/>
-              <a:t>Phát triển dựa trên giá trị.</a:t>
-            </a:r>
+            <a:r>
+              <a:rPr lang="vi-VN" i="1" u="sng"/>
+              <a:t>Phần mềm chạy </a:t>
+            </a:r>
+            <a:r>
+              <a:rPr lang="vi-VN" i="1" u="sng" smtClean="0"/>
+              <a:t>tốt</a:t>
+            </a:r>
+            <a:r>
+              <a:rPr lang="en-US" i="1" u="sng" smtClean="0"/>
+              <a:t> </a:t>
+            </a:r>
+            <a:r>
+              <a:rPr lang="vi-VN" smtClean="0"/>
+              <a:t>hơn </a:t>
+            </a:r>
+            <a:r>
+              <a:rPr lang="vi-VN"/>
+              <a:t>là tài liệu đầy đủ.</a:t>
+            </a:r>
+          </a:p>
+          <a:p>
             <a:endParaRPr lang="en-US"/>
           </a:p>
         </p:txBody>
       </p:sp>
+      <p:pic>
+        <p:nvPicPr>
+          <p:cNvPr id="1026" name="Picture 2" descr="http://dheerajrastogi.files.wordpress.com/2012/06/w_s.png"/>
+          <p:cNvPicPr>
+            <a:picLocks noChangeAspect="1" noChangeArrowheads="1"/>
+          </p:cNvPicPr>
+          <p:nvPr/>
+        </p:nvPicPr>
+        <p:blipFill>
+          <a:blip r:embed="rId3">
+            <a:extLst>
+              <a:ext uri="{28A0092B-C50C-407E-A947-70E740481C1C}">
+                <a14:useLocalDpi xmlns:a14="http://schemas.microsoft.com/office/drawing/2010/main" val="0"/>
+              </a:ext>
+            </a:extLst>
+          </a:blip>
+          <a:srcRect/>
+          <a:stretch>
+            <a:fillRect/>
+          </a:stretch>
+        </p:blipFill>
+        <p:spPr bwMode="auto">
+          <a:xfrm>
+            <a:off x="1752600" y="2057399"/>
+            <a:ext cx="5638800" cy="4232355"/>
+          </a:xfrm>
+          <a:prstGeom prst="rect">
+            <a:avLst/>
+          </a:prstGeom>
+          <a:noFill/>
+          <a:extLst>
+            <a:ext uri="{909E8E84-426E-40DD-AFC4-6F175D3DCCD1}">
+              <a14:hiddenFill xmlns:a14="http://schemas.microsoft.com/office/drawing/2010/main">
+                <a:solidFill>
+                  <a:srgbClr val="FFFFFF"/>
+                </a:solidFill>
+              </a14:hiddenFill>
+            </a:ext>
+          </a:extLst>
+        </p:spPr>
+      </p:pic>
     </p:spTree>
     <p:extLst>
       <p:ext uri="{BB962C8B-B14F-4D97-AF65-F5344CB8AC3E}">
-        <p14:creationId xmlns:p14="http://schemas.microsoft.com/office/powerpoint/2010/main" val="1905888738"/>
+        <p14:creationId xmlns:p14="http://schemas.microsoft.com/office/powerpoint/2010/main" val="432110516"/>
       </p:ext>
     </p:extLst>
   </p:cSld>
@@ -15015,15 +16530,7 @@
             </a:r>
             <a:r>
               <a:rPr lang="en-US" smtClean="0"/>
-              <a:t>(</a:t>
-            </a:r>
-            <a:r>
-              <a:rPr lang="en-US" smtClean="0"/>
-              <a:t>4/9</a:t>
-            </a:r>
-            <a:r>
-              <a:rPr lang="en-US" smtClean="0"/>
-              <a:t>)</a:t>
+              <a:t>(4/12)</a:t>
             </a:r>
             <a:endParaRPr lang="en-US"/>
           </a:p>
@@ -15045,16 +16552,22 @@
           <a:lstStyle/>
           <a:p>
             <a:r>
-              <a:rPr lang="en-US" smtClean="0"/>
-              <a:t>Phương pháp Scrum là phương pháp tuân theo mô hình Agile phổ biến nhất hiện nay</a:t>
-            </a:r>
+              <a:rPr lang="vi-VN" i="1" u="sng"/>
+              <a:t>Cộng tác với khách hàng</a:t>
+            </a:r>
+            <a:r>
+              <a:rPr lang="vi-VN"/>
+              <a:t> hơn là đàm phán hợp đồng.</a:t>
+            </a:r>
+          </a:p>
+          <a:p>
             <a:endParaRPr lang="en-US"/>
           </a:p>
         </p:txBody>
       </p:sp>
       <p:pic>
         <p:nvPicPr>
-          <p:cNvPr id="7" name="Picture 2"/>
+          <p:cNvPr id="2050" name="Picture 2"/>
           <p:cNvPicPr>
             <a:picLocks noChangeAspect="1" noChangeArrowheads="1"/>
           </p:cNvPicPr>
@@ -15075,8 +16588,8 @@
         </p:blipFill>
         <p:spPr bwMode="auto">
           <a:xfrm>
-            <a:off x="1727200" y="2819400"/>
-            <a:ext cx="5772150" cy="3314700"/>
+            <a:off x="1676400" y="2362201"/>
+            <a:ext cx="5251939" cy="3962400"/>
           </a:xfrm>
           <a:prstGeom prst="rect">
             <a:avLst/>
@@ -15085,7 +16598,6 @@
           <a:ln>
             <a:noFill/>
           </a:ln>
-          <a:effectLst/>
           <a:extLst>
             <a:ext uri="{909E8E84-426E-40DD-AFC4-6F175D3DCCD1}">
               <a14:hiddenFill xmlns:a14="http://schemas.microsoft.com/office/drawing/2010/main">
@@ -15104,22 +16616,13 @@
                 <a:tailEnd/>
               </a14:hiddenLine>
             </a:ext>
-            <a:ext uri="{AF507438-7753-43E0-B8FC-AC1667EBCBE1}">
-              <a14:hiddenEffects xmlns:a14="http://schemas.microsoft.com/office/drawing/2010/main">
-                <a:effectLst>
-                  <a:outerShdw dist="35921" dir="2700000" algn="ctr" rotWithShape="0">
-                    <a:schemeClr val="bg2"/>
-                  </a:outerShdw>
-                </a:effectLst>
-              </a14:hiddenEffects>
-            </a:ext>
           </a:extLst>
         </p:spPr>
       </p:pic>
     </p:spTree>
     <p:extLst>
       <p:ext uri="{BB962C8B-B14F-4D97-AF65-F5344CB8AC3E}">
-        <p14:creationId xmlns:p14="http://schemas.microsoft.com/office/powerpoint/2010/main" val="3862587086"/>
+        <p14:creationId xmlns:p14="http://schemas.microsoft.com/office/powerpoint/2010/main" val="3061817787"/>
       </p:ext>
     </p:extLst>
   </p:cSld>

--- a/Báo cáo/Slide bao cao.pptx
+++ b/Báo cáo/Slide bao cao.pptx
@@ -4469,7 +4469,7 @@
           <a:p>
             <a:fld id="{510FE56D-530A-43F0-800C-9211A1FB4B3B}" type="datetimeFigureOut">
               <a:rPr lang="en-US" smtClean="0"/>
-              <a:t>7/27/2014</a:t>
+              <a:t>7/28/2014</a:t>
             </a:fld>
             <a:endParaRPr lang="en-US"/>
           </a:p>
@@ -4997,15 +4997,7 @@
             </a:r>
             <a:r>
               <a:rPr lang="en-US" baseline="0" smtClean="0"/>
-              <a:t> lặp: dự án được chia thành các phân đoạn nhỏ lặp đi lặp lại, thường có khung thời gian ngắn (từ 1 đến 4 tuần). Trong mỗi phân đoạn nhóm sẽ thực hiện đầy đủ như lập kế hoạch, </a:t>
-            </a:r>
-            <a:r>
-              <a:rPr lang="en-US" baseline="0" smtClean="0"/>
-              <a:t>phân </a:t>
-            </a:r>
-            <a:r>
-              <a:rPr lang="en-US" baseline="0" smtClean="0"/>
-              <a:t>tích yêu cầu, thiết kế, triển khai và kiểm thử.</a:t>
+              <a:t> lặp: dự án được chia thành các phân đoạn nhỏ lặp đi lặp lại, thường có khung thời gian ngắn (từ 1 đến 4 tuần). Trong mỗi phân đoạn nhóm sẽ thực hiện đầy đủ như lập kế hoạch, phân tích yêu cầu, thiết kế, triển khai và kiểm thử.</a:t>
             </a:r>
           </a:p>
           <a:p>
@@ -5019,15 +5011,7 @@
             </a:r>
             <a:r>
               <a:rPr lang="en-US" baseline="0" smtClean="0"/>
-              <a:t> tăng và tiến hóa: cuối mỗi phân đoạn, nhóm phát triển cho ra các phần nhỏ của sản phẩm cuối cùng có thể sử dụng được. Theo thời gian, các </a:t>
-            </a:r>
-            <a:r>
-              <a:rPr lang="en-US" baseline="0" smtClean="0"/>
-              <a:t>phân </a:t>
-            </a:r>
-            <a:r>
-              <a:rPr lang="en-US" baseline="0" smtClean="0"/>
-              <a:t>đoạn này nối tiếp phân đoạn kia, dần dần tích lũy thành sản phẩm cuối cùng.</a:t>
+              <a:t> tăng và tiến hóa: cuối mỗi phân đoạn, nhóm phát triển cho ra các phần nhỏ của sản phẩm cuối cùng có thể sử dụng được. Theo thời gian, các phân đoạn này nối tiếp phân đoạn kia, dần dần tích lũy thành sản phẩm cuối cùng.</a:t>
             </a:r>
           </a:p>
           <a:p>
@@ -5080,15 +5064,7 @@
             </a:r>
             <a:r>
               <a:rPr lang="en-US" baseline="0" smtClean="0"/>
-              <a:t> nhóm Agile ra quyết định dựa vào dữ liệu thực tế thông qua việc chia nhỏ dự án thành các phân đoạn, điều này giúp cung cấp các điểm mốc để nhóm thu thập thêm dữ liệu, </a:t>
-            </a:r>
-            <a:r>
-              <a:rPr lang="en-US" baseline="0" smtClean="0"/>
-              <a:t>điều </a:t>
-            </a:r>
-            <a:r>
-              <a:rPr lang="en-US" baseline="0" smtClean="0"/>
-              <a:t>chỉnh chiến lược phát triển.</a:t>
+              <a:t> nhóm Agile ra quyết định dựa vào dữ liệu thực tế thông qua việc chia nhỏ dự án thành các phân đoạn, điều này giúp cung cấp các điểm mốc để nhóm thu thập thêm dữ liệu, điều chỉnh chiến lược phát triển.</a:t>
             </a:r>
             <a:endParaRPr lang="en-US" smtClean="0"/>
           </a:p>
@@ -7183,11 +7159,7 @@
             </a:r>
             <a:r>
               <a:rPr lang="en-US" baseline="0" smtClean="0"/>
-              <a:t> tiên, Agile là gì? Nó là </a:t>
-            </a:r>
-            <a:r>
-              <a:rPr lang="en-US" baseline="0" smtClean="0"/>
-              <a:t>…</a:t>
+              <a:t> tiên, Agile là gì? Nó là …</a:t>
             </a:r>
           </a:p>
           <a:p>
@@ -12758,11 +12730,11 @@
           <a:p>
             <a:r>
               <a:rPr lang="en-US"/>
-              <a:t>Cơ sở lý thuyết </a:t>
-            </a:r>
-            <a:r>
-              <a:rPr lang="en-US" smtClean="0"/>
-              <a:t>(5/12)</a:t>
+              <a:t>Cơ sở lý </a:t>
+            </a:r>
+            <a:r>
+              <a:rPr lang="en-US" smtClean="0"/>
+              <a:t>thuyết</a:t>
             </a:r>
             <a:endParaRPr lang="en-US"/>
           </a:p>
@@ -12905,11 +12877,11 @@
           <a:p>
             <a:r>
               <a:rPr lang="en-US"/>
-              <a:t>Cơ sở lý thuyết </a:t>
-            </a:r>
-            <a:r>
-              <a:rPr lang="en-US" smtClean="0"/>
-              <a:t>(6/12)</a:t>
+              <a:t>Cơ sở lý </a:t>
+            </a:r>
+            <a:r>
+              <a:rPr lang="en-US" smtClean="0"/>
+              <a:t>thuyết</a:t>
             </a:r>
             <a:endParaRPr lang="en-US"/>
           </a:p>
@@ -13046,11 +13018,11 @@
           <a:p>
             <a:r>
               <a:rPr lang="en-US"/>
-              <a:t>Cơ sở lý thuyết </a:t>
-            </a:r>
-            <a:r>
-              <a:rPr lang="en-US" smtClean="0"/>
-              <a:t>(7/12)</a:t>
+              <a:t>Cơ sở lý </a:t>
+            </a:r>
+            <a:r>
+              <a:rPr lang="en-US" smtClean="0"/>
+              <a:t>thuyết</a:t>
             </a:r>
             <a:endParaRPr lang="en-US"/>
           </a:p>
@@ -13197,11 +13169,11 @@
           <a:p>
             <a:r>
               <a:rPr lang="en-US"/>
-              <a:t>Cơ sở lý thuyết </a:t>
-            </a:r>
-            <a:r>
-              <a:rPr lang="en-US" smtClean="0"/>
-              <a:t>(8/12)</a:t>
+              <a:t>Cơ sở lý </a:t>
+            </a:r>
+            <a:r>
+              <a:rPr lang="en-US" smtClean="0"/>
+              <a:t>thuyết</a:t>
             </a:r>
             <a:endParaRPr lang="en-US"/>
           </a:p>
@@ -13439,11 +13411,11 @@
           <a:p>
             <a:r>
               <a:rPr lang="en-US"/>
-              <a:t>Cơ sở lý thuyết </a:t>
-            </a:r>
-            <a:r>
-              <a:rPr lang="en-US" smtClean="0"/>
-              <a:t>(9/12)</a:t>
+              <a:t>Cơ sở lý </a:t>
+            </a:r>
+            <a:r>
+              <a:rPr lang="en-US" smtClean="0"/>
+              <a:t>thuyết</a:t>
             </a:r>
             <a:endParaRPr lang="en-US"/>
           </a:p>
@@ -13620,11 +13592,11 @@
           <a:p>
             <a:r>
               <a:rPr lang="en-US"/>
-              <a:t>Cơ sở lý thuyết </a:t>
-            </a:r>
-            <a:r>
-              <a:rPr lang="en-US" smtClean="0"/>
-              <a:t>(10/12)</a:t>
+              <a:t>Cơ sở lý </a:t>
+            </a:r>
+            <a:r>
+              <a:rPr lang="en-US" smtClean="0"/>
+              <a:t>thuyết</a:t>
             </a:r>
             <a:endParaRPr lang="en-US"/>
           </a:p>
@@ -13751,11 +13723,11 @@
           <a:p>
             <a:r>
               <a:rPr lang="en-US"/>
-              <a:t>Cơ sở lý thuyết </a:t>
-            </a:r>
-            <a:r>
-              <a:rPr lang="en-US" smtClean="0"/>
-              <a:t>(11/12)</a:t>
+              <a:t>Cơ sở lý </a:t>
+            </a:r>
+            <a:r>
+              <a:rPr lang="en-US" smtClean="0"/>
+              <a:t>thuyết</a:t>
             </a:r>
             <a:endParaRPr lang="en-US"/>
           </a:p>
@@ -14198,11 +14170,11 @@
           <a:p>
             <a:r>
               <a:rPr lang="en-US"/>
-              <a:t>Cơ sở lý thuyết </a:t>
-            </a:r>
-            <a:r>
-              <a:rPr lang="en-US" smtClean="0"/>
-              <a:t>(12/12)</a:t>
+              <a:t>Cơ sở lý </a:t>
+            </a:r>
+            <a:r>
+              <a:rPr lang="en-US" smtClean="0"/>
+              <a:t>thuyết</a:t>
             </a:r>
             <a:endParaRPr lang="en-US"/>
           </a:p>
@@ -14350,7 +14322,11 @@
           <a:p>
             <a:r>
               <a:rPr lang="en-US" smtClean="0"/>
-              <a:t>Xây dựng công cụ (1/4)</a:t>
+              <a:t>Xây dựng công </a:t>
+            </a:r>
+            <a:r>
+              <a:rPr lang="en-US" smtClean="0"/>
+              <a:t>cụ</a:t>
             </a:r>
             <a:endParaRPr lang="en-US"/>
           </a:p>
@@ -14488,7 +14464,7 @@
             </a:r>
             <a:r>
               <a:rPr lang="en-US" smtClean="0"/>
-              <a:t>cụ (2/4)</a:t>
+              <a:t>cụ</a:t>
             </a:r>
             <a:endParaRPr lang="en-US"/>
           </a:p>
@@ -14547,15 +14523,7 @@
           <a:p>
             <a:r>
               <a:rPr lang="en-US" smtClean="0"/>
-              <a:t>Công nghệ: </a:t>
-            </a:r>
-            <a:r>
-              <a:rPr lang="en-US" smtClean="0"/>
-              <a:t>HTML5 WebSocket</a:t>
-            </a:r>
-            <a:r>
-              <a:rPr lang="en-US" smtClean="0"/>
-              <a:t>, framework Laravel</a:t>
+              <a:t>Công nghệ: HTML5 WebSocket, framework Laravel</a:t>
             </a:r>
             <a:endParaRPr lang="en-US"/>
           </a:p>
@@ -14787,11 +14755,11 @@
           <a:p>
             <a:r>
               <a:rPr lang="en-US"/>
-              <a:t>Xây dựng công cụ </a:t>
-            </a:r>
-            <a:r>
-              <a:rPr lang="en-US" smtClean="0"/>
-              <a:t>(3/4)</a:t>
+              <a:t>Xây dựng công </a:t>
+            </a:r>
+            <a:r>
+              <a:rPr lang="en-US" smtClean="0"/>
+              <a:t>cụ</a:t>
             </a:r>
             <a:endParaRPr lang="en-US"/>
           </a:p>
@@ -14930,11 +14898,11 @@
           <a:p>
             <a:r>
               <a:rPr lang="en-US"/>
-              <a:t>Xây dựng công cụ </a:t>
-            </a:r>
-            <a:r>
-              <a:rPr lang="en-US" smtClean="0"/>
-              <a:t>(4/4)</a:t>
+              <a:t>Xây dựng công </a:t>
+            </a:r>
+            <a:r>
+              <a:rPr lang="en-US" smtClean="0"/>
+              <a:t>cụ</a:t>
             </a:r>
             <a:endParaRPr lang="en-US"/>
           </a:p>
@@ -16074,11 +16042,11 @@
           <a:p>
             <a:r>
               <a:rPr lang="en-US" smtClean="0"/>
-              <a:t>Cơ sở lý thuyết (</a:t>
-            </a:r>
-            <a:r>
-              <a:rPr lang="en-US" smtClean="0"/>
-              <a:t>1/12)</a:t>
+              <a:t>Cơ sở lý </a:t>
+            </a:r>
+            <a:r>
+              <a:rPr lang="en-US" smtClean="0"/>
+              <a:t>thuyết</a:t>
             </a:r>
             <a:endParaRPr lang="en-US"/>
           </a:p>
@@ -16244,11 +16212,11 @@
           <a:p>
             <a:r>
               <a:rPr lang="en-US"/>
-              <a:t>Cơ sở lý thuyết </a:t>
-            </a:r>
-            <a:r>
-              <a:rPr lang="en-US" smtClean="0"/>
-              <a:t>(2/12)</a:t>
+              <a:t>Cơ sở lý </a:t>
+            </a:r>
+            <a:r>
+              <a:rPr lang="en-US" smtClean="0"/>
+              <a:t>thuyết</a:t>
             </a:r>
             <a:endParaRPr lang="en-US"/>
           </a:p>
@@ -16380,11 +16348,11 @@
           <a:p>
             <a:r>
               <a:rPr lang="en-US"/>
-              <a:t>Cơ sở lý thuyết </a:t>
-            </a:r>
-            <a:r>
-              <a:rPr lang="en-US" smtClean="0"/>
-              <a:t>(3/12)</a:t>
+              <a:t>Cơ sở lý </a:t>
+            </a:r>
+            <a:r>
+              <a:rPr lang="en-US" smtClean="0"/>
+              <a:t>thuyết</a:t>
             </a:r>
             <a:endParaRPr lang="en-US"/>
           </a:p>
@@ -16526,11 +16494,11 @@
           <a:p>
             <a:r>
               <a:rPr lang="en-US"/>
-              <a:t>Cơ sở lý thuyết </a:t>
-            </a:r>
-            <a:r>
-              <a:rPr lang="en-US" smtClean="0"/>
-              <a:t>(4/12)</a:t>
+              <a:t>Cơ sở lý </a:t>
+            </a:r>
+            <a:r>
+              <a:rPr lang="en-US" smtClean="0"/>
+              <a:t>thuyết</a:t>
             </a:r>
             <a:endParaRPr lang="en-US"/>
           </a:p>

--- a/Báo cáo/Slide bao cao.pptx
+++ b/Báo cáo/Slide bao cao.pptx
@@ -4469,7 +4469,7 @@
           <a:p>
             <a:fld id="{510FE56D-530A-43F0-800C-9211A1FB4B3B}" type="datetimeFigureOut">
               <a:rPr lang="en-US" smtClean="0"/>
-              <a:t>7/28/2014</a:t>
+              <a:t>8/4/2014</a:t>
             </a:fld>
             <a:endParaRPr lang="en-US"/>
           </a:p>
@@ -5028,7 +5028,7 @@
             </a:r>
             <a:r>
               <a:rPr lang="en-US" baseline="0" smtClean="0"/>
-              <a:t> phân đoạn chỉ kéo dài trong 1 khoản thời gian ngắn, kế hoạch cũng được điều chỉnh liên tục nên các thay đổi trong quá trình phát triển như thay đổi yeu cầu, công nghệ, mục tiêu… đều có thể được đáp ứng</a:t>
+              <a:t> phân đoạn chỉ kéo dài trong 1 khoản thời gian ngắn, kế hoạch cũng được điều chỉnh liên tục nên các thay đổi trong quá trình phát triển như thay đổi yêu cầu, công nghệ, mục tiêu… đều có thể được đáp ứng</a:t>
             </a:r>
             <a:endParaRPr lang="en-US" smtClean="0"/>
           </a:p>
@@ -5064,7 +5064,7 @@
             </a:r>
             <a:r>
               <a:rPr lang="en-US" baseline="0" smtClean="0"/>
-              <a:t> nhóm Agile ra quyết định dựa vào dữ liệu thực tế thông qua việc chia nhỏ dự án thành các phân đoạn, điều này giúp cung cấp các điểm mốc để nhóm thu thập thêm dữ liệu, điều chỉnh chiến lược phát triển.</a:t>
+              <a:t> nhóm Agile ra quyết định dựa vào dữ liệu thực tế. Và việc chia nhỏ dự án thành các phân đoạn đã cung cấp các điểm mốc để nhóm thu thập thêm dữ liệu, điều chỉnh chiến lược phát triển.</a:t>
             </a:r>
             <a:endParaRPr lang="en-US" smtClean="0"/>
           </a:p>
@@ -5102,9 +5102,8 @@
                 <a:ea typeface="+mn-ea"/>
                 <a:cs typeface="+mn-cs"/>
               </a:rPr>
-              <a:t> không phản đối các tải liệu nhưng đánh giá cao hơn việc giao tiếp trực diện ví dụ như daily meeting.</a:t>
-            </a:r>
-            <a:endParaRPr lang="en-US" smtClean="0"/>
+              <a:t> không phản đối các tàii liệu nhưng đánh giá cao hơn việc giao tiếp trực diện.</a:t>
+            </a:r>
           </a:p>
           <a:p>
             <a:pPr marL="171450" indent="-171450">
@@ -5225,8 +5224,72 @@
             </a:pPr>
             <a:r>
               <a:rPr lang="en-US" kern="1200" smtClean="0"/>
-              <a:t>Agile là một tập hợp các nguyên tắc còn Scrum đưa ra những hướng dẫn cụ thể cho phép chúng ta áp dụng, triển khai vào một dự án thực tế. </a:t>
-            </a:r>
+              <a:t>Agile là một tập hợp các nguyên tắc còn các</a:t>
+            </a:r>
+            <a:r>
+              <a:rPr lang="en-US" kern="1200" baseline="0" smtClean="0"/>
+              <a:t> phương pháp </a:t>
+            </a:r>
+            <a:r>
+              <a:rPr lang="en-US" kern="1200" smtClean="0"/>
+              <a:t>đưa ra những hướng dẫn cụ thể để</a:t>
+            </a:r>
+            <a:r>
+              <a:rPr lang="en-US" kern="1200" baseline="0" smtClean="0"/>
+              <a:t> </a:t>
+            </a:r>
+            <a:r>
+              <a:rPr lang="en-US" kern="1200" smtClean="0"/>
+              <a:t>chúng ta áp dụng, triển khai vào một dự án thực tế. </a:t>
+            </a:r>
+          </a:p>
+          <a:p>
+            <a:pPr marL="0" marR="0" indent="0" algn="l" defTabSz="914400" rtl="0" eaLnBrk="1" fontAlgn="auto" latinLnBrk="0" hangingPunct="1">
+              <a:lnSpc>
+                <a:spcPct val="100000"/>
+              </a:lnSpc>
+              <a:spcBef>
+                <a:spcPts val="0"/>
+              </a:spcBef>
+              <a:spcAft>
+                <a:spcPts val="0"/>
+              </a:spcAft>
+              <a:buClrTx/>
+              <a:buSzTx/>
+              <a:buFontTx/>
+              <a:buNone/>
+              <a:tabLst/>
+              <a:defRPr/>
+            </a:pPr>
+            <a:r>
+              <a:rPr lang="en-US" kern="1200" smtClean="0"/>
+              <a:t>Agile</a:t>
+            </a:r>
+            <a:r>
+              <a:rPr lang="en-US" kern="1200" baseline="0" smtClean="0"/>
+              <a:t> có nhiều phương pháp trong đó Scrum được dùng nhiều nhất, vì vậy em quyết định tập trung nghiên nghiên cứu và phát triển ứng dụng theo phương pháp này.</a:t>
+            </a:r>
+            <a:endParaRPr lang="en-US" kern="1200" smtClean="0"/>
+          </a:p>
+          <a:p>
+            <a:pPr marL="0" marR="0" indent="0" algn="l" defTabSz="914400" rtl="0" eaLnBrk="1" fontAlgn="auto" latinLnBrk="0" hangingPunct="1">
+              <a:lnSpc>
+                <a:spcPct val="100000"/>
+              </a:lnSpc>
+              <a:spcBef>
+                <a:spcPts val="0"/>
+              </a:spcBef>
+              <a:spcAft>
+                <a:spcPts val="0"/>
+              </a:spcAft>
+              <a:buClrTx/>
+              <a:buSzTx/>
+              <a:buFontTx/>
+              <a:buNone/>
+              <a:tabLst/>
+              <a:defRPr/>
+            </a:pPr>
+            <a:endParaRPr lang="en-US" kern="1200" smtClean="0"/>
           </a:p>
           <a:p>
             <a:pPr marL="0" marR="0" indent="0" algn="l" defTabSz="914400" rtl="0" eaLnBrk="1" fontAlgn="auto" latinLnBrk="0" hangingPunct="1">
@@ -5346,12 +5409,8 @@
               <a:buChar char="v"/>
             </a:pPr>
             <a:r>
-              <a:rPr lang="en-US" smtClean="0"/>
-              <a:t>Scrum</a:t>
-            </a:r>
-            <a:r>
               <a:rPr lang="en-US" baseline="0" smtClean="0"/>
-              <a:t> muốn thành công thì thông tin liên quan tới quá trình phát triển sản phẩm phải thông suốt,minh bạch tư đó đội ngũ xây dụng dự án mới có thể ra quyết định nâng cao giá trị công việc.</a:t>
+              <a:t>Muốn Scrum thành công thì thông tin liên quan tới quá trình phát triển sản phẩm phải thông suốt, rõ ràng. Từ đó đội ngũ xây dựng dự án mới có thể ra quyết định nâng cao giá trị công việc.</a:t>
             </a:r>
           </a:p>
           <a:p>
@@ -5361,7 +5420,7 @@
             </a:pPr>
             <a:r>
               <a:rPr lang="en-US" baseline="0" smtClean="0"/>
-              <a:t>Người sử dụng Scrum phải thường xuyên thanh tra đồ nghề và tiến độ để phát hiện những vấn đề bất thường.</a:t>
+              <a:t>Người sử dụng Scrum phải thường xuyên thanh tra dự án để phát hiện những vấn đề bất thường.</a:t>
             </a:r>
           </a:p>
           <a:p>
@@ -5371,7 +5430,7 @@
             </a:pPr>
             <a:r>
               <a:rPr lang="en-US" baseline="0" smtClean="0"/>
-              <a:t>Nếu quá trình thanh tra xác định rằng có vấn đề phát sinh có thể dẫn đến hậu quả nghiêm trọng, thì quy trình phải được điều chỉnh.</a:t>
+              <a:t>Nếu quá trình thanh tra xác định vấn đề phát sinh có thể dẫn đến hậu quả nghiêm trọng, thì quy trình phải được điều chỉnh.</a:t>
             </a:r>
             <a:endParaRPr lang="en-US"/>
           </a:p>
@@ -5481,44 +5540,23 @@
                 </a:solidFill>
                 <a:latin typeface="Verdana" pitchFamily="34" charset="0"/>
               </a:rPr>
-              <a:t>PRODUCT OWNER:  Là đại diện cho khách hàng</a:t>
-            </a:r>
-            <a:r>
-              <a:rPr lang="en-US" altLang="en-US" sz="1200" smtClean="0">
-                <a:solidFill>
-                  <a:schemeClr val="tx1"/>
-                </a:solidFill>
-                <a:latin typeface="+mn-lt"/>
-              </a:rPr>
-              <a:t>,</a:t>
+              <a:t>Scrum chi đội</a:t>
             </a:r>
             <a:r>
               <a:rPr lang="en-US" altLang="en-US" sz="1200" baseline="0" smtClean="0">
-                <a:solidFill>
-                  <a:schemeClr val="tx1"/>
-                </a:solidFill>
-                <a:latin typeface="+mn-lt"/>
-              </a:rPr>
-              <a:t> </a:t>
-            </a:r>
-            <a:r>
-              <a:rPr lang="en-US" altLang="en-US" sz="1600" baseline="0" smtClean="0">
                 <a:solidFill>
                   <a:srgbClr val="000000"/>
                 </a:solidFill>
                 <a:latin typeface="Verdana" pitchFamily="34" charset="0"/>
               </a:rPr>
-              <a:t>q</a:t>
-            </a:r>
-            <a:r>
-              <a:rPr lang="en-US" altLang="en-US" sz="1600" smtClean="0">
-                <a:solidFill>
-                  <a:srgbClr val="000000"/>
-                </a:solidFill>
-                <a:latin typeface="Verdana" pitchFamily="34" charset="0"/>
-              </a:rPr>
-              <a:t>uản lí Product Backlog</a:t>
-            </a:r>
+              <a:t> ngũ phát triển thành 3 vai trò:</a:t>
+            </a:r>
+            <a:endParaRPr lang="en-US" altLang="en-US" sz="1200" smtClean="0">
+              <a:solidFill>
+                <a:srgbClr val="000000"/>
+              </a:solidFill>
+              <a:latin typeface="Verdana" pitchFamily="34" charset="0"/>
+            </a:endParaRPr>
           </a:p>
           <a:p>
             <a:pPr marL="0" marR="0" indent="0" algn="l" defTabSz="914400" rtl="0" eaLnBrk="1" fontAlgn="auto" latinLnBrk="0" hangingPunct="1">
@@ -5539,12 +5577,58 @@
               <a:defRPr/>
             </a:pPr>
             <a:r>
-              <a:rPr lang="en-US" altLang="en-US" sz="2000" smtClean="0"/>
-              <a:t>TEAM: </a:t>
-            </a:r>
-            <a:r>
-              <a:rPr lang="en-US" altLang="en-US" sz="2000" baseline="0" smtClean="0"/>
-              <a:t>tự tổ chức, liên chức năng</a:t>
+              <a:rPr lang="en-US" altLang="en-US" sz="1200" smtClean="0">
+                <a:solidFill>
+                  <a:srgbClr val="000000"/>
+                </a:solidFill>
+                <a:latin typeface="Verdana" pitchFamily="34" charset="0"/>
+              </a:rPr>
+              <a:t>PRODUCT OWNER:  Là đại diện cho khách hàng</a:t>
+            </a:r>
+            <a:r>
+              <a:rPr lang="en-US" altLang="en-US" sz="1200" smtClean="0">
+                <a:solidFill>
+                  <a:schemeClr val="tx1"/>
+                </a:solidFill>
+                <a:latin typeface="+mn-lt"/>
+              </a:rPr>
+              <a:t>,</a:t>
+            </a:r>
+            <a:r>
+              <a:rPr lang="en-US" altLang="en-US" sz="1200" baseline="0" smtClean="0">
+                <a:solidFill>
+                  <a:schemeClr val="tx1"/>
+                </a:solidFill>
+                <a:latin typeface="+mn-lt"/>
+              </a:rPr>
+              <a:t> </a:t>
+            </a:r>
+            <a:r>
+              <a:rPr lang="en-US" altLang="en-US" sz="1600" baseline="0" smtClean="0">
+                <a:solidFill>
+                  <a:srgbClr val="000000"/>
+                </a:solidFill>
+                <a:latin typeface="Verdana" pitchFamily="34" charset="0"/>
+              </a:rPr>
+              <a:t>q</a:t>
+            </a:r>
+            <a:r>
+              <a:rPr lang="en-US" altLang="en-US" sz="1600" smtClean="0">
+                <a:solidFill>
+                  <a:srgbClr val="000000"/>
+                </a:solidFill>
+                <a:latin typeface="Verdana" pitchFamily="34" charset="0"/>
+              </a:rPr>
+              <a:t>uản lí yêu</a:t>
+            </a:r>
+            <a:r>
+              <a:rPr lang="en-US" altLang="en-US" sz="1600" baseline="0" smtClean="0">
+                <a:solidFill>
+                  <a:srgbClr val="000000"/>
+                </a:solidFill>
+                <a:latin typeface="Verdana" pitchFamily="34" charset="0"/>
+              </a:rPr>
+              <a:t> cầu của sản phẩm</a:t>
             </a:r>
           </a:p>
           <a:p>
@@ -5566,10 +5650,86 @@
               <a:defRPr/>
             </a:pPr>
             <a:r>
+              <a:rPr lang="en-US" altLang="en-US" sz="1600" baseline="0" smtClean="0"/>
+              <a:t>SCRUM MASTER: là người hiểu rõ Scrum, đảm bảo mọi người hiểu và áp dụng đúng Scrum</a:t>
+            </a:r>
+            <a:endParaRPr lang="en-US" altLang="en-US" sz="1600" smtClean="0">
+              <a:solidFill>
+                <a:srgbClr val="000000"/>
+              </a:solidFill>
+              <a:latin typeface="Verdana" pitchFamily="34" charset="0"/>
+            </a:endParaRPr>
+          </a:p>
+          <a:p>
+            <a:pPr marL="0" marR="0" indent="0" algn="l" defTabSz="914400" rtl="0" eaLnBrk="1" fontAlgn="auto" latinLnBrk="0" hangingPunct="1">
+              <a:lnSpc>
+                <a:spcPct val="100000"/>
+              </a:lnSpc>
+              <a:spcBef>
+                <a:spcPts val="0"/>
+              </a:spcBef>
+              <a:spcAft>
+                <a:spcPts val="0"/>
+              </a:spcAft>
+              <a:buClrTx/>
+              <a:buSzTx/>
+              <a:buFontTx/>
+              <a:buNone/>
+              <a:tabLst/>
+              <a:defRPr/>
+            </a:pPr>
+            <a:r>
+              <a:rPr lang="en-US" altLang="en-US" sz="2000" smtClean="0"/>
+              <a:t>TEAM: </a:t>
+            </a:r>
+            <a:r>
               <a:rPr lang="en-US" altLang="en-US" sz="2000" baseline="0" smtClean="0"/>
-              <a:t>SCRUM MASTER: đảm bảo mọi người hiểu và áp dụng đúng Scrum</a:t>
-            </a:r>
-            <a:endParaRPr lang="en-US" altLang="en-US" sz="2000" smtClean="0"/>
+              <a:t>tự tổ chức (</a:t>
+            </a:r>
+            <a:r>
+              <a:rPr lang="en-US" sz="1200" kern="1200" smtClean="0">
+                <a:solidFill>
+                  <a:schemeClr val="tx1"/>
+                </a:solidFill>
+                <a:effectLst/>
+                <a:latin typeface="+mn-lt"/>
+                <a:ea typeface="+mn-ea"/>
+                <a:cs typeface="+mn-cs"/>
+              </a:rPr>
+              <a:t>mức độ độc lập và trách nhiệm cao. Nhóm quyết định cam kết cái gì và làm như thế nào để hoàn thành tốt nhất cam kết đó</a:t>
+            </a:r>
+            <a:r>
+              <a:rPr lang="en-US" altLang="en-US" sz="2000" baseline="0" smtClean="0"/>
+              <a:t>), liên chức năng (</a:t>
+            </a:r>
+            <a:r>
+              <a:rPr lang="en-US" sz="1200" kern="1200" smtClean="0">
+                <a:solidFill>
+                  <a:schemeClr val="tx1"/>
+                </a:solidFill>
+                <a:effectLst/>
+                <a:latin typeface="+mn-lt"/>
+                <a:ea typeface="+mn-ea"/>
+                <a:cs typeface="+mn-cs"/>
+              </a:rPr>
+              <a:t>bao gồm tất cả các chuyên môn và kỹ năng cần thiết để đưa ra phần</a:t>
+            </a:r>
+            <a:r>
+              <a:rPr lang="en-US" sz="1200" kern="1200" baseline="0" smtClean="0">
+                <a:solidFill>
+                  <a:schemeClr val="tx1"/>
+                </a:solidFill>
+                <a:effectLst/>
+                <a:latin typeface="+mn-lt"/>
+                <a:ea typeface="+mn-ea"/>
+                <a:cs typeface="+mn-cs"/>
+              </a:rPr>
+              <a:t> tăng trưởng sau mỗi phân đoạn</a:t>
+            </a:r>
+            <a:r>
+              <a:rPr lang="en-US" altLang="en-US" sz="2000" baseline="0" smtClean="0"/>
+              <a:t>).</a:t>
+            </a:r>
           </a:p>
         </p:txBody>
       </p:sp>
@@ -5715,17 +5875,20 @@
                 <a:ea typeface="+mn-ea"/>
                 <a:cs typeface="+mn-cs"/>
               </a:rPr>
-              <a:t>Xem xét danh sách Product Backlog và thảo luận về mục tiêu và bối cảnh của các hạng mục trong Product Backlog, làm cho Team thấu hiểu những gì mà Product Owner (khách hàng) mong muốn. </a:t>
-            </a:r>
-            <a:endParaRPr lang="en-US" sz="1200" kern="1200" baseline="0" smtClean="0">
-              <a:solidFill>
-                <a:schemeClr val="tx1"/>
-              </a:solidFill>
-              <a:effectLst/>
-              <a:latin typeface="+mn-lt"/>
-              <a:ea typeface="+mn-ea"/>
-              <a:cs typeface="+mn-cs"/>
-            </a:endParaRPr>
+              <a:t>Xem xét danh sách User story, đảm</a:t>
+            </a:r>
+            <a:r>
+              <a:rPr lang="en-US" sz="1200" kern="1200" baseline="0" smtClean="0">
+                <a:solidFill>
+                  <a:schemeClr val="tx1"/>
+                </a:solidFill>
+                <a:effectLst/>
+                <a:latin typeface="+mn-lt"/>
+                <a:ea typeface="+mn-ea"/>
+                <a:cs typeface="+mn-cs"/>
+              </a:rPr>
+              <a:t> bảo Team User story.</a:t>
+            </a:r>
           </a:p>
           <a:p>
             <a:pPr marL="685800" marR="0" lvl="1" indent="-228600" algn="l" defTabSz="914400" rtl="0" eaLnBrk="1" fontAlgn="auto" latinLnBrk="0" hangingPunct="1">
@@ -5755,7 +5918,59 @@
                 <a:ea typeface="+mn-ea"/>
                 <a:cs typeface="+mn-cs"/>
               </a:rPr>
-              <a:t>Chọn ra các hạng mục từ Product Backlog để tiến hành phát triển cho Sprint sắp tới và cam kết hoàn thành vào cuối Sprint. </a:t>
+              <a:t>Chọn ra các hạng mục từ danh sách user story</a:t>
+            </a:r>
+            <a:r>
+              <a:rPr lang="en-US" sz="1200" kern="1200" baseline="0" smtClean="0">
+                <a:solidFill>
+                  <a:schemeClr val="tx1"/>
+                </a:solidFill>
+                <a:effectLst/>
+                <a:latin typeface="+mn-lt"/>
+                <a:ea typeface="+mn-ea"/>
+                <a:cs typeface="+mn-cs"/>
+              </a:rPr>
+              <a:t> </a:t>
+            </a:r>
+            <a:r>
+              <a:rPr lang="en-US" sz="1200" kern="1200" smtClean="0">
+                <a:solidFill>
+                  <a:schemeClr val="tx1"/>
+                </a:solidFill>
+                <a:effectLst/>
+                <a:latin typeface="+mn-lt"/>
+                <a:ea typeface="+mn-ea"/>
+                <a:cs typeface="+mn-cs"/>
+              </a:rPr>
+              <a:t>để tiến hành phát triển cho Sprint sắp tới.</a:t>
+            </a:r>
+            <a:endParaRPr lang="en-US" b="1" smtClean="0"/>
+          </a:p>
+          <a:p>
+            <a:pPr marL="228600" marR="0" indent="-228600" algn="l" defTabSz="914400" rtl="0" eaLnBrk="1" fontAlgn="auto" latinLnBrk="0" hangingPunct="1">
+              <a:lnSpc>
+                <a:spcPct val="100000"/>
+              </a:lnSpc>
+              <a:spcBef>
+                <a:spcPts val="0"/>
+              </a:spcBef>
+              <a:spcAft>
+                <a:spcPts val="0"/>
+              </a:spcAft>
+              <a:buClrTx/>
+              <a:buSzTx/>
+              <a:buFont typeface="Wingdings" panose="05000000000000000000" pitchFamily="2" charset="2"/>
+              <a:buChar char="v"/>
+              <a:tabLst/>
+              <a:defRPr/>
+            </a:pPr>
+            <a:r>
+              <a:rPr lang="en-US" b="1" smtClean="0"/>
+              <a:t>Họp Scrum hàng ngày:</a:t>
+            </a:r>
+            <a:r>
+              <a:rPr lang="en-US" b="1" baseline="0" smtClean="0"/>
+              <a:t> </a:t>
             </a:r>
           </a:p>
           <a:p>
@@ -5777,6 +5992,18 @@
               <a:defRPr/>
             </a:pPr>
             <a:r>
+              <a:rPr lang="en-US" sz="1200" kern="1200" smtClean="0">
+                <a:solidFill>
+                  <a:schemeClr val="tx1"/>
+                </a:solidFill>
+                <a:effectLst/>
+                <a:latin typeface="+mn-lt"/>
+                <a:ea typeface="+mn-ea"/>
+                <a:cs typeface="+mn-cs"/>
+              </a:rPr>
+              <a:t>Đ</a:t>
+            </a:r>
+            <a:r>
               <a:rPr lang="vi-VN" sz="1200" kern="1200" smtClean="0">
                 <a:solidFill>
                   <a:schemeClr val="tx1"/>
@@ -5786,8 +6013,143 @@
                 <a:ea typeface="+mn-ea"/>
                 <a:cs typeface="+mn-cs"/>
               </a:rPr>
-              <a:t>Buổi họp kế hoạch Sprint được đóng khung trong tám tiếng cho mỗi Sprint một tháng. Với các Sprint ngắn hơn thì thời gian cho buổi họp được rút ngắn lại.</a:t>
-            </a:r>
+              <a:t>ược đóng khung trong 15 phút để Team đồng bộ hóa các hoạt động của thành viên và lập kế hoạch cho 24 giờ tiếp theo</a:t>
+            </a:r>
+            <a:r>
+              <a:rPr lang="en-US" sz="1200" kern="1200" smtClean="0">
+                <a:solidFill>
+                  <a:schemeClr val="tx1"/>
+                </a:solidFill>
+                <a:effectLst/>
+                <a:latin typeface="+mn-lt"/>
+                <a:ea typeface="+mn-ea"/>
+                <a:cs typeface="+mn-cs"/>
+              </a:rPr>
+              <a:t>,</a:t>
+            </a:r>
+            <a:r>
+              <a:rPr lang="en-US" sz="1200" kern="1200" baseline="0" smtClean="0">
+                <a:solidFill>
+                  <a:schemeClr val="tx1"/>
+                </a:solidFill>
+                <a:effectLst/>
+                <a:latin typeface="+mn-lt"/>
+                <a:ea typeface="+mn-ea"/>
+                <a:cs typeface="+mn-cs"/>
+              </a:rPr>
+              <a:t> thường tổ chức tại cùng 1 địa điểm tại 1 thời điểm đã ấn định trước</a:t>
+            </a:r>
+            <a:endParaRPr lang="en-US" sz="1200" kern="1200" smtClean="0">
+              <a:solidFill>
+                <a:schemeClr val="tx1"/>
+              </a:solidFill>
+              <a:effectLst/>
+              <a:latin typeface="+mn-lt"/>
+              <a:ea typeface="+mn-ea"/>
+              <a:cs typeface="+mn-cs"/>
+            </a:endParaRPr>
+          </a:p>
+          <a:p>
+            <a:pPr marL="628650" lvl="1" indent="-171450">
+              <a:buFont typeface="Wingdings" panose="05000000000000000000" pitchFamily="2" charset="2"/>
+              <a:buChar char="v"/>
+            </a:pPr>
+            <a:r>
+              <a:rPr lang="vi-VN" sz="1200" kern="1200" smtClean="0">
+                <a:solidFill>
+                  <a:schemeClr val="tx1"/>
+                </a:solidFill>
+                <a:effectLst/>
+                <a:latin typeface="+mn-lt"/>
+                <a:ea typeface="+mn-ea"/>
+                <a:cs typeface="+mn-cs"/>
+              </a:rPr>
+              <a:t>Trong suốt cuộc họp, mỗi thành viên Team giải thích rõ:</a:t>
+            </a:r>
+            <a:endParaRPr lang="en-US" sz="1200" kern="1200" smtClean="0">
+              <a:solidFill>
+                <a:schemeClr val="tx1"/>
+              </a:solidFill>
+              <a:effectLst/>
+              <a:latin typeface="+mn-lt"/>
+              <a:ea typeface="+mn-ea"/>
+              <a:cs typeface="+mn-cs"/>
+            </a:endParaRPr>
+          </a:p>
+          <a:p>
+            <a:pPr lvl="2" hangingPunct="0"/>
+            <a:r>
+              <a:rPr lang="vi-VN" sz="1200" kern="1200" smtClean="0">
+                <a:solidFill>
+                  <a:schemeClr val="tx1"/>
+                </a:solidFill>
+                <a:effectLst/>
+                <a:latin typeface="+mn-lt"/>
+                <a:ea typeface="+mn-ea"/>
+                <a:cs typeface="+mn-cs"/>
+              </a:rPr>
+              <a:t>Việc gì đã được thực hiện kể từ lần họp trước? </a:t>
+            </a:r>
+            <a:endParaRPr lang="en-US" sz="1200" kern="1200" smtClean="0">
+              <a:solidFill>
+                <a:schemeClr val="tx1"/>
+              </a:solidFill>
+              <a:effectLst/>
+              <a:latin typeface="+mn-lt"/>
+              <a:ea typeface="+mn-ea"/>
+              <a:cs typeface="+mn-cs"/>
+            </a:endParaRPr>
+          </a:p>
+          <a:p>
+            <a:pPr lvl="2" hangingPunct="0"/>
+            <a:r>
+              <a:rPr lang="vi-VN" sz="1200" kern="1200" smtClean="0">
+                <a:solidFill>
+                  <a:schemeClr val="tx1"/>
+                </a:solidFill>
+                <a:effectLst/>
+                <a:latin typeface="+mn-lt"/>
+                <a:ea typeface="+mn-ea"/>
+                <a:cs typeface="+mn-cs"/>
+              </a:rPr>
+              <a:t>Việc gì sẽ được hoàn thành trước buổi họp lần sau? </a:t>
+            </a:r>
+            <a:endParaRPr lang="en-US" sz="1200" kern="1200" smtClean="0">
+              <a:solidFill>
+                <a:schemeClr val="tx1"/>
+              </a:solidFill>
+              <a:effectLst/>
+              <a:latin typeface="+mn-lt"/>
+              <a:ea typeface="+mn-ea"/>
+              <a:cs typeface="+mn-cs"/>
+            </a:endParaRPr>
+          </a:p>
+          <a:p>
+            <a:pPr lvl="2" hangingPunct="0"/>
+            <a:r>
+              <a:rPr lang="vi-VN" sz="1200" kern="1200" smtClean="0">
+                <a:solidFill>
+                  <a:schemeClr val="tx1"/>
+                </a:solidFill>
+                <a:effectLst/>
+                <a:latin typeface="+mn-lt"/>
+                <a:ea typeface="+mn-ea"/>
+                <a:cs typeface="+mn-cs"/>
+              </a:rPr>
+              <a:t>Có vấn đề gì nảy sinh trong quá trình làm việc? </a:t>
+            </a:r>
+            <a:endParaRPr lang="en-US" sz="1200" kern="1200" smtClean="0">
+              <a:solidFill>
+                <a:schemeClr val="tx1"/>
+              </a:solidFill>
+              <a:effectLst/>
+              <a:latin typeface="+mn-lt"/>
+              <a:ea typeface="+mn-ea"/>
+              <a:cs typeface="+mn-cs"/>
+            </a:endParaRPr>
+          </a:p>
+          <a:p>
+            <a:pPr lvl="2" hangingPunct="0"/>
             <a:endParaRPr lang="en-US" b="1" smtClean="0"/>
           </a:p>
           <a:p>
@@ -5810,31 +6172,16 @@
             </a:pPr>
             <a:r>
               <a:rPr lang="en-US" b="1" smtClean="0"/>
-              <a:t>Họp Scrum hàng ngày:</a:t>
-            </a:r>
-            <a:r>
-              <a:rPr lang="en-US" b="1" baseline="0" smtClean="0"/>
-              <a:t> </a:t>
-            </a:r>
-          </a:p>
-          <a:p>
-            <a:pPr marL="685800" marR="0" lvl="1" indent="-228600" algn="l" defTabSz="914400" rtl="0" eaLnBrk="1" fontAlgn="auto" latinLnBrk="0" hangingPunct="1">
-              <a:lnSpc>
-                <a:spcPct val="100000"/>
-              </a:lnSpc>
-              <a:spcBef>
-                <a:spcPts val="0"/>
-              </a:spcBef>
-              <a:spcAft>
-                <a:spcPts val="0"/>
-              </a:spcAft>
-              <a:buClrTx/>
-              <a:buSzTx/>
-              <a:buFont typeface="Wingdings" panose="05000000000000000000" pitchFamily="2" charset="2"/>
-              <a:buChar char="v"/>
-              <a:tabLst/>
-              <a:defRPr/>
-            </a:pPr>
+              <a:t>Sơ kết Sprint: </a:t>
+            </a:r>
+            <a:r>
+              <a:rPr lang="en-US" b="0" smtClean="0"/>
+              <a:t>Được</a:t>
+            </a:r>
+            <a:r>
+              <a:rPr lang="en-US" b="0" baseline="0" smtClean="0"/>
+              <a:t> tổ chức khi Sprint kết thúc để rà xoát lại phần tăng trưởng vừa làm ra</a:t>
+            </a:r>
             <a:r>
               <a:rPr lang="en-US" sz="1200" kern="1200" smtClean="0">
                 <a:solidFill>
@@ -5845,31 +6192,7 @@
                 <a:ea typeface="+mn-ea"/>
                 <a:cs typeface="+mn-cs"/>
               </a:rPr>
-              <a:t>Đ</a:t>
-            </a:r>
-            <a:r>
-              <a:rPr lang="vi-VN" sz="1200" kern="1200" smtClean="0">
-                <a:solidFill>
-                  <a:schemeClr val="tx1"/>
-                </a:solidFill>
-                <a:effectLst/>
-                <a:latin typeface="+mn-lt"/>
-                <a:ea typeface="+mn-ea"/>
-                <a:cs typeface="+mn-cs"/>
-              </a:rPr>
-              <a:t>ược đóng khung trong 15 phút để Team đồng bộ hóa các hoạt động của thành viên và tạo lập kế hoạch cho 24 giờ tiếp theo</a:t>
-            </a:r>
-            <a:r>
-              <a:rPr lang="en-US" sz="1200" kern="1200" smtClean="0">
-                <a:solidFill>
-                  <a:schemeClr val="tx1"/>
-                </a:solidFill>
-                <a:effectLst/>
-                <a:latin typeface="+mn-lt"/>
-                <a:ea typeface="+mn-ea"/>
-                <a:cs typeface="+mn-cs"/>
-              </a:rPr>
-              <a:t>,</a:t>
+              <a:t>, và để thực hiện các biện pháp thích nghi nếu cần</a:t>
             </a:r>
             <a:r>
               <a:rPr lang="en-US" sz="1200" kern="1200" baseline="0" smtClean="0">
@@ -5881,108 +6204,8 @@
                 <a:ea typeface="+mn-ea"/>
                 <a:cs typeface="+mn-cs"/>
               </a:rPr>
-              <a:t> thường tổ chức tại cùng 1 địa điểm tại 1 thời điểm đã ấn định trước</a:t>
-            </a:r>
-            <a:endParaRPr lang="en-US" sz="1200" kern="1200" smtClean="0">
-              <a:solidFill>
-                <a:schemeClr val="tx1"/>
-              </a:solidFill>
-              <a:effectLst/>
-              <a:latin typeface="+mn-lt"/>
-              <a:ea typeface="+mn-ea"/>
-              <a:cs typeface="+mn-cs"/>
-            </a:endParaRPr>
-          </a:p>
-          <a:p>
-            <a:pPr marL="628650" lvl="1" indent="-171450">
-              <a:buFont typeface="Wingdings" panose="05000000000000000000" pitchFamily="2" charset="2"/>
-              <a:buChar char="v"/>
-            </a:pPr>
-            <a:r>
-              <a:rPr lang="vi-VN" sz="1200" kern="1200" smtClean="0">
-                <a:solidFill>
-                  <a:schemeClr val="tx1"/>
-                </a:solidFill>
-                <a:effectLst/>
-                <a:latin typeface="+mn-lt"/>
-                <a:ea typeface="+mn-ea"/>
-                <a:cs typeface="+mn-cs"/>
-              </a:rPr>
-              <a:t>Trong suốt cuộc họp, mỗi thành viên Team giải thích rõ:</a:t>
-            </a:r>
-            <a:endParaRPr lang="en-US" sz="1200" kern="1200" smtClean="0">
-              <a:solidFill>
-                <a:schemeClr val="tx1"/>
-              </a:solidFill>
-              <a:effectLst/>
-              <a:latin typeface="+mn-lt"/>
-              <a:ea typeface="+mn-ea"/>
-              <a:cs typeface="+mn-cs"/>
-            </a:endParaRPr>
-          </a:p>
-          <a:p>
-            <a:pPr lvl="2" hangingPunct="0"/>
-            <a:r>
-              <a:rPr lang="vi-VN" sz="1200" kern="1200" smtClean="0">
-                <a:solidFill>
-                  <a:schemeClr val="tx1"/>
-                </a:solidFill>
-                <a:effectLst/>
-                <a:latin typeface="+mn-lt"/>
-                <a:ea typeface="+mn-ea"/>
-                <a:cs typeface="+mn-cs"/>
-              </a:rPr>
-              <a:t>Việc gì đã được thực hiện kể từ lần họp trước? </a:t>
-            </a:r>
-            <a:endParaRPr lang="en-US" sz="1200" kern="1200" smtClean="0">
-              <a:solidFill>
-                <a:schemeClr val="tx1"/>
-              </a:solidFill>
-              <a:effectLst/>
-              <a:latin typeface="+mn-lt"/>
-              <a:ea typeface="+mn-ea"/>
-              <a:cs typeface="+mn-cs"/>
-            </a:endParaRPr>
-          </a:p>
-          <a:p>
-            <a:pPr lvl="2" hangingPunct="0"/>
-            <a:r>
-              <a:rPr lang="vi-VN" sz="1200" kern="1200" smtClean="0">
-                <a:solidFill>
-                  <a:schemeClr val="tx1"/>
-                </a:solidFill>
-                <a:effectLst/>
-                <a:latin typeface="+mn-lt"/>
-                <a:ea typeface="+mn-ea"/>
-                <a:cs typeface="+mn-cs"/>
-              </a:rPr>
-              <a:t>Việc gì sẽ được hoàn thành trước buổi họp lần sau? </a:t>
-            </a:r>
-            <a:endParaRPr lang="en-US" sz="1200" kern="1200" smtClean="0">
-              <a:solidFill>
-                <a:schemeClr val="tx1"/>
-              </a:solidFill>
-              <a:effectLst/>
-              <a:latin typeface="+mn-lt"/>
-              <a:ea typeface="+mn-ea"/>
-              <a:cs typeface="+mn-cs"/>
-            </a:endParaRPr>
-          </a:p>
-          <a:p>
-            <a:pPr lvl="2" hangingPunct="0"/>
-            <a:r>
-              <a:rPr lang="vi-VN" sz="1200" kern="1200" smtClean="0">
-                <a:solidFill>
-                  <a:schemeClr val="tx1"/>
-                </a:solidFill>
-                <a:effectLst/>
-                <a:latin typeface="+mn-lt"/>
-                <a:ea typeface="+mn-ea"/>
-                <a:cs typeface="+mn-cs"/>
-              </a:rPr>
-              <a:t>Có vấn đề gì nảy sinh trong quá trình làm việc? </a:t>
-            </a:r>
-            <a:endParaRPr lang="en-US" b="1" smtClean="0"/>
+              <a:t>.</a:t>
+            </a:r>
           </a:p>
           <a:p>
             <a:pPr marL="228600" marR="0" indent="-228600" algn="l" defTabSz="914400" rtl="0" eaLnBrk="1" fontAlgn="auto" latinLnBrk="0" hangingPunct="1">
@@ -6002,55 +6225,15 @@
               <a:tabLst/>
               <a:defRPr/>
             </a:pPr>
-            <a:r>
-              <a:rPr lang="en-US" b="1" smtClean="0"/>
-              <a:t>Sơ kết Sprint: </a:t>
-            </a:r>
-            <a:r>
-              <a:rPr lang="en-US" b="0" smtClean="0"/>
-              <a:t>Được</a:t>
-            </a:r>
-            <a:r>
-              <a:rPr lang="en-US" b="0" baseline="0" smtClean="0"/>
-              <a:t> tổ chức khi Sprint kết thúc để rà xoát lại phần tăng trưởng vừa làm ra</a:t>
-            </a:r>
-            <a:r>
-              <a:rPr lang="en-US" sz="1200" kern="1200" smtClean="0">
-                <a:solidFill>
-                  <a:schemeClr val="tx1"/>
-                </a:solidFill>
-                <a:effectLst/>
-                <a:latin typeface="+mn-lt"/>
-                <a:ea typeface="+mn-ea"/>
-                <a:cs typeface="+mn-cs"/>
-              </a:rPr>
-              <a:t>, và để thực hiện các biện pháp thích nghi nếu cần</a:t>
-            </a:r>
-            <a:r>
-              <a:rPr lang="en-US" sz="1200" kern="1200" baseline="0" smtClean="0">
-                <a:solidFill>
-                  <a:schemeClr val="tx1"/>
-                </a:solidFill>
-                <a:effectLst/>
-                <a:latin typeface="+mn-lt"/>
-                <a:ea typeface="+mn-ea"/>
-                <a:cs typeface="+mn-cs"/>
-              </a:rPr>
-              <a:t>. Đồng thời</a:t>
-            </a:r>
-            <a:r>
-              <a:rPr lang="en-US" sz="1200" kern="1200" smtClean="0">
-                <a:solidFill>
-                  <a:schemeClr val="tx1"/>
-                </a:solidFill>
-                <a:effectLst/>
-                <a:latin typeface="+mn-lt"/>
-                <a:ea typeface="+mn-ea"/>
-                <a:cs typeface="+mn-cs"/>
-              </a:rPr>
-              <a:t>, người tham dự cuộc họp sẽ hợp tác để thảo luận về những công việc sắp triển khai</a:t>
-            </a:r>
-            <a:endParaRPr lang="en-US" b="1" smtClean="0"/>
+            <a:endParaRPr lang="en-US" sz="1200" kern="1200" baseline="0" smtClean="0">
+              <a:solidFill>
+                <a:schemeClr val="tx1"/>
+              </a:solidFill>
+              <a:effectLst/>
+              <a:latin typeface="+mn-lt"/>
+              <a:ea typeface="+mn-ea"/>
+              <a:cs typeface="+mn-cs"/>
+            </a:endParaRPr>
           </a:p>
           <a:p>
             <a:pPr marL="228600" marR="0" indent="-228600" algn="l" defTabSz="914400" rtl="0" eaLnBrk="1" fontAlgn="auto" latinLnBrk="0" hangingPunct="1">
@@ -6108,7 +6291,7 @@
                 <a:ea typeface="+mn-ea"/>
                 <a:cs typeface="+mn-cs"/>
               </a:rPr>
-              <a:t>là cơ hội để Nhóm Scrum tự thanh tra và đưa ra kế hoạch cho các cải tiến trong Sprint tiếp theo.</a:t>
+              <a:t>là cơ hội để Nhóm Scrum tự thanh tra và đưa ra các cải tiến cho Sprint tiếp theo.</a:t>
             </a:r>
             <a:endParaRPr lang="en-US" b="1" smtClean="0"/>
           </a:p>
@@ -6219,7 +6402,7 @@
                 <a:ea typeface="+mn-ea"/>
                 <a:cs typeface="+mn-cs"/>
               </a:rPr>
-              <a:t> Product Owner đưa ra danh sách các chức năng (User Story) được sắp xếp theo độ quan trọng. Danh sách này tồn tại và cập nhật trong suốt quá trình phát triển sản phẩm.</a:t>
+              <a:t> Product Owner đưa ra danh sách các chức năng (User Story) được sắp xếp theo độ quan trọng.</a:t>
             </a:r>
           </a:p>
           <a:p>
@@ -6316,7 +6499,7 @@
                 <a:ea typeface="+mn-ea"/>
                 <a:cs typeface="+mn-cs"/>
               </a:rPr>
-              <a:t> Mỗi ngày Team tổ chức họp hàng ngày để thanh tra quá trình thực hiện, thực hiện các thay đổi nếu cần để hoàn thành công việc. Đồng thời đây cũng là thời điểm để cập nhật các Task và Sprint Backlog.</a:t>
+              <a:t> Mỗi ngày Team tổ chức họp hàng ngày.</a:t>
             </a:r>
           </a:p>
           <a:p>
@@ -6382,7 +6565,7 @@
                 <a:ea typeface="+mn-ea"/>
                 <a:cs typeface="+mn-cs"/>
               </a:rPr>
-              <a:t>Sau khi kết thúc Sprint thì Product Owner sẽ cập nhật lại sự thay đổi trong Product Backlog. Lúc này đội ngũ phát triển đã sẵn dàng để bắt đầu Sprint tiếp theo. Quy trình này cứ lặp đi lặp lại cho đến khi hoàn thành tất cả các yêu cầu của khách hàng.</a:t>
+              <a:t>Sau khi kết thúc Sprint thì Product Owner sẽ cập nhật lại sự thay đổi trong User story. Lúc này đội ngũ phát triển đã sẵn dàng để bắt đầu Sprint tiếp theo. Quy trình này cứ lặp đi lặp lại cho đến khi hoàn thành tất cả các yêu cầu của khách hàng.</a:t>
             </a:r>
           </a:p>
           <a:p>
@@ -6660,7 +6843,31 @@
             </a:r>
             <a:r>
               <a:rPr lang="en-US" baseline="0" smtClean="0"/>
-              <a:t> sở dữ liệu bao gồm 16 bảng, chi tiết các bảng em có trình bày trong báo cáo.</a:t>
+              <a:t> sở dữ liệu bao gồm 16 bảng</a:t>
+            </a:r>
+          </a:p>
+          <a:p>
+            <a:r>
+              <a:rPr lang="en-US" baseline="0" smtClean="0"/>
+              <a:t>Các bảng project, story, sprint, team, user chứa thông tin các đối tượng trong Scrum</a:t>
+            </a:r>
+          </a:p>
+          <a:p>
+            <a:r>
+              <a:rPr lang="en-US" baseline="0" smtClean="0"/>
+              <a:t>Các bảng role, permission cho việc phân quyền</a:t>
+            </a:r>
+          </a:p>
+          <a:p>
+            <a:r>
+              <a:rPr lang="en-US" baseline="0" smtClean="0"/>
+              <a:t>Bảng coment cho việc bình luận và bảng Activity chứa thông tin thao tác lên đối tượng.</a:t>
+            </a:r>
+          </a:p>
+          <a:p>
+            <a:r>
+              <a:rPr lang="en-US" baseline="0" smtClean="0"/>
+              <a:t>Chi tiết các bảng thầy cô có thể xem trong báo cáo.</a:t>
             </a:r>
             <a:endParaRPr lang="en-US"/>
           </a:p>
@@ -6848,7 +7055,7 @@
             </a:r>
             <a:r>
               <a:rPr lang="en-US" baseline="0" smtClean="0"/>
-              <a:t> phương pháp truyền thống chia quá trình phát triền thành từng giai đoạn tách biệt, giai đoạn này nối tiếp giai đoạn kia. Tiêu biểu là waterfall. Phương pháp này có vần đề là s</a:t>
+              <a:t> phương pháp truyền thống tiêu biểu là waterfall chia quá trình phát triền thành từng giai đoạn tách biệt, giai đoạn này nối tiếp giai đoạn kia..Phương pháp này có vần đề là s</a:t>
             </a:r>
             <a:r>
               <a:rPr lang="en-US" smtClean="0"/>
@@ -6856,7 +7063,7 @@
             </a:r>
             <a:r>
               <a:rPr lang="en-US" baseline="0" smtClean="0"/>
-              <a:t> làm ra thường không đáp ứng được yêu cầu người dùng, cuối chu kì phát triển sản phẩm mới được chuyển giao cho người dùng từ đó thiếu phản hồi từ người dùng nên các dự án thường có tỉ lệ thất bại cao.</a:t>
+              <a:t> làm ra đến cuối chu kì phát triển sản phẩm mới được chuyển giao cho người dùng từ đó thiếu phản hồi từ người dùng từ đó không đáp ứng được nhu yêu cầu thực sự của người dùng nên các dự án thường có tỉ lệ thất bại cao.</a:t>
             </a:r>
           </a:p>
           <a:p>
@@ -6866,7 +7073,17 @@
             </a:pPr>
             <a:r>
               <a:rPr lang="en-US" baseline="0" smtClean="0"/>
-              <a:t>Agile cùng các phương pháp của nó ra đời đã tạo ra những thay đổi rất lớn, làm tăng rất nhiều số lượng các dự án thành công lên rất nhiều. Với nhiều khả năng mang lại mức độ thành công cao cho các dự án, Agile đang được các công ty Việt Nam áp dụng rất nhiều.</a:t>
+              <a:t>Agile cùng các phương pháp của nó theo hướng tiếp cận mới tạo ra những thay đổi rất lớn, làm tăng số lượng các dự án thành công lên rất nhiều. Thầy cô có thể xem tại biểu đồ sau, Agile giúp tăng gấp 3 lần các dự án thành công.</a:t>
+            </a:r>
+          </a:p>
+          <a:p>
+            <a:pPr marL="228600" indent="-228600">
+              <a:buFont typeface="Wingdings" panose="05000000000000000000" pitchFamily="2" charset="2"/>
+              <a:buChar char="v"/>
+            </a:pPr>
+            <a:r>
+              <a:rPr lang="en-US" baseline="0" smtClean="0"/>
+              <a:t>Với nhiều khả năng mang lại mức độ thành công cao cho các dự án, Agile đang được các công ty áp dụng rất nhiều trên thế giới và tại Việt Nam đang được ngày càng nhiều công ty sử dụng.</a:t>
             </a:r>
           </a:p>
         </p:txBody>
@@ -6957,13 +7174,19 @@
             </a:r>
             <a:r>
               <a:rPr lang="en-US" baseline="0" smtClean="0"/>
-              <a:t> áp dụng Agile thủ công bằng giấy bút sẽ gặp nhiều khó khăn khi lưu trữ thông tin dự án đã và đang thực hiện, đồng thời việc tìm lại thông tin khi cần thiết cũng gặp không ít khó khăn.</a:t>
+              <a:t> áp dụng Agile thủ công bằng giấy bút sẽ gặp nhiều khó khăn sau</a:t>
             </a:r>
           </a:p>
           <a:p>
             <a:r>
               <a:rPr lang="en-US" baseline="0" smtClean="0"/>
-              <a:t>Việc theo dõi cập nhật tiến độ dự án phải thực hiện bằng tay thì mất thời gian và chậm trễ.</a:t>
+              <a:t>Khi lưu trữ thông tin dự án đã và đang thực hiện, đồng thời việc tìm lại thông tin khi cần thiết cũng gặp không ít khó khăn.</a:t>
+            </a:r>
+          </a:p>
+          <a:p>
+            <a:r>
+              <a:rPr lang="en-US" baseline="0" smtClean="0"/>
+              <a:t>Việc theo dõi cập nhật tiến độ dự án phải thực hiện bằng tay thì chậm trễ, từ đó thông tin về dự án thiếu tính cập nhật</a:t>
             </a:r>
           </a:p>
           <a:p>
@@ -6975,7 +7198,7 @@
           <a:p>
             <a:r>
               <a:rPr lang="en-US" baseline="0" smtClean="0"/>
-              <a:t>Các thành viên trong nhóm cần phải liên tục làm việc cùng nhau để cập nhật tiến độ dự án.</a:t>
+              <a:t>Hạn chế về không gian: Mỗi đội phải có 1 không gian bố trí tất cả công việc của các thành viên trong dự án, với 1 công ty nhỏ thì có thể  dẫn đến thiếu không gian.</a:t>
             </a:r>
             <a:endParaRPr lang="en-US"/>
           </a:p>
@@ -7154,18 +7377,14 @@
           <a:lstStyle/>
           <a:p>
             <a:r>
-              <a:rPr lang="en-US" smtClean="0"/>
-              <a:t>Đầu</a:t>
-            </a:r>
-            <a:r>
               <a:rPr lang="en-US" baseline="0" smtClean="0"/>
-              <a:t> tiên, Agile là gì? Nó là …</a:t>
+              <a:t>Để tìm hiểu vì sao Agile lại mang nhiều thành công như vậy, em xin phép trình bày về lý thuyết của nó. Đầu tiên, Agile là gì?</a:t>
             </a:r>
           </a:p>
           <a:p>
             <a:r>
               <a:rPr lang="en-US" baseline="0" smtClean="0"/>
-              <a:t>Agile đi kèm với tuyên ngôn Agile là cô đọng nhất những gì mà triết lý Agile hướng tới. </a:t>
+              <a:t>Agile bao gồm tuyên ngôn Agile là cô đọng nhất những gì mà triết lý Agile hướng tới. </a:t>
             </a:r>
             <a:endParaRPr lang="en-US"/>
           </a:p>
@@ -7269,12 +7488,8 @@
               <a:defRPr/>
             </a:pPr>
             <a:r>
-              <a:rPr lang="en-US" smtClean="0"/>
-              <a:t>Cá</a:t>
-            </a:r>
-            <a:r>
               <a:rPr lang="en-US" baseline="0" smtClean="0"/>
-              <a:t> nhân tham gia và sự tương tác giữa họ là nhân tố để nhóm làm việc hiệu quả cao. Để tạo điều kiện cho truyền thông, các phương pháp Agile thường xuyên sử dụng các quy trình thanh tra và thích nghi thông qua các cuộc họp (ví dụ như với Scrum là daily meeting, họp kế hoạch sprint, họp sơ kết sprint, họp cải tiến sprint)</a:t>
+              <a:t>Tuyên ngôn đầu tiền: …  Đó nhân tố để nhóm làm việc hiệu quả cao. Để tạo điều kiện cho truyền thông trong nhóm, các phương pháp Agile thường xuyên sử dụng các quy trình thanh tra và thích nghi thông qua các cuộc họp (ví dụ như với Scrum là daily meeting, họp kế hoạch sprint, họp sơ kết sprint, họp cải tiến sprint)</a:t>
             </a:r>
           </a:p>
           <a:p>
@@ -7381,7 +7596,7 @@
             </a:pPr>
             <a:r>
               <a:rPr lang="en-US" baseline="0" smtClean="0"/>
-              <a:t>Phần mềm chạy tốt là 1 trong những điểm nổi bật nhất mà các phương pháp Agile mang lại. Tất cả các phương pháp theo Agile nhấn mạnh tới việc cung cấp 1 phần nhỏ của sản phẩm phần mềm chạy tốt tới khách hàng trong 1 khoản thời gian nhất định</a:t>
+              <a:t>Phần mềm chạy tốt là 1 trong những điểm nổi bật nhất mà các phương pháp Agile mang lại. Tất cả các phương pháp theo Agile nhấn mạnh tới việc cung cấp 1 phần nhỏ của sản phẩm phần mềm chạy tốt tới khách hàng trong 1 khoản thời gian nhất định và từ từ tích hợp lại thành sản phẩm hoàn chỉnh thỏa mãn tất cả nhu cầu của khách hàng.</a:t>
             </a:r>
           </a:p>
           <a:p>
@@ -7488,7 +7703,7 @@
             </a:pPr>
             <a:r>
               <a:rPr lang="en-US" baseline="0" smtClean="0"/>
-              <a:t>Việc khách hàng tham gia vào đội ngũ phát triển, thường xuyên cung cấp các thông tin phản hồi dựa vào việc chuyển giao từng phần nhỏ của dự án đã giúp các dự án hoàn thành đúng với yêu cầu của khách hàng hơn.</a:t>
+              <a:t>Agile nhấn mạnh rằng: việc khách hàng tham gia vào đội ngũ phát triển, thường xuyên cung cấp các thông tin phản hồi dựa vào việc chuyển giao từng phần nhỏ của dự án đã giúp các dự án hoàn thành đúng với yêu cầu của khách hàng hơn.</a:t>
             </a:r>
           </a:p>
           <a:p>
@@ -12567,7 +12782,7 @@
         </p:nvSpPr>
         <p:spPr>
           <a:xfrm>
-            <a:off x="3200400" y="2743200"/>
+            <a:off x="3309334" y="2743200"/>
             <a:ext cx="4920266" cy="1447800"/>
           </a:xfrm>
         </p:spPr>
@@ -12730,13 +12945,8 @@
           <a:p>
             <a:r>
               <a:rPr lang="en-US"/>
-              <a:t>Cơ sở lý </a:t>
-            </a:r>
-            <a:r>
-              <a:rPr lang="en-US" smtClean="0"/>
-              <a:t>thuyết</a:t>
-            </a:r>
-            <a:endParaRPr lang="en-US"/>
+              <a:t>Mô hình Agile</a:t>
+            </a:r>
           </a:p>
         </p:txBody>
       </p:sp>
@@ -12877,13 +13087,8 @@
           <a:p>
             <a:r>
               <a:rPr lang="en-US"/>
-              <a:t>Cơ sở lý </a:t>
-            </a:r>
-            <a:r>
-              <a:rPr lang="en-US" smtClean="0"/>
-              <a:t>thuyết</a:t>
-            </a:r>
-            <a:endParaRPr lang="en-US"/>
+              <a:t>Mô hình Agile</a:t>
+            </a:r>
           </a:p>
         </p:txBody>
       </p:sp>
@@ -13018,13 +13223,8 @@
           <a:p>
             <a:r>
               <a:rPr lang="en-US"/>
-              <a:t>Cơ sở lý </a:t>
-            </a:r>
-            <a:r>
-              <a:rPr lang="en-US" smtClean="0"/>
-              <a:t>thuyết</a:t>
-            </a:r>
-            <a:endParaRPr lang="en-US"/>
+              <a:t>Mô hình Agile</a:t>
+            </a:r>
           </a:p>
         </p:txBody>
       </p:sp>
@@ -13169,13 +13369,8 @@
           <a:p>
             <a:r>
               <a:rPr lang="en-US"/>
-              <a:t>Cơ sở lý </a:t>
-            </a:r>
-            <a:r>
-              <a:rPr lang="en-US" smtClean="0"/>
-              <a:t>thuyết</a:t>
-            </a:r>
-            <a:endParaRPr lang="en-US"/>
+              <a:t>Phương pháp Scrum</a:t>
+            </a:r>
           </a:p>
         </p:txBody>
       </p:sp>
@@ -13411,13 +13606,8 @@
           <a:p>
             <a:r>
               <a:rPr lang="en-US"/>
-              <a:t>Cơ sở lý </a:t>
-            </a:r>
-            <a:r>
-              <a:rPr lang="en-US" smtClean="0"/>
-              <a:t>thuyết</a:t>
-            </a:r>
-            <a:endParaRPr lang="en-US"/>
+              <a:t>Phương pháp Scrum</a:t>
+            </a:r>
           </a:p>
         </p:txBody>
       </p:sp>
@@ -13592,13 +13782,8 @@
           <a:p>
             <a:r>
               <a:rPr lang="en-US"/>
-              <a:t>Cơ sở lý </a:t>
-            </a:r>
-            <a:r>
-              <a:rPr lang="en-US" smtClean="0"/>
-              <a:t>thuyết</a:t>
-            </a:r>
-            <a:endParaRPr lang="en-US"/>
+              <a:t>Phương pháp Scrum</a:t>
+            </a:r>
           </a:p>
         </p:txBody>
       </p:sp>
@@ -13630,8 +13815,28 @@
             </a:r>
             <a:r>
               <a:rPr lang="en-US" smtClean="0"/>
-              <a:t>: yêu cầu của khách hàng, do khách hàng mô tả.</a:t>
-            </a:r>
+              <a:t>: yêu cầu của khách hàng, </a:t>
+            </a:r>
+            <a:r>
+              <a:rPr lang="en-US"/>
+              <a:t>mô tả bằng thuật ngữ của khách hàng </a:t>
+            </a:r>
+            <a:r>
+              <a:rPr lang="en-US" smtClean="0"/>
+              <a:t>.</a:t>
+            </a:r>
+          </a:p>
+          <a:p>
+            <a:pPr lvl="1"/>
+            <a:r>
+              <a:rPr lang="en-US" b="1" smtClean="0"/>
+              <a:t>Product backlog: </a:t>
+            </a:r>
+            <a:r>
+              <a:rPr lang="en-US" smtClean="0"/>
+              <a:t>danh sách theo thứ tự tất cả các tính năng của sản phẩm cùng các thay đổi.</a:t>
+            </a:r>
+            <a:endParaRPr lang="en-US" b="1" smtClean="0"/>
           </a:p>
           <a:p>
             <a:pPr lvl="1"/>
@@ -13641,7 +13846,7 @@
             </a:r>
             <a:r>
               <a:rPr lang="en-US" smtClean="0"/>
-              <a:t>: chu trình phát triển nhằm tạo ra các phần tăng trưởng của hệ thống.</a:t>
+              <a:t>: chu kỳ phát triển nhằm tạo ra các phần tăng trưởng.</a:t>
             </a:r>
           </a:p>
           <a:p>
@@ -13652,7 +13857,7 @@
             </a:r>
             <a:r>
               <a:rPr lang="en-US" smtClean="0"/>
-              <a:t>: danh sách các nhiệm vụ cho nhóm trong Sprint.</a:t>
+              <a:t>: danh sách các công việc của nhóm trong Sprint.</a:t>
             </a:r>
           </a:p>
           <a:p>
@@ -13723,13 +13928,8 @@
           <a:p>
             <a:r>
               <a:rPr lang="en-US"/>
-              <a:t>Cơ sở lý </a:t>
-            </a:r>
-            <a:r>
-              <a:rPr lang="en-US" smtClean="0"/>
-              <a:t>thuyết</a:t>
-            </a:r>
-            <a:endParaRPr lang="en-US"/>
+              <a:t>Phương pháp Scrum</a:t>
+            </a:r>
           </a:p>
         </p:txBody>
       </p:sp>
@@ -14170,13 +14370,8 @@
           <a:p>
             <a:r>
               <a:rPr lang="en-US"/>
-              <a:t>Cơ sở lý </a:t>
-            </a:r>
-            <a:r>
-              <a:rPr lang="en-US" smtClean="0"/>
-              <a:t>thuyết</a:t>
-            </a:r>
-            <a:endParaRPr lang="en-US"/>
+              <a:t>Phương pháp Scrum</a:t>
+            </a:r>
           </a:p>
         </p:txBody>
       </p:sp>
@@ -14322,11 +14517,7 @@
           <a:p>
             <a:r>
               <a:rPr lang="en-US" smtClean="0"/>
-              <a:t>Xây dựng công </a:t>
-            </a:r>
-            <a:r>
-              <a:rPr lang="en-US" smtClean="0"/>
-              <a:t>cụ</a:t>
+              <a:t>Xây dựng công cụ</a:t>
             </a:r>
             <a:endParaRPr lang="en-US"/>
           </a:p>
@@ -14356,13 +14547,20 @@
             <a:pPr lvl="1"/>
             <a:r>
               <a:rPr lang="en-US" smtClean="0"/>
-              <a:t>Xây dựng công cụ hỗ trợ các nghiệp cụ trong phương pháp Scrum.</a:t>
+              <a:t>Xây dựng công cụ hỗ trợ các nghiệp vụ trong phương pháp Scrum.</a:t>
             </a:r>
           </a:p>
           <a:p>
             <a:r>
               <a:rPr lang="en-US" smtClean="0"/>
               <a:t>Các tính năng</a:t>
+            </a:r>
+          </a:p>
+          <a:p>
+            <a:pPr lvl="1"/>
+            <a:r>
+              <a:rPr lang="en-US" smtClean="0"/>
+              <a:t>Quản lí thông tin dự án.</a:t>
             </a:r>
           </a:p>
           <a:p>
@@ -14486,46 +14684,52 @@
           <a:lstStyle/>
           <a:p>
             <a:r>
-              <a:rPr lang="en-US" smtClean="0"/>
+              <a:rPr lang="en-US" sz="2400" smtClean="0"/>
               <a:t>Mô hình MVC</a:t>
             </a:r>
           </a:p>
           <a:p>
-            <a:endParaRPr lang="en-US"/>
-          </a:p>
-          <a:p>
-            <a:endParaRPr lang="en-US" smtClean="0"/>
-          </a:p>
-          <a:p>
-            <a:endParaRPr lang="en-US"/>
-          </a:p>
-          <a:p>
-            <a:endParaRPr lang="en-US" smtClean="0"/>
-          </a:p>
-          <a:p>
-            <a:endParaRPr lang="en-US"/>
-          </a:p>
-          <a:p>
-            <a:endParaRPr lang="en-US" smtClean="0"/>
-          </a:p>
-          <a:p>
-            <a:r>
-              <a:rPr lang="en-US" smtClean="0"/>
+            <a:endParaRPr lang="en-US" sz="2400"/>
+          </a:p>
+          <a:p>
+            <a:endParaRPr lang="en-US" sz="2400" smtClean="0"/>
+          </a:p>
+          <a:p>
+            <a:endParaRPr lang="en-US" sz="2400"/>
+          </a:p>
+          <a:p>
+            <a:endParaRPr lang="en-US" sz="2400" smtClean="0"/>
+          </a:p>
+          <a:p>
+            <a:endParaRPr lang="en-US" sz="2400"/>
+          </a:p>
+          <a:p>
+            <a:endParaRPr lang="en-US" sz="2400" smtClean="0"/>
+          </a:p>
+          <a:p>
+            <a:r>
+              <a:rPr lang="en-US" sz="2400" smtClean="0"/>
               <a:t>Ngôn ngữ phát triển: PHP</a:t>
             </a:r>
           </a:p>
           <a:p>
             <a:r>
-              <a:rPr lang="en-US" smtClean="0"/>
+              <a:rPr lang="en-US" sz="2400" smtClean="0"/>
+              <a:t>Web Server: Apache</a:t>
+            </a:r>
+          </a:p>
+          <a:p>
+            <a:r>
+              <a:rPr lang="en-US" sz="2400" smtClean="0"/>
               <a:t>Hệ quản trị cơ sở dữ liệu: MySql</a:t>
             </a:r>
           </a:p>
           <a:p>
             <a:r>
-              <a:rPr lang="en-US" smtClean="0"/>
+              <a:rPr lang="en-US" sz="2400" smtClean="0"/>
               <a:t>Công nghệ: HTML5 WebSocket, framework Laravel</a:t>
             </a:r>
-            <a:endParaRPr lang="en-US"/>
+            <a:endParaRPr lang="en-US" sz="2400"/>
           </a:p>
         </p:txBody>
       </p:sp>
@@ -14548,8 +14752,8 @@
         </p:blipFill>
         <p:spPr bwMode="auto">
           <a:xfrm>
-            <a:off x="1447800" y="1752600"/>
-            <a:ext cx="5105400" cy="2715330"/>
+            <a:off x="2286000" y="1524000"/>
+            <a:ext cx="5105400" cy="2514600"/>
           </a:xfrm>
           <a:prstGeom prst="roundRect">
             <a:avLst>
@@ -14782,7 +14986,7 @@
           <a:p>
             <a:r>
               <a:rPr lang="en-US" smtClean="0"/>
-              <a:t>Phân tích yêu cầu</a:t>
+              <a:t>Phân tích tính năng</a:t>
             </a:r>
           </a:p>
           <a:p>
@@ -15157,7 +15361,7 @@
             <a:pPr lvl="1"/>
             <a:r>
               <a:rPr lang="en-US" smtClean="0"/>
-              <a:t>Nắm bắt được những kiến thức cơ bản và cần thiết về mô hình Agile và phương pháp Scrum.</a:t>
+              <a:t>Nắm bắt được những kiến thức cơ bản và cần thiết về mô hình Agile cùng phương pháp Scrum.</a:t>
             </a:r>
           </a:p>
           <a:p>
@@ -16041,14 +16245,9 @@
           <a:lstStyle/>
           <a:p>
             <a:r>
-              <a:rPr lang="en-US" smtClean="0"/>
-              <a:t>Cơ sở lý </a:t>
-            </a:r>
-            <a:r>
-              <a:rPr lang="en-US" smtClean="0"/>
-              <a:t>thuyết</a:t>
-            </a:r>
-            <a:endParaRPr lang="en-US"/>
+              <a:rPr lang="en-US"/>
+              <a:t>Mô hình Agile</a:t>
+            </a:r>
           </a:p>
         </p:txBody>
       </p:sp>
@@ -16212,13 +16411,8 @@
           <a:p>
             <a:r>
               <a:rPr lang="en-US"/>
-              <a:t>Cơ sở lý </a:t>
-            </a:r>
-            <a:r>
-              <a:rPr lang="en-US" smtClean="0"/>
-              <a:t>thuyết</a:t>
-            </a:r>
-            <a:endParaRPr lang="en-US"/>
+              <a:t>Mô hình Agile</a:t>
+            </a:r>
           </a:p>
         </p:txBody>
       </p:sp>
@@ -16348,13 +16542,8 @@
           <a:p>
             <a:r>
               <a:rPr lang="en-US"/>
-              <a:t>Cơ sở lý </a:t>
-            </a:r>
-            <a:r>
-              <a:rPr lang="en-US" smtClean="0"/>
-              <a:t>thuyết</a:t>
-            </a:r>
-            <a:endParaRPr lang="en-US"/>
+              <a:t>Mô hình Agile</a:t>
+            </a:r>
           </a:p>
         </p:txBody>
       </p:sp>
@@ -16494,13 +16683,8 @@
           <a:p>
             <a:r>
               <a:rPr lang="en-US"/>
-              <a:t>Cơ sở lý </a:t>
-            </a:r>
-            <a:r>
-              <a:rPr lang="en-US" smtClean="0"/>
-              <a:t>thuyết</a:t>
-            </a:r>
-            <a:endParaRPr lang="en-US"/>
+              <a:t>Mô hình Agile</a:t>
+            </a:r>
           </a:p>
         </p:txBody>
       </p:sp>
